--- a/02-10-2020/Projeto-Pesquisa-02-10-2020.pptx
+++ b/02-10-2020/Projeto-Pesquisa-02-10-2020.pptx
@@ -8,19 +8,19 @@
     <p:sldId id="256" r:id="rId2"/>
     <p:sldId id="257" r:id="rId3"/>
     <p:sldId id="258" r:id="rId4"/>
-    <p:sldId id="259" r:id="rId5"/>
-    <p:sldId id="260" r:id="rId6"/>
-    <p:sldId id="261" r:id="rId7"/>
-    <p:sldId id="262" r:id="rId8"/>
-    <p:sldId id="263" r:id="rId9"/>
-    <p:sldId id="264" r:id="rId10"/>
-    <p:sldId id="265" r:id="rId11"/>
-    <p:sldId id="266" r:id="rId12"/>
-    <p:sldId id="267" r:id="rId13"/>
-    <p:sldId id="268" r:id="rId14"/>
-    <p:sldId id="269" r:id="rId15"/>
-    <p:sldId id="270" r:id="rId16"/>
-    <p:sldId id="271" r:id="rId17"/>
+    <p:sldId id="260" r:id="rId5"/>
+    <p:sldId id="261" r:id="rId6"/>
+    <p:sldId id="262" r:id="rId7"/>
+    <p:sldId id="263" r:id="rId8"/>
+    <p:sldId id="264" r:id="rId9"/>
+    <p:sldId id="265" r:id="rId10"/>
+    <p:sldId id="266" r:id="rId11"/>
+    <p:sldId id="267" r:id="rId12"/>
+    <p:sldId id="268" r:id="rId13"/>
+    <p:sldId id="269" r:id="rId14"/>
+    <p:sldId id="270" r:id="rId15"/>
+    <p:sldId id="271" r:id="rId16"/>
+    <p:sldId id="272" r:id="rId17"/>
   </p:sldIdLst>
   <p:sldSz cx="12192000" cy="6858000"/>
   <p:notesSz cx="6858000" cy="9144000"/>
@@ -119,6 +119,11 @@
       </a:defRPr>
     </a:lvl9pPr>
   </p:defaultTextStyle>
+  <p:extLst>
+    <p:ext uri="{EFAFB233-063F-42B5-8137-9DF3F51BA10A}">
+      <p15:sldGuideLst xmlns:p15="http://schemas.microsoft.com/office/powerpoint/2012/main"/>
+    </p:ext>
+  </p:extLst>
 </p:presentation>
 </file>
 
@@ -271,7 +276,7 @@
           <a:p>
             <a:fld id="{0A014B40-08E3-4028-8397-026338F4B698}" type="datetimeFigureOut">
               <a:rPr lang="pt-BR" smtClean="0"/>
-              <a:t>01/10/2020</a:t>
+              <a:t>02/10/2020</a:t>
             </a:fld>
             <a:endParaRPr lang="pt-BR"/>
           </a:p>
@@ -471,7 +476,7 @@
           <a:p>
             <a:fld id="{0A014B40-08E3-4028-8397-026338F4B698}" type="datetimeFigureOut">
               <a:rPr lang="pt-BR" smtClean="0"/>
-              <a:t>01/10/2020</a:t>
+              <a:t>02/10/2020</a:t>
             </a:fld>
             <a:endParaRPr lang="pt-BR"/>
           </a:p>
@@ -681,7 +686,7 @@
           <a:p>
             <a:fld id="{0A014B40-08E3-4028-8397-026338F4B698}" type="datetimeFigureOut">
               <a:rPr lang="pt-BR" smtClean="0"/>
-              <a:t>01/10/2020</a:t>
+              <a:t>02/10/2020</a:t>
             </a:fld>
             <a:endParaRPr lang="pt-BR"/>
           </a:p>
@@ -881,7 +886,7 @@
           <a:p>
             <a:fld id="{0A014B40-08E3-4028-8397-026338F4B698}" type="datetimeFigureOut">
               <a:rPr lang="pt-BR" smtClean="0"/>
-              <a:t>01/10/2020</a:t>
+              <a:t>02/10/2020</a:t>
             </a:fld>
             <a:endParaRPr lang="pt-BR"/>
           </a:p>
@@ -1157,7 +1162,7 @@
           <a:p>
             <a:fld id="{0A014B40-08E3-4028-8397-026338F4B698}" type="datetimeFigureOut">
               <a:rPr lang="pt-BR" smtClean="0"/>
-              <a:t>01/10/2020</a:t>
+              <a:t>02/10/2020</a:t>
             </a:fld>
             <a:endParaRPr lang="pt-BR"/>
           </a:p>
@@ -1425,7 +1430,7 @@
           <a:p>
             <a:fld id="{0A014B40-08E3-4028-8397-026338F4B698}" type="datetimeFigureOut">
               <a:rPr lang="pt-BR" smtClean="0"/>
-              <a:t>01/10/2020</a:t>
+              <a:t>02/10/2020</a:t>
             </a:fld>
             <a:endParaRPr lang="pt-BR"/>
           </a:p>
@@ -1840,7 +1845,7 @@
           <a:p>
             <a:fld id="{0A014B40-08E3-4028-8397-026338F4B698}" type="datetimeFigureOut">
               <a:rPr lang="pt-BR" smtClean="0"/>
-              <a:t>01/10/2020</a:t>
+              <a:t>02/10/2020</a:t>
             </a:fld>
             <a:endParaRPr lang="pt-BR"/>
           </a:p>
@@ -1982,7 +1987,7 @@
           <a:p>
             <a:fld id="{0A014B40-08E3-4028-8397-026338F4B698}" type="datetimeFigureOut">
               <a:rPr lang="pt-BR" smtClean="0"/>
-              <a:t>01/10/2020</a:t>
+              <a:t>02/10/2020</a:t>
             </a:fld>
             <a:endParaRPr lang="pt-BR"/>
           </a:p>
@@ -2095,7 +2100,7 @@
           <a:p>
             <a:fld id="{0A014B40-08E3-4028-8397-026338F4B698}" type="datetimeFigureOut">
               <a:rPr lang="pt-BR" smtClean="0"/>
-              <a:t>01/10/2020</a:t>
+              <a:t>02/10/2020</a:t>
             </a:fld>
             <a:endParaRPr lang="pt-BR"/>
           </a:p>
@@ -2408,7 +2413,7 @@
           <a:p>
             <a:fld id="{0A014B40-08E3-4028-8397-026338F4B698}" type="datetimeFigureOut">
               <a:rPr lang="pt-BR" smtClean="0"/>
-              <a:t>01/10/2020</a:t>
+              <a:t>02/10/2020</a:t>
             </a:fld>
             <a:endParaRPr lang="pt-BR"/>
           </a:p>
@@ -2697,7 +2702,7 @@
           <a:p>
             <a:fld id="{0A014B40-08E3-4028-8397-026338F4B698}" type="datetimeFigureOut">
               <a:rPr lang="pt-BR" smtClean="0"/>
-              <a:t>01/10/2020</a:t>
+              <a:t>02/10/2020</a:t>
             </a:fld>
             <a:endParaRPr lang="pt-BR"/>
           </a:p>
@@ -2940,7 +2945,7 @@
           <a:p>
             <a:fld id="{0A014B40-08E3-4028-8397-026338F4B698}" type="datetimeFigureOut">
               <a:rPr lang="pt-BR" smtClean="0"/>
-              <a:t>01/10/2020</a:t>
+              <a:t>02/10/2020</a:t>
             </a:fld>
             <a:endParaRPr lang="pt-BR"/>
           </a:p>
@@ -3557,7 +3562,7 @@
           <p:cNvPr id="2" name="Title 1">
             <a:extLst>
               <a:ext uri="{FF2B5EF4-FFF2-40B4-BE49-F238E27FC236}">
-                <a16:creationId xmlns:a16="http://schemas.microsoft.com/office/drawing/2014/main" id="{0F82107E-8092-40E9-84CB-E90812D07E07}"/>
+                <a16:creationId xmlns:a16="http://schemas.microsoft.com/office/drawing/2014/main" id="{1E5F0276-AFCC-4799-8A1A-F58836C1B534}"/>
               </a:ext>
             </a:extLst>
           </p:cNvPr>
@@ -3575,63 +3580,17 @@
           <a:p>
             <a:r>
               <a:rPr lang="pt-BR" dirty="0"/>
-              <a:t>Perceptron</a:t>
-            </a:r>
-          </a:p>
-        </p:txBody>
-      </p:sp>
-      <p:sp>
-        <p:nvSpPr>
-          <p:cNvPr id="3" name="Content Placeholder 2">
-            <a:extLst>
-              <a:ext uri="{FF2B5EF4-FFF2-40B4-BE49-F238E27FC236}">
-                <a16:creationId xmlns:a16="http://schemas.microsoft.com/office/drawing/2014/main" id="{BC06E155-5616-4F18-B41E-7AFDB2D65726}"/>
-              </a:ext>
-            </a:extLst>
-          </p:cNvPr>
-          <p:cNvSpPr>
-            <a:spLocks noGrp="1"/>
-          </p:cNvSpPr>
-          <p:nvPr>
-            <p:ph idx="1"/>
-          </p:nvPr>
-        </p:nvSpPr>
-        <p:spPr/>
-        <p:txBody>
-          <a:bodyPr/>
-          <a:lstStyle/>
-          <a:p>
-            <a:r>
-              <a:rPr lang="pt-BR" dirty="0"/>
-              <a:t>Classificações Binárias simples (problemas lineares e linearmente separáveis).</a:t>
-            </a:r>
-          </a:p>
-          <a:p>
-            <a:r>
-              <a:rPr lang="pt-BR" dirty="0"/>
-              <a:t>Uma perceptron é composta por uma camada de entrada e uma camada de saída.</a:t>
-            </a:r>
-          </a:p>
-          <a:p>
-            <a:r>
-              <a:rPr lang="pt-BR" dirty="0"/>
-              <a:t>Adição de um neurônio de viés (bias) – permite mudar a função de ativação para a esquerda ou direita.</a:t>
-            </a:r>
-          </a:p>
-          <a:p>
-            <a:r>
-              <a:rPr lang="pt-BR" dirty="0"/>
-              <a:t>Classificador multioutput.</a:t>
+              <a:t>Neurônio de Viés</a:t>
             </a:r>
           </a:p>
         </p:txBody>
       </p:sp>
       <p:pic>
         <p:nvPicPr>
-          <p:cNvPr id="8196" name="Picture 4">
-            <a:extLst>
-              <a:ext uri="{FF2B5EF4-FFF2-40B4-BE49-F238E27FC236}">
-                <a16:creationId xmlns:a16="http://schemas.microsoft.com/office/drawing/2014/main" id="{0090F10F-F48D-48CB-9F93-75E0A141C016}"/>
+          <p:cNvPr id="4" name="Picture 2">
+            <a:extLst>
+              <a:ext uri="{FF2B5EF4-FFF2-40B4-BE49-F238E27FC236}">
+                <a16:creationId xmlns:a16="http://schemas.microsoft.com/office/drawing/2014/main" id="{2C3CB5F5-D99C-447A-8E6E-DD67078261D1}"/>
               </a:ext>
             </a:extLst>
           </p:cNvPr>
@@ -3655,8 +3614,8 @@
         </p:blipFill>
         <p:spPr bwMode="auto">
           <a:xfrm>
-            <a:off x="6650313" y="3898980"/>
-            <a:ext cx="4703487" cy="2593895"/>
+            <a:off x="702987" y="2458470"/>
+            <a:ext cx="5393013" cy="4034405"/>
           </a:xfrm>
           <a:prstGeom prst="rect">
             <a:avLst/>
@@ -3673,94 +3632,12 @@
           </a:extLst>
         </p:spPr>
       </p:pic>
-      <p:sp>
-        <p:nvSpPr>
-          <p:cNvPr id="4" name="Arrow: Right 3">
-            <a:extLst>
-              <a:ext uri="{FF2B5EF4-FFF2-40B4-BE49-F238E27FC236}">
-                <a16:creationId xmlns:a16="http://schemas.microsoft.com/office/drawing/2014/main" id="{3707EABA-A66B-45CC-8026-C8443B121C0F}"/>
-              </a:ext>
-            </a:extLst>
-          </p:cNvPr>
-          <p:cNvSpPr/>
-          <p:nvPr/>
-        </p:nvSpPr>
-        <p:spPr>
-          <a:xfrm rot="19510359">
-            <a:off x="6146759" y="1037542"/>
-            <a:ext cx="978408" cy="484632"/>
-          </a:xfrm>
-          <a:prstGeom prst="rightArrow">
-            <a:avLst/>
-          </a:prstGeom>
-        </p:spPr>
-        <p:style>
-          <a:lnRef idx="2">
-            <a:schemeClr val="accent1">
-              <a:shade val="50000"/>
-            </a:schemeClr>
-          </a:lnRef>
-          <a:fillRef idx="1">
-            <a:schemeClr val="accent1"/>
-          </a:fillRef>
-          <a:effectRef idx="0">
-            <a:schemeClr val="accent1"/>
-          </a:effectRef>
-          <a:fontRef idx="minor">
-            <a:schemeClr val="lt1"/>
-          </a:fontRef>
-        </p:style>
-        <p:txBody>
-          <a:bodyPr rtlCol="0" anchor="ctr"/>
-          <a:lstStyle/>
-          <a:p>
-            <a:pPr algn="ctr"/>
-            <a:endParaRPr lang="pt-BR"/>
-          </a:p>
-        </p:txBody>
-      </p:sp>
-      <p:sp>
-        <p:nvSpPr>
-          <p:cNvPr id="5" name="TextBox 4">
-            <a:extLst>
-              <a:ext uri="{FF2B5EF4-FFF2-40B4-BE49-F238E27FC236}">
-                <a16:creationId xmlns:a16="http://schemas.microsoft.com/office/drawing/2014/main" id="{889360A3-08E3-4074-84AF-D56297B9020C}"/>
-              </a:ext>
-            </a:extLst>
-          </p:cNvPr>
-          <p:cNvSpPr txBox="1"/>
-          <p:nvPr/>
-        </p:nvSpPr>
-        <p:spPr>
-          <a:xfrm>
-            <a:off x="7391399" y="625451"/>
-            <a:ext cx="4137991" cy="646331"/>
-          </a:xfrm>
-          <a:prstGeom prst="rect">
-            <a:avLst/>
-          </a:prstGeom>
-          <a:noFill/>
-        </p:spPr>
-        <p:txBody>
-          <a:bodyPr wrap="square" rtlCol="0">
-            <a:spAutoFit/>
-          </a:bodyPr>
-          <a:lstStyle/>
-          <a:p>
-            <a:pPr algn="ctr"/>
-            <a:r>
-              <a:rPr lang="pt-BR" b="1" dirty="0"/>
-              <a:t>Problemas linearmente separáveis oferecem uma infinidade de hiperplanos!</a:t>
-            </a:r>
-          </a:p>
-        </p:txBody>
-      </p:sp>
       <p:pic>
         <p:nvPicPr>
-          <p:cNvPr id="8198" name="Picture 6" descr="Introdução ao Perceptron passo a passo | GlobalMin">
-            <a:extLst>
-              <a:ext uri="{FF2B5EF4-FFF2-40B4-BE49-F238E27FC236}">
-                <a16:creationId xmlns:a16="http://schemas.microsoft.com/office/drawing/2014/main" id="{FE3953A6-5C65-4434-BBBF-6D90713E4002}"/>
+          <p:cNvPr id="9218" name="Picture 2">
+            <a:extLst>
+              <a:ext uri="{FF2B5EF4-FFF2-40B4-BE49-F238E27FC236}">
+                <a16:creationId xmlns:a16="http://schemas.microsoft.com/office/drawing/2014/main" id="{A42CC892-AD43-4AEA-BF4B-7355C9792C3B}"/>
               </a:ext>
             </a:extLst>
           </p:cNvPr>
@@ -3784,8 +3661,8 @@
         </p:blipFill>
         <p:spPr bwMode="auto">
           <a:xfrm>
-            <a:off x="2077692" y="5011133"/>
-            <a:ext cx="3680253" cy="1846867"/>
+            <a:off x="1303993" y="2873651"/>
+            <a:ext cx="2095500" cy="819150"/>
           </a:xfrm>
           <a:prstGeom prst="rect">
             <a:avLst/>
@@ -3802,70 +3679,12 @@
           </a:extLst>
         </p:spPr>
       </p:pic>
-    </p:spTree>
-    <p:extLst>
-      <p:ext uri="{BB962C8B-B14F-4D97-AF65-F5344CB8AC3E}">
-        <p14:creationId xmlns:p14="http://schemas.microsoft.com/office/powerpoint/2010/main" val="3286975735"/>
-      </p:ext>
-    </p:extLst>
-  </p:cSld>
-  <p:clrMapOvr>
-    <a:masterClrMapping/>
-  </p:clrMapOvr>
-</p:sld>
-</file>
-
-<file path=ppt/slides/slide11.xml><?xml version="1.0" encoding="utf-8"?>
-<p:sld xmlns:a="http://schemas.openxmlformats.org/drawingml/2006/main" xmlns:r="http://schemas.openxmlformats.org/officeDocument/2006/relationships" xmlns:p="http://schemas.openxmlformats.org/presentationml/2006/main">
-  <p:cSld>
-    <p:spTree>
-      <p:nvGrpSpPr>
-        <p:cNvPr id="1" name=""/>
-        <p:cNvGrpSpPr/>
-        <p:nvPr/>
-      </p:nvGrpSpPr>
-      <p:grpSpPr>
-        <a:xfrm>
-          <a:off x="0" y="0"/>
-          <a:ext cx="0" cy="0"/>
-          <a:chOff x="0" y="0"/>
-          <a:chExt cx="0" cy="0"/>
-        </a:xfrm>
-      </p:grpSpPr>
-      <p:sp>
-        <p:nvSpPr>
-          <p:cNvPr id="2" name="Title 1">
-            <a:extLst>
-              <a:ext uri="{FF2B5EF4-FFF2-40B4-BE49-F238E27FC236}">
-                <a16:creationId xmlns:a16="http://schemas.microsoft.com/office/drawing/2014/main" id="{1E5F0276-AFCC-4799-8A1A-F58836C1B534}"/>
-              </a:ext>
-            </a:extLst>
-          </p:cNvPr>
-          <p:cNvSpPr>
-            <a:spLocks noGrp="1"/>
-          </p:cNvSpPr>
-          <p:nvPr>
-            <p:ph type="title"/>
-          </p:nvPr>
-        </p:nvSpPr>
-        <p:spPr/>
-        <p:txBody>
-          <a:bodyPr/>
-          <a:lstStyle/>
-          <a:p>
-            <a:r>
-              <a:rPr lang="pt-BR" dirty="0"/>
-              <a:t>Neurônio de Viés</a:t>
-            </a:r>
-          </a:p>
-        </p:txBody>
-      </p:sp>
       <p:pic>
         <p:nvPicPr>
-          <p:cNvPr id="4" name="Picture 2">
-            <a:extLst>
-              <a:ext uri="{FF2B5EF4-FFF2-40B4-BE49-F238E27FC236}">
-                <a16:creationId xmlns:a16="http://schemas.microsoft.com/office/drawing/2014/main" id="{2C3CB5F5-D99C-447A-8E6E-DD67078261D1}"/>
+          <p:cNvPr id="9220" name="Picture 4">
+            <a:extLst>
+              <a:ext uri="{FF2B5EF4-FFF2-40B4-BE49-F238E27FC236}">
+                <a16:creationId xmlns:a16="http://schemas.microsoft.com/office/drawing/2014/main" id="{21B67165-C6BC-4703-89BD-9AA09DA18375}"/>
               </a:ext>
             </a:extLst>
           </p:cNvPr>
@@ -3875,7 +3694,7 @@
           <p:nvPr/>
         </p:nvPicPr>
         <p:blipFill>
-          <a:blip r:embed="rId2">
+          <a:blip r:embed="rId4">
             <a:extLst>
               <a:ext uri="{28A0092B-C50C-407E-A947-70E740481C1C}">
                 <a14:useLocalDpi xmlns:a14="http://schemas.microsoft.com/office/drawing/2010/main" val="0"/>
@@ -3889,8 +3708,8 @@
         </p:blipFill>
         <p:spPr bwMode="auto">
           <a:xfrm>
-            <a:off x="702987" y="2458470"/>
-            <a:ext cx="5393013" cy="4034405"/>
+            <a:off x="6102936" y="2468281"/>
+            <a:ext cx="5250864" cy="4050434"/>
           </a:xfrm>
           <a:prstGeom prst="rect">
             <a:avLst/>
@@ -3909,10 +3728,10 @@
       </p:pic>
       <p:pic>
         <p:nvPicPr>
-          <p:cNvPr id="9218" name="Picture 2">
-            <a:extLst>
-              <a:ext uri="{FF2B5EF4-FFF2-40B4-BE49-F238E27FC236}">
-                <a16:creationId xmlns:a16="http://schemas.microsoft.com/office/drawing/2014/main" id="{A42CC892-AD43-4AEA-BF4B-7355C9792C3B}"/>
+          <p:cNvPr id="9222" name="Picture 6">
+            <a:extLst>
+              <a:ext uri="{FF2B5EF4-FFF2-40B4-BE49-F238E27FC236}">
+                <a16:creationId xmlns:a16="http://schemas.microsoft.com/office/drawing/2014/main" id="{B778CC9F-A47B-4418-9B95-11BF15EFB154}"/>
               </a:ext>
             </a:extLst>
           </p:cNvPr>
@@ -3922,7 +3741,7 @@
           <p:nvPr/>
         </p:nvPicPr>
         <p:blipFill>
-          <a:blip r:embed="rId3">
+          <a:blip r:embed="rId5">
             <a:extLst>
               <a:ext uri="{28A0092B-C50C-407E-A947-70E740481C1C}">
                 <a14:useLocalDpi xmlns:a14="http://schemas.microsoft.com/office/drawing/2010/main" val="0"/>
@@ -3936,8 +3755,8 @@
         </p:blipFill>
         <p:spPr bwMode="auto">
           <a:xfrm>
-            <a:off x="1303993" y="2873651"/>
-            <a:ext cx="2095500" cy="819150"/>
+            <a:off x="6816277" y="2762699"/>
+            <a:ext cx="1294054" cy="930102"/>
           </a:xfrm>
           <a:prstGeom prst="rect">
             <a:avLst/>
@@ -3954,100 +3773,6 @@
           </a:extLst>
         </p:spPr>
       </p:pic>
-      <p:pic>
-        <p:nvPicPr>
-          <p:cNvPr id="9220" name="Picture 4">
-            <a:extLst>
-              <a:ext uri="{FF2B5EF4-FFF2-40B4-BE49-F238E27FC236}">
-                <a16:creationId xmlns:a16="http://schemas.microsoft.com/office/drawing/2014/main" id="{21B67165-C6BC-4703-89BD-9AA09DA18375}"/>
-              </a:ext>
-            </a:extLst>
-          </p:cNvPr>
-          <p:cNvPicPr>
-            <a:picLocks noChangeAspect="1" noChangeArrowheads="1"/>
-          </p:cNvPicPr>
-          <p:nvPr/>
-        </p:nvPicPr>
-        <p:blipFill>
-          <a:blip r:embed="rId4">
-            <a:extLst>
-              <a:ext uri="{28A0092B-C50C-407E-A947-70E740481C1C}">
-                <a14:useLocalDpi xmlns:a14="http://schemas.microsoft.com/office/drawing/2010/main" val="0"/>
-              </a:ext>
-            </a:extLst>
-          </a:blip>
-          <a:srcRect/>
-          <a:stretch>
-            <a:fillRect/>
-          </a:stretch>
-        </p:blipFill>
-        <p:spPr bwMode="auto">
-          <a:xfrm>
-            <a:off x="6102936" y="2468281"/>
-            <a:ext cx="5250864" cy="4050434"/>
-          </a:xfrm>
-          <a:prstGeom prst="rect">
-            <a:avLst/>
-          </a:prstGeom>
-          <a:noFill/>
-          <a:extLst>
-            <a:ext uri="{909E8E84-426E-40DD-AFC4-6F175D3DCCD1}">
-              <a14:hiddenFill xmlns:a14="http://schemas.microsoft.com/office/drawing/2010/main">
-                <a:solidFill>
-                  <a:srgbClr val="FFFFFF"/>
-                </a:solidFill>
-              </a14:hiddenFill>
-            </a:ext>
-          </a:extLst>
-        </p:spPr>
-      </p:pic>
-      <p:pic>
-        <p:nvPicPr>
-          <p:cNvPr id="9222" name="Picture 6">
-            <a:extLst>
-              <a:ext uri="{FF2B5EF4-FFF2-40B4-BE49-F238E27FC236}">
-                <a16:creationId xmlns:a16="http://schemas.microsoft.com/office/drawing/2014/main" id="{B778CC9F-A47B-4418-9B95-11BF15EFB154}"/>
-              </a:ext>
-            </a:extLst>
-          </p:cNvPr>
-          <p:cNvPicPr>
-            <a:picLocks noChangeAspect="1" noChangeArrowheads="1"/>
-          </p:cNvPicPr>
-          <p:nvPr/>
-        </p:nvPicPr>
-        <p:blipFill>
-          <a:blip r:embed="rId5">
-            <a:extLst>
-              <a:ext uri="{28A0092B-C50C-407E-A947-70E740481C1C}">
-                <a14:useLocalDpi xmlns:a14="http://schemas.microsoft.com/office/drawing/2010/main" val="0"/>
-              </a:ext>
-            </a:extLst>
-          </a:blip>
-          <a:srcRect/>
-          <a:stretch>
-            <a:fillRect/>
-          </a:stretch>
-        </p:blipFill>
-        <p:spPr bwMode="auto">
-          <a:xfrm>
-            <a:off x="6816277" y="2762699"/>
-            <a:ext cx="1294054" cy="930102"/>
-          </a:xfrm>
-          <a:prstGeom prst="rect">
-            <a:avLst/>
-          </a:prstGeom>
-          <a:noFill/>
-          <a:extLst>
-            <a:ext uri="{909E8E84-426E-40DD-AFC4-6F175D3DCCD1}">
-              <a14:hiddenFill xmlns:a14="http://schemas.microsoft.com/office/drawing/2010/main">
-                <a:solidFill>
-                  <a:srgbClr val="FFFFFF"/>
-                </a:solidFill>
-              </a14:hiddenFill>
-            </a:ext>
-          </a:extLst>
-        </p:spPr>
-      </p:pic>
       <p:sp>
         <p:nvSpPr>
           <p:cNvPr id="5" name="TextBox 4">
@@ -4096,7 +3821,7 @@
 </p:sld>
 </file>
 
-<file path=ppt/slides/slide12.xml><?xml version="1.0" encoding="utf-8"?>
+<file path=ppt/slides/slide11.xml><?xml version="1.0" encoding="utf-8"?>
 <p:sld xmlns:a="http://schemas.openxmlformats.org/drawingml/2006/main" xmlns:r="http://schemas.openxmlformats.org/officeDocument/2006/relationships" xmlns:p="http://schemas.openxmlformats.org/presentationml/2006/main">
   <p:cSld>
     <p:spTree>
@@ -4246,7 +3971,7 @@
               <a:p>
                 <a:r>
                   <a:rPr lang="pt-BR" dirty="0"/>
-                  <a:t>Y_{j} é a j-ésima saída alvo do neurônio de saída para a instância de treinamento atual.</a:t>
+                  <a:t>y_{j} é a j-ésima saída alvo do neurônio de saída para a instância de treinamento atual.</a:t>
                 </a:r>
               </a:p>
               <a:p>
@@ -4358,6 +4083,273 @@
 </p:sld>
 </file>
 
+<file path=ppt/slides/slide12.xml><?xml version="1.0" encoding="utf-8"?>
+<p:sld xmlns:a="http://schemas.openxmlformats.org/drawingml/2006/main" xmlns:r="http://schemas.openxmlformats.org/officeDocument/2006/relationships" xmlns:p="http://schemas.openxmlformats.org/presentationml/2006/main">
+  <p:cSld>
+    <p:spTree>
+      <p:nvGrpSpPr>
+        <p:cNvPr id="1" name=""/>
+        <p:cNvGrpSpPr/>
+        <p:nvPr/>
+      </p:nvGrpSpPr>
+      <p:grpSpPr>
+        <a:xfrm>
+          <a:off x="0" y="0"/>
+          <a:ext cx="0" cy="0"/>
+          <a:chOff x="0" y="0"/>
+          <a:chExt cx="0" cy="0"/>
+        </a:xfrm>
+      </p:grpSpPr>
+      <p:sp>
+        <p:nvSpPr>
+          <p:cNvPr id="2" name="Title 1">
+            <a:extLst>
+              <a:ext uri="{FF2B5EF4-FFF2-40B4-BE49-F238E27FC236}">
+                <a16:creationId xmlns:a16="http://schemas.microsoft.com/office/drawing/2014/main" id="{5CE15801-7904-4D35-92A2-AF0AA3B6CE83}"/>
+              </a:ext>
+            </a:extLst>
+          </p:cNvPr>
+          <p:cNvSpPr>
+            <a:spLocks noGrp="1"/>
+          </p:cNvSpPr>
+          <p:nvPr>
+            <p:ph type="title"/>
+          </p:nvPr>
+        </p:nvSpPr>
+        <p:spPr/>
+        <p:txBody>
+          <a:bodyPr/>
+          <a:lstStyle/>
+          <a:p>
+            <a:r>
+              <a:rPr lang="pt-BR" dirty="0"/>
+              <a:t>Gradiente Descendente</a:t>
+            </a:r>
+          </a:p>
+        </p:txBody>
+      </p:sp>
+      <p:sp>
+        <p:nvSpPr>
+          <p:cNvPr id="3" name="Content Placeholder 2">
+            <a:extLst>
+              <a:ext uri="{FF2B5EF4-FFF2-40B4-BE49-F238E27FC236}">
+                <a16:creationId xmlns:a16="http://schemas.microsoft.com/office/drawing/2014/main" id="{EA3B704D-981B-48D3-B097-0983E24CCC6F}"/>
+              </a:ext>
+            </a:extLst>
+          </p:cNvPr>
+          <p:cNvSpPr>
+            <a:spLocks noGrp="1"/>
+          </p:cNvSpPr>
+          <p:nvPr>
+            <p:ph idx="1"/>
+          </p:nvPr>
+        </p:nvSpPr>
+        <p:spPr/>
+        <p:txBody>
+          <a:bodyPr/>
+          <a:lstStyle/>
+          <a:p>
+            <a:r>
+              <a:rPr lang="pt-BR" dirty="0"/>
+              <a:t>O método do gradiente é um método numérico usado em otimização. Para encontrar um mínimo de uma função usa-se um esquema iterativo, onde em cada passo se toma a direção do gradiente, que corresponde à direção de declive máximo.</a:t>
+            </a:r>
+          </a:p>
+        </p:txBody>
+      </p:sp>
+      <p:pic>
+        <p:nvPicPr>
+          <p:cNvPr id="11270" name="Picture 6" descr="lrate">
+            <a:extLst>
+              <a:ext uri="{FF2B5EF4-FFF2-40B4-BE49-F238E27FC236}">
+                <a16:creationId xmlns:a16="http://schemas.microsoft.com/office/drawing/2014/main" id="{CC23B38C-B6F1-4E2D-97EA-5B40F7E01C0A}"/>
+              </a:ext>
+            </a:extLst>
+          </p:cNvPr>
+          <p:cNvPicPr>
+            <a:picLocks noChangeAspect="1" noChangeArrowheads="1"/>
+          </p:cNvPicPr>
+          <p:nvPr/>
+        </p:nvPicPr>
+        <p:blipFill>
+          <a:blip r:embed="rId2">
+            <a:extLst>
+              <a:ext uri="{28A0092B-C50C-407E-A947-70E740481C1C}">
+                <a14:useLocalDpi xmlns:a14="http://schemas.microsoft.com/office/drawing/2010/main" val="0"/>
+              </a:ext>
+            </a:extLst>
+          </a:blip>
+          <a:srcRect/>
+          <a:stretch>
+            <a:fillRect/>
+          </a:stretch>
+        </p:blipFill>
+        <p:spPr bwMode="auto">
+          <a:xfrm>
+            <a:off x="6670555" y="3563937"/>
+            <a:ext cx="4683245" cy="2747963"/>
+          </a:xfrm>
+          <a:prstGeom prst="rect">
+            <a:avLst/>
+          </a:prstGeom>
+          <a:noFill/>
+          <a:extLst>
+            <a:ext uri="{909E8E84-426E-40DD-AFC4-6F175D3DCCD1}">
+              <a14:hiddenFill xmlns:a14="http://schemas.microsoft.com/office/drawing/2010/main">
+                <a:solidFill>
+                  <a:srgbClr val="FFFFFF"/>
+                </a:solidFill>
+              </a14:hiddenFill>
+            </a:ext>
+          </a:extLst>
+        </p:spPr>
+      </p:pic>
+      <p:pic>
+        <p:nvPicPr>
+          <p:cNvPr id="11272" name="Picture 8" descr="graddescendente.html">
+            <a:extLst>
+              <a:ext uri="{FF2B5EF4-FFF2-40B4-BE49-F238E27FC236}">
+                <a16:creationId xmlns:a16="http://schemas.microsoft.com/office/drawing/2014/main" id="{C35D67C4-39EC-42AA-8316-E3C4D81CE6D1}"/>
+              </a:ext>
+            </a:extLst>
+          </p:cNvPr>
+          <p:cNvPicPr>
+            <a:picLocks noChangeAspect="1" noChangeArrowheads="1"/>
+          </p:cNvPicPr>
+          <p:nvPr/>
+        </p:nvPicPr>
+        <p:blipFill>
+          <a:blip r:embed="rId3">
+            <a:extLst>
+              <a:ext uri="{28A0092B-C50C-407E-A947-70E740481C1C}">
+                <a14:useLocalDpi xmlns:a14="http://schemas.microsoft.com/office/drawing/2010/main" val="0"/>
+              </a:ext>
+            </a:extLst>
+          </a:blip>
+          <a:srcRect/>
+          <a:stretch>
+            <a:fillRect/>
+          </a:stretch>
+        </p:blipFill>
+        <p:spPr bwMode="auto">
+          <a:xfrm>
+            <a:off x="3353992" y="3294063"/>
+            <a:ext cx="3316563" cy="3316563"/>
+          </a:xfrm>
+          <a:prstGeom prst="rect">
+            <a:avLst/>
+          </a:prstGeom>
+          <a:noFill/>
+          <a:extLst>
+            <a:ext uri="{909E8E84-426E-40DD-AFC4-6F175D3DCCD1}">
+              <a14:hiddenFill xmlns:a14="http://schemas.microsoft.com/office/drawing/2010/main">
+                <a:solidFill>
+                  <a:srgbClr val="FFFFFF"/>
+                </a:solidFill>
+              </a14:hiddenFill>
+            </a:ext>
+          </a:extLst>
+        </p:spPr>
+      </p:pic>
+      <p:sp>
+        <p:nvSpPr>
+          <p:cNvPr id="4" name="TextBox 3">
+            <a:extLst>
+              <a:ext uri="{FF2B5EF4-FFF2-40B4-BE49-F238E27FC236}">
+                <a16:creationId xmlns:a16="http://schemas.microsoft.com/office/drawing/2014/main" id="{12D71F7C-6234-4EA8-AEB2-82C1D6BEB1E3}"/>
+              </a:ext>
+            </a:extLst>
+          </p:cNvPr>
+          <p:cNvSpPr txBox="1"/>
+          <p:nvPr/>
+        </p:nvSpPr>
+        <p:spPr>
+          <a:xfrm>
+            <a:off x="424070" y="3670851"/>
+            <a:ext cx="2929922" cy="1477328"/>
+          </a:xfrm>
+          <a:prstGeom prst="rect">
+            <a:avLst/>
+          </a:prstGeom>
+          <a:noFill/>
+        </p:spPr>
+        <p:txBody>
+          <a:bodyPr wrap="square" rtlCol="0">
+            <a:spAutoFit/>
+          </a:bodyPr>
+          <a:lstStyle/>
+          <a:p>
+            <a:pPr algn="ctr"/>
+            <a:r>
+              <a:rPr lang="pt-BR" dirty="0"/>
+              <a:t>A função de custo se baseia em: o que saiu da rede é parecido com o que eu esperava? </a:t>
+            </a:r>
+          </a:p>
+          <a:p>
+            <a:pPr algn="ctr"/>
+            <a:r>
+              <a:rPr lang="pt-BR" b="1" dirty="0"/>
+              <a:t>Ex: erro quadrático médio</a:t>
+            </a:r>
+          </a:p>
+        </p:txBody>
+      </p:sp>
+      <p:sp>
+        <p:nvSpPr>
+          <p:cNvPr id="5" name="TextBox 4">
+            <a:extLst>
+              <a:ext uri="{FF2B5EF4-FFF2-40B4-BE49-F238E27FC236}">
+                <a16:creationId xmlns:a16="http://schemas.microsoft.com/office/drawing/2014/main" id="{16FFD59B-22D0-4257-983E-7C5388B2002E}"/>
+              </a:ext>
+            </a:extLst>
+          </p:cNvPr>
+          <p:cNvSpPr txBox="1"/>
+          <p:nvPr/>
+        </p:nvSpPr>
+        <p:spPr>
+          <a:xfrm>
+            <a:off x="537309" y="5321102"/>
+            <a:ext cx="2703443" cy="923330"/>
+          </a:xfrm>
+          <a:prstGeom prst="rect">
+            <a:avLst/>
+          </a:prstGeom>
+          <a:noFill/>
+        </p:spPr>
+        <p:txBody>
+          <a:bodyPr wrap="square" rtlCol="0">
+            <a:spAutoFit/>
+          </a:bodyPr>
+          <a:lstStyle/>
+          <a:p>
+            <a:pPr algn="ctr"/>
+            <a:r>
+              <a:rPr lang="pt-BR" dirty="0"/>
+              <a:t>Minmizar o custo alterando os pesos da rede (</a:t>
+            </a:r>
+            <a:r>
+              <a:rPr lang="pt-BR" b="1" dirty="0"/>
+              <a:t>Retropropagação</a:t>
+            </a:r>
+            <a:r>
+              <a:rPr lang="pt-BR" dirty="0"/>
+              <a:t>).</a:t>
+            </a:r>
+          </a:p>
+        </p:txBody>
+      </p:sp>
+    </p:spTree>
+    <p:extLst>
+      <p:ext uri="{BB962C8B-B14F-4D97-AF65-F5344CB8AC3E}">
+        <p14:creationId xmlns:p14="http://schemas.microsoft.com/office/powerpoint/2010/main" val="3794238188"/>
+      </p:ext>
+    </p:extLst>
+  </p:cSld>
+  <p:clrMapOvr>
+    <a:masterClrMapping/>
+  </p:clrMapOvr>
+</p:sld>
+</file>
+
 <file path=ppt/slides/slide13.xml><?xml version="1.0" encoding="utf-8"?>
 <p:sld xmlns:a="http://schemas.openxmlformats.org/drawingml/2006/main" xmlns:r="http://schemas.openxmlformats.org/officeDocument/2006/relationships" xmlns:p="http://schemas.openxmlformats.org/presentationml/2006/main">
   <p:cSld>
@@ -4380,7 +4372,7 @@
           <p:cNvPr id="2" name="Title 1">
             <a:extLst>
               <a:ext uri="{FF2B5EF4-FFF2-40B4-BE49-F238E27FC236}">
-                <a16:creationId xmlns:a16="http://schemas.microsoft.com/office/drawing/2014/main" id="{5CE15801-7904-4D35-92A2-AF0AA3B6CE83}"/>
+                <a16:creationId xmlns:a16="http://schemas.microsoft.com/office/drawing/2014/main" id="{5292E614-48BC-4CD7-B9B7-11C64A8CC96A}"/>
               </a:ext>
             </a:extLst>
           </p:cNvPr>
@@ -4398,45 +4390,17 @@
           <a:p>
             <a:r>
               <a:rPr lang="pt-BR" dirty="0"/>
-              <a:t>Gradiente Descendente</a:t>
-            </a:r>
-          </a:p>
-        </p:txBody>
-      </p:sp>
-      <p:sp>
-        <p:nvSpPr>
-          <p:cNvPr id="3" name="Content Placeholder 2">
-            <a:extLst>
-              <a:ext uri="{FF2B5EF4-FFF2-40B4-BE49-F238E27FC236}">
-                <a16:creationId xmlns:a16="http://schemas.microsoft.com/office/drawing/2014/main" id="{EA3B704D-981B-48D3-B097-0983E24CCC6F}"/>
-              </a:ext>
-            </a:extLst>
-          </p:cNvPr>
-          <p:cNvSpPr>
-            <a:spLocks noGrp="1"/>
-          </p:cNvSpPr>
-          <p:nvPr>
-            <p:ph idx="1"/>
-          </p:nvPr>
-        </p:nvSpPr>
-        <p:spPr/>
-        <p:txBody>
-          <a:bodyPr/>
-          <a:lstStyle/>
-          <a:p>
-            <a:r>
-              <a:rPr lang="pt-BR" dirty="0"/>
-              <a:t>O método do gradiente é um método numérico usado em otimização. Para encontrar um mínimo de uma função usa-se um esquema iterativo, onde em cada passo se toma a direção do gradiente, que corresponde à direção de declive máximo.</a:t>
+              <a:t>Perceptron Multicamada e Retropropagação</a:t>
             </a:r>
           </a:p>
         </p:txBody>
       </p:sp>
       <p:pic>
         <p:nvPicPr>
-          <p:cNvPr id="11270" name="Picture 6" descr="lrate">
-            <a:extLst>
-              <a:ext uri="{FF2B5EF4-FFF2-40B4-BE49-F238E27FC236}">
-                <a16:creationId xmlns:a16="http://schemas.microsoft.com/office/drawing/2014/main" id="{CC23B38C-B6F1-4E2D-97EA-5B40F7E01C0A}"/>
+          <p:cNvPr id="12290" name="Picture 2">
+            <a:extLst>
+              <a:ext uri="{FF2B5EF4-FFF2-40B4-BE49-F238E27FC236}">
+                <a16:creationId xmlns:a16="http://schemas.microsoft.com/office/drawing/2014/main" id="{6DD48443-5BBD-4536-9E93-BB0D0B60FB6D}"/>
               </a:ext>
             </a:extLst>
           </p:cNvPr>
@@ -4460,8 +4424,8 @@
         </p:blipFill>
         <p:spPr bwMode="auto">
           <a:xfrm>
-            <a:off x="6670555" y="3563937"/>
-            <a:ext cx="4683245" cy="2747963"/>
+            <a:off x="838200" y="1690688"/>
+            <a:ext cx="6078688" cy="3997809"/>
           </a:xfrm>
           <a:prstGeom prst="rect">
             <a:avLst/>
@@ -4478,59 +4442,140 @@
           </a:extLst>
         </p:spPr>
       </p:pic>
-      <p:pic>
-        <p:nvPicPr>
-          <p:cNvPr id="11272" name="Picture 8" descr="graddescendente.html">
-            <a:extLst>
-              <a:ext uri="{FF2B5EF4-FFF2-40B4-BE49-F238E27FC236}">
-                <a16:creationId xmlns:a16="http://schemas.microsoft.com/office/drawing/2014/main" id="{C35D67C4-39EC-42AA-8316-E3C4D81CE6D1}"/>
-              </a:ext>
-            </a:extLst>
-          </p:cNvPr>
-          <p:cNvPicPr>
-            <a:picLocks noChangeAspect="1" noChangeArrowheads="1"/>
-          </p:cNvPicPr>
+      <p:sp>
+        <p:nvSpPr>
+          <p:cNvPr id="4" name="Arrow: Right 3">
+            <a:extLst>
+              <a:ext uri="{FF2B5EF4-FFF2-40B4-BE49-F238E27FC236}">
+                <a16:creationId xmlns:a16="http://schemas.microsoft.com/office/drawing/2014/main" id="{17AE30E6-C4B3-4079-AD6D-F3F53871F68B}"/>
+              </a:ext>
+            </a:extLst>
+          </p:cNvPr>
+          <p:cNvSpPr/>
           <p:nvPr/>
-        </p:nvPicPr>
-        <p:blipFill>
-          <a:blip r:embed="rId3">
-            <a:extLst>
-              <a:ext uri="{28A0092B-C50C-407E-A947-70E740481C1C}">
-                <a14:useLocalDpi xmlns:a14="http://schemas.microsoft.com/office/drawing/2010/main" val="0"/>
-              </a:ext>
-            </a:extLst>
-          </a:blip>
-          <a:srcRect/>
-          <a:stretch>
-            <a:fillRect/>
-          </a:stretch>
-        </p:blipFill>
-        <p:spPr bwMode="auto">
-          <a:xfrm>
-            <a:off x="3353992" y="3279636"/>
-            <a:ext cx="3316563" cy="3316563"/>
+        </p:nvSpPr>
+        <p:spPr>
+          <a:xfrm>
+            <a:off x="7222434" y="2133600"/>
+            <a:ext cx="978408" cy="484632"/>
+          </a:xfrm>
+          <a:prstGeom prst="rightArrow">
+            <a:avLst/>
+          </a:prstGeom>
+        </p:spPr>
+        <p:style>
+          <a:lnRef idx="2">
+            <a:schemeClr val="accent1">
+              <a:shade val="50000"/>
+            </a:schemeClr>
+          </a:lnRef>
+          <a:fillRef idx="1">
+            <a:schemeClr val="accent1"/>
+          </a:fillRef>
+          <a:effectRef idx="0">
+            <a:schemeClr val="accent1"/>
+          </a:effectRef>
+          <a:fontRef idx="minor">
+            <a:schemeClr val="lt1"/>
+          </a:fontRef>
+        </p:style>
+        <p:txBody>
+          <a:bodyPr rtlCol="0" anchor="ctr"/>
+          <a:lstStyle/>
+          <a:p>
+            <a:pPr algn="ctr"/>
+            <a:endParaRPr lang="pt-BR"/>
+          </a:p>
+        </p:txBody>
+      </p:sp>
+      <p:sp>
+        <p:nvSpPr>
+          <p:cNvPr id="5" name="TextBox 4">
+            <a:extLst>
+              <a:ext uri="{FF2B5EF4-FFF2-40B4-BE49-F238E27FC236}">
+                <a16:creationId xmlns:a16="http://schemas.microsoft.com/office/drawing/2014/main" id="{622E4D74-7A09-46AC-A2F5-FDAFF2BAD861}"/>
+              </a:ext>
+            </a:extLst>
+          </p:cNvPr>
+          <p:cNvSpPr txBox="1"/>
+          <p:nvPr/>
+        </p:nvSpPr>
+        <p:spPr>
+          <a:xfrm>
+            <a:off x="8200842" y="1775751"/>
+            <a:ext cx="3299791" cy="1200329"/>
           </a:xfrm>
           <a:prstGeom prst="rect">
             <a:avLst/>
           </a:prstGeom>
           <a:noFill/>
-          <a:extLst>
-            <a:ext uri="{909E8E84-426E-40DD-AFC4-6F175D3DCCD1}">
-              <a14:hiddenFill xmlns:a14="http://schemas.microsoft.com/office/drawing/2010/main">
-                <a:solidFill>
-                  <a:srgbClr val="FFFFFF"/>
-                </a:solidFill>
-              </a14:hiddenFill>
-            </a:ext>
-          </a:extLst>
-        </p:spPr>
-      </p:pic>
-      <p:sp>
-        <p:nvSpPr>
-          <p:cNvPr id="4" name="TextBox 3">
-            <a:extLst>
-              <a:ext uri="{FF2B5EF4-FFF2-40B4-BE49-F238E27FC236}">
-                <a16:creationId xmlns:a16="http://schemas.microsoft.com/office/drawing/2014/main" id="{12D71F7C-6234-4EA8-AEB2-82C1D6BEB1E3}"/>
+        </p:spPr>
+        <p:txBody>
+          <a:bodyPr wrap="square" rtlCol="0">
+            <a:spAutoFit/>
+          </a:bodyPr>
+          <a:lstStyle/>
+          <a:p>
+            <a:pPr algn="ctr"/>
+            <a:r>
+              <a:rPr lang="pt-BR" b="1" dirty="0"/>
+              <a:t>Quando uma rede neural  possui duas ou mais camadas, é chamada de rede neural profunda.</a:t>
+            </a:r>
+          </a:p>
+        </p:txBody>
+      </p:sp>
+      <p:sp>
+        <p:nvSpPr>
+          <p:cNvPr id="6" name="Arrow: Right 5">
+            <a:extLst>
+              <a:ext uri="{FF2B5EF4-FFF2-40B4-BE49-F238E27FC236}">
+                <a16:creationId xmlns:a16="http://schemas.microsoft.com/office/drawing/2014/main" id="{8E5EC78D-38B2-4355-936C-9D7386861875}"/>
+              </a:ext>
+            </a:extLst>
+          </p:cNvPr>
+          <p:cNvSpPr/>
+          <p:nvPr/>
+        </p:nvSpPr>
+        <p:spPr>
+          <a:xfrm>
+            <a:off x="7222434" y="3767463"/>
+            <a:ext cx="978408" cy="484632"/>
+          </a:xfrm>
+          <a:prstGeom prst="rightArrow">
+            <a:avLst/>
+          </a:prstGeom>
+        </p:spPr>
+        <p:style>
+          <a:lnRef idx="2">
+            <a:schemeClr val="accent1">
+              <a:shade val="50000"/>
+            </a:schemeClr>
+          </a:lnRef>
+          <a:fillRef idx="1">
+            <a:schemeClr val="accent1"/>
+          </a:fillRef>
+          <a:effectRef idx="0">
+            <a:schemeClr val="accent1"/>
+          </a:effectRef>
+          <a:fontRef idx="minor">
+            <a:schemeClr val="lt1"/>
+          </a:fontRef>
+        </p:style>
+        <p:txBody>
+          <a:bodyPr rtlCol="0" anchor="ctr"/>
+          <a:lstStyle/>
+          <a:p>
+            <a:pPr algn="ctr"/>
+            <a:endParaRPr lang="pt-BR"/>
+          </a:p>
+        </p:txBody>
+      </p:sp>
+      <p:sp>
+        <p:nvSpPr>
+          <p:cNvPr id="7" name="TextBox 6">
+            <a:extLst>
+              <a:ext uri="{FF2B5EF4-FFF2-40B4-BE49-F238E27FC236}">
+                <a16:creationId xmlns:a16="http://schemas.microsoft.com/office/drawing/2014/main" id="{E2B352BF-4DE2-4045-97D7-EDD76D2F4E3B}"/>
               </a:ext>
             </a:extLst>
           </p:cNvPr>
@@ -4539,8 +4584,8 @@
         </p:nvSpPr>
         <p:spPr>
           <a:xfrm>
-            <a:off x="424070" y="3670851"/>
-            <a:ext cx="2929922" cy="1477328"/>
+            <a:off x="8388626" y="3429000"/>
+            <a:ext cx="3112007" cy="2585323"/>
           </a:xfrm>
           <a:prstGeom prst="rect">
             <a:avLst/>
@@ -4555,25 +4600,18 @@
           <a:p>
             <a:pPr algn="ctr"/>
             <a:r>
-              <a:rPr lang="pt-BR" dirty="0"/>
-              <a:t>A função de custo se baseia em: o que saiu da rede é parecido com o que eu esperava? </a:t>
-            </a:r>
-          </a:p>
-          <a:p>
-            <a:pPr algn="ctr"/>
-            <a:r>
               <a:rPr lang="pt-BR" b="1" dirty="0"/>
-              <a:t>Ex: erro quadrático médio</a:t>
-            </a:r>
-          </a:p>
-        </p:txBody>
-      </p:sp>
-      <p:sp>
-        <p:nvSpPr>
-          <p:cNvPr id="5" name="TextBox 4">
-            <a:extLst>
-              <a:ext uri="{FF2B5EF4-FFF2-40B4-BE49-F238E27FC236}">
-                <a16:creationId xmlns:a16="http://schemas.microsoft.com/office/drawing/2014/main" id="{16FFD59B-22D0-4257-983E-7C5388B2002E}"/>
+              <a:t>Para cada instância de treinamento, o algoritmo de retropropagação primeiro faz uma previsão, mede o erro, então passa por cada camada no reverso para medir a contribuição do erro em cada conexão e, finalmente, ajusta os pesos para reduzir o erro.</a:t>
+            </a:r>
+          </a:p>
+        </p:txBody>
+      </p:sp>
+      <p:sp>
+        <p:nvSpPr>
+          <p:cNvPr id="8" name="TextBox 7">
+            <a:extLst>
+              <a:ext uri="{FF2B5EF4-FFF2-40B4-BE49-F238E27FC236}">
+                <a16:creationId xmlns:a16="http://schemas.microsoft.com/office/drawing/2014/main" id="{97D9C0EA-8164-4B74-8F28-75617FE3DD22}"/>
               </a:ext>
             </a:extLst>
           </p:cNvPr>
@@ -4582,8 +4620,8 @@
         </p:nvSpPr>
         <p:spPr>
           <a:xfrm>
-            <a:off x="537309" y="5321102"/>
-            <a:ext cx="2703443" cy="923330"/>
+            <a:off x="180187" y="5870884"/>
+            <a:ext cx="7394713" cy="646331"/>
           </a:xfrm>
           <a:prstGeom prst="rect">
             <a:avLst/>
@@ -4598,16 +4636,8 @@
           <a:p>
             <a:pPr algn="ctr"/>
             <a:r>
-              <a:rPr lang="pt-BR" dirty="0"/>
-              <a:t>Minmizar o custo alterando os pesos da rede (</a:t>
-            </a:r>
-            <a:r>
               <a:rPr lang="pt-BR" b="1" dirty="0"/>
-              <a:t>Retropropagação</a:t>
-            </a:r>
-            <a:r>
-              <a:rPr lang="pt-BR" dirty="0"/>
-              <a:t>).</a:t>
+              <a:t>Para cada neurônio que produziu uma previsão incorreta, ele reforçará os pesos da conexão das entradas que contribuiram para a previsão correta.</a:t>
             </a:r>
           </a:p>
         </p:txBody>
@@ -4615,7 +4645,7 @@
     </p:spTree>
     <p:extLst>
       <p:ext uri="{BB962C8B-B14F-4D97-AF65-F5344CB8AC3E}">
-        <p14:creationId xmlns:p14="http://schemas.microsoft.com/office/powerpoint/2010/main" val="3794238188"/>
+        <p14:creationId xmlns:p14="http://schemas.microsoft.com/office/powerpoint/2010/main" val="2213493388"/>
       </p:ext>
     </p:extLst>
   </p:cSld>
@@ -4647,7 +4677,7 @@
           <p:cNvPr id="2" name="Title 1">
             <a:extLst>
               <a:ext uri="{FF2B5EF4-FFF2-40B4-BE49-F238E27FC236}">
-                <a16:creationId xmlns:a16="http://schemas.microsoft.com/office/drawing/2014/main" id="{5292E614-48BC-4CD7-B9B7-11C64A8CC96A}"/>
+                <a16:creationId xmlns:a16="http://schemas.microsoft.com/office/drawing/2014/main" id="{37CD97D6-2016-41AF-BC69-CD8DD511C2DD}"/>
               </a:ext>
             </a:extLst>
           </p:cNvPr>
@@ -4665,17 +4695,17 @@
           <a:p>
             <a:r>
               <a:rPr lang="pt-BR" dirty="0"/>
-              <a:t>Perceptron Multicamada e Retropropagação</a:t>
+              <a:t>Funções de Ativação</a:t>
             </a:r>
           </a:p>
         </p:txBody>
       </p:sp>
       <p:pic>
         <p:nvPicPr>
-          <p:cNvPr id="12290" name="Picture 2">
-            <a:extLst>
-              <a:ext uri="{FF2B5EF4-FFF2-40B4-BE49-F238E27FC236}">
-                <a16:creationId xmlns:a16="http://schemas.microsoft.com/office/drawing/2014/main" id="{6DD48443-5BBD-4536-9E93-BB0D0B60FB6D}"/>
+          <p:cNvPr id="13314" name="Picture 2" descr="funcao-relu">
+            <a:extLst>
+              <a:ext uri="{FF2B5EF4-FFF2-40B4-BE49-F238E27FC236}">
+                <a16:creationId xmlns:a16="http://schemas.microsoft.com/office/drawing/2014/main" id="{86E7BB03-B7F4-477A-AEF1-0088A284893C}"/>
               </a:ext>
             </a:extLst>
           </p:cNvPr>
@@ -4699,8 +4729,8 @@
         </p:blipFill>
         <p:spPr bwMode="auto">
           <a:xfrm>
-            <a:off x="838200" y="1690688"/>
-            <a:ext cx="6078688" cy="3997809"/>
+            <a:off x="785191" y="1690688"/>
+            <a:ext cx="3171825" cy="1438275"/>
           </a:xfrm>
           <a:prstGeom prst="rect">
             <a:avLst/>
@@ -4719,56 +4749,10 @@
       </p:pic>
       <p:sp>
         <p:nvSpPr>
-          <p:cNvPr id="4" name="Arrow: Right 3">
-            <a:extLst>
-              <a:ext uri="{FF2B5EF4-FFF2-40B4-BE49-F238E27FC236}">
-                <a16:creationId xmlns:a16="http://schemas.microsoft.com/office/drawing/2014/main" id="{17AE30E6-C4B3-4079-AD6D-F3F53871F68B}"/>
-              </a:ext>
-            </a:extLst>
-          </p:cNvPr>
-          <p:cNvSpPr/>
-          <p:nvPr/>
-        </p:nvSpPr>
-        <p:spPr>
-          <a:xfrm>
-            <a:off x="7222434" y="2133600"/>
-            <a:ext cx="978408" cy="484632"/>
-          </a:xfrm>
-          <a:prstGeom prst="rightArrow">
-            <a:avLst/>
-          </a:prstGeom>
-        </p:spPr>
-        <p:style>
-          <a:lnRef idx="2">
-            <a:schemeClr val="accent1">
-              <a:shade val="50000"/>
-            </a:schemeClr>
-          </a:lnRef>
-          <a:fillRef idx="1">
-            <a:schemeClr val="accent1"/>
-          </a:fillRef>
-          <a:effectRef idx="0">
-            <a:schemeClr val="accent1"/>
-          </a:effectRef>
-          <a:fontRef idx="minor">
-            <a:schemeClr val="lt1"/>
-          </a:fontRef>
-        </p:style>
-        <p:txBody>
-          <a:bodyPr rtlCol="0" anchor="ctr"/>
-          <a:lstStyle/>
-          <a:p>
-            <a:pPr algn="ctr"/>
-            <a:endParaRPr lang="pt-BR"/>
-          </a:p>
-        </p:txBody>
-      </p:sp>
-      <p:sp>
-        <p:nvSpPr>
-          <p:cNvPr id="5" name="TextBox 4">
-            <a:extLst>
-              <a:ext uri="{FF2B5EF4-FFF2-40B4-BE49-F238E27FC236}">
-                <a16:creationId xmlns:a16="http://schemas.microsoft.com/office/drawing/2014/main" id="{622E4D74-7A09-46AC-A2F5-FDAFF2BAD861}"/>
+          <p:cNvPr id="4" name="TextBox 3">
+            <a:extLst>
+              <a:ext uri="{FF2B5EF4-FFF2-40B4-BE49-F238E27FC236}">
+                <a16:creationId xmlns:a16="http://schemas.microsoft.com/office/drawing/2014/main" id="{AA9CB484-FAAA-4511-9AD1-206DA4EE2054}"/>
               </a:ext>
             </a:extLst>
           </p:cNvPr>
@@ -4777,8 +4761,8 @@
         </p:nvSpPr>
         <p:spPr>
           <a:xfrm>
-            <a:off x="8200842" y="1775751"/>
-            <a:ext cx="3299791" cy="1200329"/>
+            <a:off x="2042341" y="3382897"/>
+            <a:ext cx="669350" cy="369332"/>
           </a:xfrm>
           <a:prstGeom prst="rect">
             <a:avLst/>
@@ -4786,107 +4770,71 @@
           <a:noFill/>
         </p:spPr>
         <p:txBody>
-          <a:bodyPr wrap="square" rtlCol="0">
+          <a:bodyPr wrap="none" rtlCol="0">
             <a:spAutoFit/>
           </a:bodyPr>
           <a:lstStyle/>
           <a:p>
-            <a:pPr algn="ctr"/>
             <a:r>
               <a:rPr lang="pt-BR" b="1" dirty="0"/>
-              <a:t>Quando uma rede neural  possui duas ou mais camadas, é chamada de rede neural profunda.</a:t>
-            </a:r>
-          </a:p>
-        </p:txBody>
-      </p:sp>
-      <p:sp>
-        <p:nvSpPr>
-          <p:cNvPr id="6" name="Arrow: Right 5">
-            <a:extLst>
-              <a:ext uri="{FF2B5EF4-FFF2-40B4-BE49-F238E27FC236}">
-                <a16:creationId xmlns:a16="http://schemas.microsoft.com/office/drawing/2014/main" id="{8E5EC78D-38B2-4355-936C-9D7386861875}"/>
-              </a:ext>
-            </a:extLst>
-          </p:cNvPr>
-          <p:cNvSpPr/>
+              <a:t>ReLU</a:t>
+            </a:r>
+          </a:p>
+        </p:txBody>
+      </p:sp>
+      <p:pic>
+        <p:nvPicPr>
+          <p:cNvPr id="13316" name="Picture 4" descr="linear-funcao">
+            <a:extLst>
+              <a:ext uri="{FF2B5EF4-FFF2-40B4-BE49-F238E27FC236}">
+                <a16:creationId xmlns:a16="http://schemas.microsoft.com/office/drawing/2014/main" id="{901A417D-2142-4778-9907-3A36A4EB8EDB}"/>
+              </a:ext>
+            </a:extLst>
+          </p:cNvPr>
+          <p:cNvPicPr>
+            <a:picLocks noChangeAspect="1" noChangeArrowheads="1"/>
+          </p:cNvPicPr>
           <p:nvPr/>
-        </p:nvSpPr>
-        <p:spPr>
-          <a:xfrm>
-            <a:off x="7222434" y="3767463"/>
-            <a:ext cx="978408" cy="484632"/>
-          </a:xfrm>
-          <a:prstGeom prst="rightArrow">
-            <a:avLst/>
-          </a:prstGeom>
-        </p:spPr>
-        <p:style>
-          <a:lnRef idx="2">
-            <a:schemeClr val="accent1">
-              <a:shade val="50000"/>
-            </a:schemeClr>
-          </a:lnRef>
-          <a:fillRef idx="1">
-            <a:schemeClr val="accent1"/>
-          </a:fillRef>
-          <a:effectRef idx="0">
-            <a:schemeClr val="accent1"/>
-          </a:effectRef>
-          <a:fontRef idx="minor">
-            <a:schemeClr val="lt1"/>
-          </a:fontRef>
-        </p:style>
-        <p:txBody>
-          <a:bodyPr rtlCol="0" anchor="ctr"/>
-          <a:lstStyle/>
-          <a:p>
-            <a:pPr algn="ctr"/>
-            <a:endParaRPr lang="pt-BR"/>
-          </a:p>
-        </p:txBody>
-      </p:sp>
-      <p:sp>
-        <p:nvSpPr>
-          <p:cNvPr id="7" name="TextBox 6">
-            <a:extLst>
-              <a:ext uri="{FF2B5EF4-FFF2-40B4-BE49-F238E27FC236}">
-                <a16:creationId xmlns:a16="http://schemas.microsoft.com/office/drawing/2014/main" id="{E2B352BF-4DE2-4045-97D7-EDD76D2F4E3B}"/>
-              </a:ext>
-            </a:extLst>
-          </p:cNvPr>
-          <p:cNvSpPr txBox="1"/>
-          <p:nvPr/>
-        </p:nvSpPr>
-        <p:spPr>
-          <a:xfrm>
-            <a:off x="8388626" y="3429000"/>
-            <a:ext cx="3112007" cy="2585323"/>
+        </p:nvPicPr>
+        <p:blipFill>
+          <a:blip r:embed="rId3">
+            <a:extLst>
+              <a:ext uri="{28A0092B-C50C-407E-A947-70E740481C1C}">
+                <a14:useLocalDpi xmlns:a14="http://schemas.microsoft.com/office/drawing/2010/main" val="0"/>
+              </a:ext>
+            </a:extLst>
+          </a:blip>
+          <a:srcRect/>
+          <a:stretch>
+            <a:fillRect/>
+          </a:stretch>
+        </p:blipFill>
+        <p:spPr bwMode="auto">
+          <a:xfrm>
+            <a:off x="4510087" y="1365667"/>
+            <a:ext cx="3171825" cy="2063333"/>
           </a:xfrm>
           <a:prstGeom prst="rect">
             <a:avLst/>
           </a:prstGeom>
           <a:noFill/>
-        </p:spPr>
-        <p:txBody>
-          <a:bodyPr wrap="square" rtlCol="0">
-            <a:spAutoFit/>
-          </a:bodyPr>
-          <a:lstStyle/>
-          <a:p>
-            <a:pPr algn="ctr"/>
-            <a:r>
-              <a:rPr lang="pt-BR" b="1" dirty="0"/>
-              <a:t>Para cada instância de treinamento, o algoritmo de retropropagação primeiro faz uma previsão, mede o erro, então passa por cada camada no reverso para medir a contribuição do erro em cada conexão e, finalmente, ajusta os pesos para reduzir o erro.</a:t>
-            </a:r>
-          </a:p>
-        </p:txBody>
-      </p:sp>
-      <p:sp>
-        <p:nvSpPr>
-          <p:cNvPr id="8" name="TextBox 7">
-            <a:extLst>
-              <a:ext uri="{FF2B5EF4-FFF2-40B4-BE49-F238E27FC236}">
-                <a16:creationId xmlns:a16="http://schemas.microsoft.com/office/drawing/2014/main" id="{97D9C0EA-8164-4B74-8F28-75617FE3DD22}"/>
+          <a:extLst>
+            <a:ext uri="{909E8E84-426E-40DD-AFC4-6F175D3DCCD1}">
+              <a14:hiddenFill xmlns:a14="http://schemas.microsoft.com/office/drawing/2010/main">
+                <a:solidFill>
+                  <a:srgbClr val="FFFFFF"/>
+                </a:solidFill>
+              </a14:hiddenFill>
+            </a:ext>
+          </a:extLst>
+        </p:spPr>
+      </p:pic>
+      <p:sp>
+        <p:nvSpPr>
+          <p:cNvPr id="5" name="TextBox 4">
+            <a:extLst>
+              <a:ext uri="{FF2B5EF4-FFF2-40B4-BE49-F238E27FC236}">
+                <a16:creationId xmlns:a16="http://schemas.microsoft.com/office/drawing/2014/main" id="{10980512-8490-4150-AB45-194B5C3CAC71}"/>
               </a:ext>
             </a:extLst>
           </p:cNvPr>
@@ -4895,8 +4843,8 @@
         </p:nvSpPr>
         <p:spPr>
           <a:xfrm>
-            <a:off x="180187" y="5870884"/>
-            <a:ext cx="7394713" cy="646331"/>
+            <a:off x="5473148" y="3444396"/>
+            <a:ext cx="1510606" cy="369332"/>
           </a:xfrm>
           <a:prstGeom prst="rect">
             <a:avLst/>
@@ -4904,15 +4852,343 @@
           <a:noFill/>
         </p:spPr>
         <p:txBody>
+          <a:bodyPr wrap="none" rtlCol="0">
+            <a:spAutoFit/>
+          </a:bodyPr>
+          <a:lstStyle/>
+          <a:p>
+            <a:r>
+              <a:rPr lang="pt-BR" b="1" dirty="0"/>
+              <a:t>Função Linear</a:t>
+            </a:r>
+          </a:p>
+        </p:txBody>
+      </p:sp>
+      <p:pic>
+        <p:nvPicPr>
+          <p:cNvPr id="13318" name="Picture 6" descr="softmax-funcao">
+            <a:extLst>
+              <a:ext uri="{FF2B5EF4-FFF2-40B4-BE49-F238E27FC236}">
+                <a16:creationId xmlns:a16="http://schemas.microsoft.com/office/drawing/2014/main" id="{A01A4DFA-9162-4E88-95CC-3C05B2F869CE}"/>
+              </a:ext>
+            </a:extLst>
+          </p:cNvPr>
+          <p:cNvPicPr>
+            <a:picLocks noChangeAspect="1" noChangeArrowheads="1"/>
+          </p:cNvPicPr>
+          <p:nvPr/>
+        </p:nvPicPr>
+        <p:blipFill>
+          <a:blip r:embed="rId4">
+            <a:extLst>
+              <a:ext uri="{28A0092B-C50C-407E-A947-70E740481C1C}">
+                <a14:useLocalDpi xmlns:a14="http://schemas.microsoft.com/office/drawing/2010/main" val="0"/>
+              </a:ext>
+            </a:extLst>
+          </a:blip>
+          <a:srcRect/>
+          <a:stretch>
+            <a:fillRect/>
+          </a:stretch>
+        </p:blipFill>
+        <p:spPr bwMode="auto">
+          <a:xfrm>
+            <a:off x="8234983" y="1690688"/>
+            <a:ext cx="3466686" cy="1492282"/>
+          </a:xfrm>
+          <a:prstGeom prst="rect">
+            <a:avLst/>
+          </a:prstGeom>
+          <a:noFill/>
+          <a:extLst>
+            <a:ext uri="{909E8E84-426E-40DD-AFC4-6F175D3DCCD1}">
+              <a14:hiddenFill xmlns:a14="http://schemas.microsoft.com/office/drawing/2010/main">
+                <a:solidFill>
+                  <a:srgbClr val="FFFFFF"/>
+                </a:solidFill>
+              </a14:hiddenFill>
+            </a:ext>
+          </a:extLst>
+        </p:spPr>
+      </p:pic>
+      <p:sp>
+        <p:nvSpPr>
+          <p:cNvPr id="6" name="TextBox 5">
+            <a:extLst>
+              <a:ext uri="{FF2B5EF4-FFF2-40B4-BE49-F238E27FC236}">
+                <a16:creationId xmlns:a16="http://schemas.microsoft.com/office/drawing/2014/main" id="{F13B005C-88B2-46D7-8579-9170143A8573}"/>
+              </a:ext>
+            </a:extLst>
+          </p:cNvPr>
+          <p:cNvSpPr txBox="1"/>
+          <p:nvPr/>
+        </p:nvSpPr>
+        <p:spPr>
+          <a:xfrm>
+            <a:off x="9480308" y="3429000"/>
+            <a:ext cx="976036" cy="369332"/>
+          </a:xfrm>
+          <a:prstGeom prst="rect">
+            <a:avLst/>
+          </a:prstGeom>
+          <a:noFill/>
+        </p:spPr>
+        <p:txBody>
+          <a:bodyPr wrap="none" rtlCol="0">
+            <a:spAutoFit/>
+          </a:bodyPr>
+          <a:lstStyle/>
+          <a:p>
+            <a:r>
+              <a:rPr lang="pt-BR" b="1" dirty="0"/>
+              <a:t>Softmax</a:t>
+            </a:r>
+          </a:p>
+        </p:txBody>
+      </p:sp>
+      <p:pic>
+        <p:nvPicPr>
+          <p:cNvPr id="13320" name="Picture 8" descr="step-funcao">
+            <a:extLst>
+              <a:ext uri="{FF2B5EF4-FFF2-40B4-BE49-F238E27FC236}">
+                <a16:creationId xmlns:a16="http://schemas.microsoft.com/office/drawing/2014/main" id="{95E4F167-5839-460E-9EFD-1EC6ED1F7C62}"/>
+              </a:ext>
+            </a:extLst>
+          </p:cNvPr>
+          <p:cNvPicPr>
+            <a:picLocks noChangeAspect="1" noChangeArrowheads="1"/>
+          </p:cNvPicPr>
+          <p:nvPr/>
+        </p:nvPicPr>
+        <p:blipFill>
+          <a:blip r:embed="rId5">
+            <a:extLst>
+              <a:ext uri="{28A0092B-C50C-407E-A947-70E740481C1C}">
+                <a14:useLocalDpi xmlns:a14="http://schemas.microsoft.com/office/drawing/2010/main" val="0"/>
+              </a:ext>
+            </a:extLst>
+          </a:blip>
+          <a:srcRect/>
+          <a:stretch>
+            <a:fillRect/>
+          </a:stretch>
+        </p:blipFill>
+        <p:spPr bwMode="auto">
+          <a:xfrm>
+            <a:off x="785191" y="3888899"/>
+            <a:ext cx="3171825" cy="2115582"/>
+          </a:xfrm>
+          <a:prstGeom prst="rect">
+            <a:avLst/>
+          </a:prstGeom>
+          <a:noFill/>
+          <a:extLst>
+            <a:ext uri="{909E8E84-426E-40DD-AFC4-6F175D3DCCD1}">
+              <a14:hiddenFill xmlns:a14="http://schemas.microsoft.com/office/drawing/2010/main">
+                <a:solidFill>
+                  <a:srgbClr val="FFFFFF"/>
+                </a:solidFill>
+              </a14:hiddenFill>
+            </a:ext>
+          </a:extLst>
+        </p:spPr>
+      </p:pic>
+      <p:sp>
+        <p:nvSpPr>
+          <p:cNvPr id="7" name="TextBox 6">
+            <a:extLst>
+              <a:ext uri="{FF2B5EF4-FFF2-40B4-BE49-F238E27FC236}">
+                <a16:creationId xmlns:a16="http://schemas.microsoft.com/office/drawing/2014/main" id="{ED669005-4356-48F1-8D8D-886B524C9BCF}"/>
+              </a:ext>
+            </a:extLst>
+          </p:cNvPr>
+          <p:cNvSpPr txBox="1"/>
+          <p:nvPr/>
+        </p:nvSpPr>
+        <p:spPr>
+          <a:xfrm>
+            <a:off x="1443898" y="6079652"/>
+            <a:ext cx="1854409" cy="369332"/>
+          </a:xfrm>
+          <a:prstGeom prst="rect">
+            <a:avLst/>
+          </a:prstGeom>
+          <a:noFill/>
+        </p:spPr>
+        <p:txBody>
           <a:bodyPr wrap="square" rtlCol="0">
             <a:spAutoFit/>
           </a:bodyPr>
           <a:lstStyle/>
           <a:p>
+            <a:r>
+              <a:rPr lang="pt-BR" b="1" dirty="0"/>
+              <a:t>Função Degrau</a:t>
+            </a:r>
+          </a:p>
+        </p:txBody>
+      </p:sp>
+      <p:pic>
+        <p:nvPicPr>
+          <p:cNvPr id="13322" name="Picture 10" descr="tahn-funcao">
+            <a:extLst>
+              <a:ext uri="{FF2B5EF4-FFF2-40B4-BE49-F238E27FC236}">
+                <a16:creationId xmlns:a16="http://schemas.microsoft.com/office/drawing/2014/main" id="{9BBE0E35-4FD5-412F-B5C6-50485C6755B8}"/>
+              </a:ext>
+            </a:extLst>
+          </p:cNvPr>
+          <p:cNvPicPr>
+            <a:picLocks noChangeAspect="1" noChangeArrowheads="1"/>
+          </p:cNvPicPr>
+          <p:nvPr/>
+        </p:nvPicPr>
+        <p:blipFill>
+          <a:blip r:embed="rId6">
+            <a:extLst>
+              <a:ext uri="{28A0092B-C50C-407E-A947-70E740481C1C}">
+                <a14:useLocalDpi xmlns:a14="http://schemas.microsoft.com/office/drawing/2010/main" val="0"/>
+              </a:ext>
+            </a:extLst>
+          </a:blip>
+          <a:srcRect/>
+          <a:stretch>
+            <a:fillRect/>
+          </a:stretch>
+        </p:blipFill>
+        <p:spPr bwMode="auto">
+          <a:xfrm>
+            <a:off x="4510087" y="3889931"/>
+            <a:ext cx="3171825" cy="2114550"/>
+          </a:xfrm>
+          <a:prstGeom prst="rect">
+            <a:avLst/>
+          </a:prstGeom>
+          <a:noFill/>
+          <a:extLst>
+            <a:ext uri="{909E8E84-426E-40DD-AFC4-6F175D3DCCD1}">
+              <a14:hiddenFill xmlns:a14="http://schemas.microsoft.com/office/drawing/2010/main">
+                <a:solidFill>
+                  <a:srgbClr val="FFFFFF"/>
+                </a:solidFill>
+              </a14:hiddenFill>
+            </a:ext>
+          </a:extLst>
+        </p:spPr>
+      </p:pic>
+      <p:sp>
+        <p:nvSpPr>
+          <p:cNvPr id="9" name="TextBox 8">
+            <a:extLst>
+              <a:ext uri="{FF2B5EF4-FFF2-40B4-BE49-F238E27FC236}">
+                <a16:creationId xmlns:a16="http://schemas.microsoft.com/office/drawing/2014/main" id="{44C53F2E-CE38-48E7-AD22-3620024A9B69}"/>
+              </a:ext>
+            </a:extLst>
+          </p:cNvPr>
+          <p:cNvSpPr txBox="1"/>
+          <p:nvPr/>
+        </p:nvSpPr>
+        <p:spPr>
+          <a:xfrm>
+            <a:off x="5332500" y="6079652"/>
+            <a:ext cx="1791901" cy="369332"/>
+          </a:xfrm>
+          <a:prstGeom prst="rect">
+            <a:avLst/>
+          </a:prstGeom>
+          <a:noFill/>
+        </p:spPr>
+        <p:txBody>
+          <a:bodyPr wrap="none" rtlCol="0">
+            <a:spAutoFit/>
+          </a:bodyPr>
+          <a:lstStyle/>
+          <a:p>
             <a:pPr algn="ctr"/>
             <a:r>
               <a:rPr lang="pt-BR" b="1" dirty="0"/>
-              <a:t>Para cada neurônio que produziu uma previsão incorreta, ele reforçará os pesos da conexão das entradas que contribuiram para a previsão correta.</a:t>
+              <a:t>Função Tangente</a:t>
+            </a:r>
+          </a:p>
+        </p:txBody>
+      </p:sp>
+      <p:pic>
+        <p:nvPicPr>
+          <p:cNvPr id="15" name="Picture 12" descr="Sign function - Wikipedia">
+            <a:extLst>
+              <a:ext uri="{FF2B5EF4-FFF2-40B4-BE49-F238E27FC236}">
+                <a16:creationId xmlns:a16="http://schemas.microsoft.com/office/drawing/2014/main" id="{599DBC9E-DFE9-406E-8CD9-FB3945801606}"/>
+              </a:ext>
+            </a:extLst>
+          </p:cNvPr>
+          <p:cNvPicPr>
+            <a:picLocks noChangeAspect="1" noChangeArrowheads="1"/>
+          </p:cNvPicPr>
+          <p:nvPr/>
+        </p:nvPicPr>
+        <p:blipFill>
+          <a:blip r:embed="rId7">
+            <a:extLst>
+              <a:ext uri="{28A0092B-C50C-407E-A947-70E740481C1C}">
+                <a14:useLocalDpi xmlns:a14="http://schemas.microsoft.com/office/drawing/2010/main" val="0"/>
+              </a:ext>
+            </a:extLst>
+          </a:blip>
+          <a:srcRect/>
+          <a:stretch>
+            <a:fillRect/>
+          </a:stretch>
+        </p:blipFill>
+        <p:spPr bwMode="auto">
+          <a:xfrm>
+            <a:off x="8708551" y="3931062"/>
+            <a:ext cx="2583614" cy="2073419"/>
+          </a:xfrm>
+          <a:prstGeom prst="rect">
+            <a:avLst/>
+          </a:prstGeom>
+          <a:noFill/>
+          <a:extLst>
+            <a:ext uri="{909E8E84-426E-40DD-AFC4-6F175D3DCCD1}">
+              <a14:hiddenFill xmlns:a14="http://schemas.microsoft.com/office/drawing/2010/main">
+                <a:solidFill>
+                  <a:srgbClr val="FFFFFF"/>
+                </a:solidFill>
+              </a14:hiddenFill>
+            </a:ext>
+          </a:extLst>
+        </p:spPr>
+      </p:pic>
+      <p:sp>
+        <p:nvSpPr>
+          <p:cNvPr id="10" name="TextBox 9">
+            <a:extLst>
+              <a:ext uri="{FF2B5EF4-FFF2-40B4-BE49-F238E27FC236}">
+                <a16:creationId xmlns:a16="http://schemas.microsoft.com/office/drawing/2014/main" id="{9D629870-2196-486B-84A4-D48E6EF65F43}"/>
+              </a:ext>
+            </a:extLst>
+          </p:cNvPr>
+          <p:cNvSpPr txBox="1"/>
+          <p:nvPr/>
+        </p:nvSpPr>
+        <p:spPr>
+          <a:xfrm>
+            <a:off x="9164103" y="6039413"/>
+            <a:ext cx="1672509" cy="369332"/>
+          </a:xfrm>
+          <a:prstGeom prst="rect">
+            <a:avLst/>
+          </a:prstGeom>
+          <a:noFill/>
+        </p:spPr>
+        <p:txBody>
+          <a:bodyPr wrap="none" rtlCol="0">
+            <a:spAutoFit/>
+          </a:bodyPr>
+          <a:lstStyle/>
+          <a:p>
+            <a:r>
+              <a:rPr lang="pt-BR" b="1" dirty="0"/>
+              <a:t>Função de Sinal</a:t>
             </a:r>
           </a:p>
         </p:txBody>
@@ -4920,7 +5196,7 @@
     </p:spTree>
     <p:extLst>
       <p:ext uri="{BB962C8B-B14F-4D97-AF65-F5344CB8AC3E}">
-        <p14:creationId xmlns:p14="http://schemas.microsoft.com/office/powerpoint/2010/main" val="2213493388"/>
+        <p14:creationId xmlns:p14="http://schemas.microsoft.com/office/powerpoint/2010/main" val="3396323935"/>
       </p:ext>
     </p:extLst>
   </p:cSld>
@@ -4952,7 +5228,7 @@
           <p:cNvPr id="2" name="Title 1">
             <a:extLst>
               <a:ext uri="{FF2B5EF4-FFF2-40B4-BE49-F238E27FC236}">
-                <a16:creationId xmlns:a16="http://schemas.microsoft.com/office/drawing/2014/main" id="{37CD97D6-2016-41AF-BC69-CD8DD511C2DD}"/>
+                <a16:creationId xmlns:a16="http://schemas.microsoft.com/office/drawing/2014/main" id="{5F805FD3-2097-4FCE-886E-9B0F8BC0E93D}"/>
               </a:ext>
             </a:extLst>
           </p:cNvPr>
@@ -4970,508 +5246,79 @@
           <a:p>
             <a:r>
               <a:rPr lang="pt-BR" dirty="0"/>
-              <a:t>Funções de Ativação</a:t>
-            </a:r>
-          </a:p>
-        </p:txBody>
-      </p:sp>
-      <p:pic>
-        <p:nvPicPr>
-          <p:cNvPr id="13314" name="Picture 2" descr="funcao-relu">
-            <a:extLst>
-              <a:ext uri="{FF2B5EF4-FFF2-40B4-BE49-F238E27FC236}">
-                <a16:creationId xmlns:a16="http://schemas.microsoft.com/office/drawing/2014/main" id="{86E7BB03-B7F4-477A-AEF1-0088A284893C}"/>
-              </a:ext>
-            </a:extLst>
-          </p:cNvPr>
-          <p:cNvPicPr>
-            <a:picLocks noChangeAspect="1" noChangeArrowheads="1"/>
-          </p:cNvPicPr>
-          <p:nvPr/>
-        </p:nvPicPr>
-        <p:blipFill>
-          <a:blip r:embed="rId2">
-            <a:extLst>
-              <a:ext uri="{28A0092B-C50C-407E-A947-70E740481C1C}">
-                <a14:useLocalDpi xmlns:a14="http://schemas.microsoft.com/office/drawing/2010/main" val="0"/>
-              </a:ext>
-            </a:extLst>
-          </a:blip>
-          <a:srcRect/>
-          <a:stretch>
-            <a:fillRect/>
-          </a:stretch>
-        </p:blipFill>
-        <p:spPr bwMode="auto">
-          <a:xfrm>
-            <a:off x="785191" y="1690688"/>
-            <a:ext cx="3171825" cy="1438275"/>
-          </a:xfrm>
-          <a:prstGeom prst="rect">
-            <a:avLst/>
-          </a:prstGeom>
-          <a:noFill/>
-          <a:extLst>
-            <a:ext uri="{909E8E84-426E-40DD-AFC4-6F175D3DCCD1}">
-              <a14:hiddenFill xmlns:a14="http://schemas.microsoft.com/office/drawing/2010/main">
-                <a:solidFill>
-                  <a:srgbClr val="FFFFFF"/>
-                </a:solidFill>
-              </a14:hiddenFill>
-            </a:ext>
-          </a:extLst>
-        </p:spPr>
-      </p:pic>
-      <p:sp>
-        <p:nvSpPr>
-          <p:cNvPr id="4" name="TextBox 3">
-            <a:extLst>
-              <a:ext uri="{FF2B5EF4-FFF2-40B4-BE49-F238E27FC236}">
-                <a16:creationId xmlns:a16="http://schemas.microsoft.com/office/drawing/2014/main" id="{AA9CB484-FAAA-4511-9AD1-206DA4EE2054}"/>
-              </a:ext>
-            </a:extLst>
-          </p:cNvPr>
-          <p:cNvSpPr txBox="1"/>
-          <p:nvPr/>
-        </p:nvSpPr>
-        <p:spPr>
-          <a:xfrm>
-            <a:off x="2040403" y="3444396"/>
-            <a:ext cx="669350" cy="369332"/>
-          </a:xfrm>
-          <a:prstGeom prst="rect">
-            <a:avLst/>
-          </a:prstGeom>
-          <a:noFill/>
-        </p:spPr>
-        <p:txBody>
-          <a:bodyPr wrap="none" rtlCol="0">
-            <a:spAutoFit/>
-          </a:bodyPr>
+              <a:t>Próximos passos...</a:t>
+            </a:r>
+          </a:p>
+        </p:txBody>
+      </p:sp>
+      <p:sp>
+        <p:nvSpPr>
+          <p:cNvPr id="3" name="Content Placeholder 2">
+            <a:extLst>
+              <a:ext uri="{FF2B5EF4-FFF2-40B4-BE49-F238E27FC236}">
+                <a16:creationId xmlns:a16="http://schemas.microsoft.com/office/drawing/2014/main" id="{3026B1A0-5AFA-46C2-B696-6D16512C480F}"/>
+              </a:ext>
+            </a:extLst>
+          </p:cNvPr>
+          <p:cNvSpPr>
+            <a:spLocks noGrp="1"/>
+          </p:cNvSpPr>
+          <p:nvPr>
+            <p:ph idx="1"/>
+          </p:nvPr>
+        </p:nvSpPr>
+        <p:spPr/>
+        <p:txBody>
+          <a:bodyPr/>
           <a:lstStyle/>
           <a:p>
             <a:r>
               <a:rPr lang="pt-BR" b="1" dirty="0"/>
-              <a:t>ReLU</a:t>
-            </a:r>
-          </a:p>
-        </p:txBody>
-      </p:sp>
-      <p:pic>
-        <p:nvPicPr>
-          <p:cNvPr id="13316" name="Picture 4" descr="linear-funcao">
-            <a:extLst>
-              <a:ext uri="{FF2B5EF4-FFF2-40B4-BE49-F238E27FC236}">
-                <a16:creationId xmlns:a16="http://schemas.microsoft.com/office/drawing/2014/main" id="{901A417D-2142-4778-9907-3A36A4EB8EDB}"/>
-              </a:ext>
-            </a:extLst>
-          </p:cNvPr>
-          <p:cNvPicPr>
-            <a:picLocks noChangeAspect="1" noChangeArrowheads="1"/>
-          </p:cNvPicPr>
-          <p:nvPr/>
-        </p:nvPicPr>
-        <p:blipFill>
-          <a:blip r:embed="rId3">
-            <a:extLst>
-              <a:ext uri="{28A0092B-C50C-407E-A947-70E740481C1C}">
-                <a14:useLocalDpi xmlns:a14="http://schemas.microsoft.com/office/drawing/2010/main" val="0"/>
-              </a:ext>
-            </a:extLst>
-          </a:blip>
-          <a:srcRect/>
-          <a:stretch>
-            <a:fillRect/>
-          </a:stretch>
-        </p:blipFill>
-        <p:spPr bwMode="auto">
-          <a:xfrm>
-            <a:off x="4510087" y="1365667"/>
-            <a:ext cx="3171825" cy="2063333"/>
-          </a:xfrm>
-          <a:prstGeom prst="rect">
-            <a:avLst/>
-          </a:prstGeom>
-          <a:noFill/>
-          <a:extLst>
-            <a:ext uri="{909E8E84-426E-40DD-AFC4-6F175D3DCCD1}">
-              <a14:hiddenFill xmlns:a14="http://schemas.microsoft.com/office/drawing/2010/main">
-                <a:solidFill>
-                  <a:srgbClr val="FFFFFF"/>
-                </a:solidFill>
-              </a14:hiddenFill>
-            </a:ext>
-          </a:extLst>
-        </p:spPr>
-      </p:pic>
-      <p:sp>
-        <p:nvSpPr>
-          <p:cNvPr id="5" name="TextBox 4">
-            <a:extLst>
-              <a:ext uri="{FF2B5EF4-FFF2-40B4-BE49-F238E27FC236}">
-                <a16:creationId xmlns:a16="http://schemas.microsoft.com/office/drawing/2014/main" id="{10980512-8490-4150-AB45-194B5C3CAC71}"/>
-              </a:ext>
-            </a:extLst>
-          </p:cNvPr>
-          <p:cNvSpPr txBox="1"/>
-          <p:nvPr/>
-        </p:nvSpPr>
-        <p:spPr>
-          <a:xfrm>
-            <a:off x="5473148" y="3444396"/>
-            <a:ext cx="1510606" cy="369332"/>
-          </a:xfrm>
-          <a:prstGeom prst="rect">
-            <a:avLst/>
-          </a:prstGeom>
-          <a:noFill/>
-        </p:spPr>
-        <p:txBody>
-          <a:bodyPr wrap="none" rtlCol="0">
-            <a:spAutoFit/>
-          </a:bodyPr>
-          <a:lstStyle/>
+              <a:t>Gradiente Descendente + Funções de Ativação</a:t>
+            </a:r>
+          </a:p>
           <a:p>
             <a:r>
               <a:rPr lang="pt-BR" b="1" dirty="0"/>
-              <a:t>Função Linear</a:t>
-            </a:r>
-          </a:p>
-        </p:txBody>
-      </p:sp>
-      <p:pic>
-        <p:nvPicPr>
-          <p:cNvPr id="13318" name="Picture 6" descr="softmax-funcao">
-            <a:extLst>
-              <a:ext uri="{FF2B5EF4-FFF2-40B4-BE49-F238E27FC236}">
-                <a16:creationId xmlns:a16="http://schemas.microsoft.com/office/drawing/2014/main" id="{A01A4DFA-9162-4E88-95CC-3C05B2F869CE}"/>
-              </a:ext>
-            </a:extLst>
-          </p:cNvPr>
-          <p:cNvPicPr>
-            <a:picLocks noChangeAspect="1" noChangeArrowheads="1"/>
-          </p:cNvPicPr>
-          <p:nvPr/>
-        </p:nvPicPr>
-        <p:blipFill>
-          <a:blip r:embed="rId4">
-            <a:extLst>
-              <a:ext uri="{28A0092B-C50C-407E-A947-70E740481C1C}">
-                <a14:useLocalDpi xmlns:a14="http://schemas.microsoft.com/office/drawing/2010/main" val="0"/>
-              </a:ext>
-            </a:extLst>
-          </a:blip>
-          <a:srcRect/>
-          <a:stretch>
-            <a:fillRect/>
-          </a:stretch>
-        </p:blipFill>
-        <p:spPr bwMode="auto">
-          <a:xfrm>
-            <a:off x="8234983" y="1690688"/>
-            <a:ext cx="3466686" cy="1492282"/>
-          </a:xfrm>
-          <a:prstGeom prst="rect">
-            <a:avLst/>
-          </a:prstGeom>
-          <a:noFill/>
-          <a:extLst>
-            <a:ext uri="{909E8E84-426E-40DD-AFC4-6F175D3DCCD1}">
-              <a14:hiddenFill xmlns:a14="http://schemas.microsoft.com/office/drawing/2010/main">
-                <a:solidFill>
-                  <a:srgbClr val="FFFFFF"/>
-                </a:solidFill>
-              </a14:hiddenFill>
-            </a:ext>
-          </a:extLst>
-        </p:spPr>
-      </p:pic>
-      <p:sp>
-        <p:nvSpPr>
-          <p:cNvPr id="6" name="TextBox 5">
-            <a:extLst>
-              <a:ext uri="{FF2B5EF4-FFF2-40B4-BE49-F238E27FC236}">
-                <a16:creationId xmlns:a16="http://schemas.microsoft.com/office/drawing/2014/main" id="{F13B005C-88B2-46D7-8579-9170143A8573}"/>
-              </a:ext>
-            </a:extLst>
-          </p:cNvPr>
-          <p:cNvSpPr txBox="1"/>
-          <p:nvPr/>
-        </p:nvSpPr>
-        <p:spPr>
-          <a:xfrm>
-            <a:off x="9480308" y="3429000"/>
-            <a:ext cx="976036" cy="369332"/>
-          </a:xfrm>
-          <a:prstGeom prst="rect">
-            <a:avLst/>
-          </a:prstGeom>
-          <a:noFill/>
-        </p:spPr>
-        <p:txBody>
-          <a:bodyPr wrap="none" rtlCol="0">
-            <a:spAutoFit/>
-          </a:bodyPr>
-          <a:lstStyle/>
+              <a:t>Hiperparâmetros</a:t>
+            </a:r>
+          </a:p>
+          <a:p>
+            <a:r>
+              <a:rPr lang="pt-BR" dirty="0"/>
+              <a:t>Curso relâmpago de Python e seus pacotes</a:t>
+            </a:r>
+          </a:p>
           <a:p>
             <a:r>
               <a:rPr lang="pt-BR" b="1" dirty="0"/>
-              <a:t>Softmax</a:t>
-            </a:r>
-          </a:p>
-        </p:txBody>
-      </p:sp>
-      <p:pic>
-        <p:nvPicPr>
-          <p:cNvPr id="13320" name="Picture 8" descr="step-funcao">
-            <a:extLst>
-              <a:ext uri="{FF2B5EF4-FFF2-40B4-BE49-F238E27FC236}">
-                <a16:creationId xmlns:a16="http://schemas.microsoft.com/office/drawing/2014/main" id="{95E4F167-5839-460E-9EFD-1EC6ED1F7C62}"/>
-              </a:ext>
-            </a:extLst>
-          </p:cNvPr>
-          <p:cNvPicPr>
-            <a:picLocks noChangeAspect="1" noChangeArrowheads="1"/>
-          </p:cNvPicPr>
-          <p:nvPr/>
-        </p:nvPicPr>
-        <p:blipFill>
-          <a:blip r:embed="rId5">
-            <a:extLst>
-              <a:ext uri="{28A0092B-C50C-407E-A947-70E740481C1C}">
-                <a14:useLocalDpi xmlns:a14="http://schemas.microsoft.com/office/drawing/2010/main" val="0"/>
-              </a:ext>
-            </a:extLst>
-          </a:blip>
-          <a:srcRect/>
-          <a:stretch>
-            <a:fillRect/>
-          </a:stretch>
-        </p:blipFill>
-        <p:spPr bwMode="auto">
-          <a:xfrm>
-            <a:off x="785191" y="3888899"/>
-            <a:ext cx="3171825" cy="2115582"/>
-          </a:xfrm>
-          <a:prstGeom prst="rect">
-            <a:avLst/>
-          </a:prstGeom>
-          <a:noFill/>
-          <a:extLst>
-            <a:ext uri="{909E8E84-426E-40DD-AFC4-6F175D3DCCD1}">
-              <a14:hiddenFill xmlns:a14="http://schemas.microsoft.com/office/drawing/2010/main">
-                <a:solidFill>
-                  <a:srgbClr val="FFFFFF"/>
-                </a:solidFill>
-              </a14:hiddenFill>
-            </a:ext>
-          </a:extLst>
-        </p:spPr>
-      </p:pic>
-      <p:sp>
-        <p:nvSpPr>
-          <p:cNvPr id="7" name="TextBox 6">
-            <a:extLst>
-              <a:ext uri="{FF2B5EF4-FFF2-40B4-BE49-F238E27FC236}">
-                <a16:creationId xmlns:a16="http://schemas.microsoft.com/office/drawing/2014/main" id="{ED669005-4356-48F1-8D8D-886B524C9BCF}"/>
-              </a:ext>
-            </a:extLst>
-          </p:cNvPr>
-          <p:cNvSpPr txBox="1"/>
-          <p:nvPr/>
-        </p:nvSpPr>
-        <p:spPr>
-          <a:xfrm>
-            <a:off x="1443898" y="6079652"/>
-            <a:ext cx="1854409" cy="369332"/>
-          </a:xfrm>
-          <a:prstGeom prst="rect">
-            <a:avLst/>
-          </a:prstGeom>
-          <a:noFill/>
-        </p:spPr>
-        <p:txBody>
-          <a:bodyPr wrap="square" rtlCol="0">
-            <a:spAutoFit/>
-          </a:bodyPr>
-          <a:lstStyle/>
-          <a:p>
-            <a:r>
-              <a:rPr lang="pt-BR" b="1" dirty="0"/>
-              <a:t>Função Degrau</a:t>
-            </a:r>
-          </a:p>
-        </p:txBody>
-      </p:sp>
-      <p:pic>
-        <p:nvPicPr>
-          <p:cNvPr id="13322" name="Picture 10" descr="tahn-funcao">
-            <a:extLst>
-              <a:ext uri="{FF2B5EF4-FFF2-40B4-BE49-F238E27FC236}">
-                <a16:creationId xmlns:a16="http://schemas.microsoft.com/office/drawing/2014/main" id="{9BBE0E35-4FD5-412F-B5C6-50485C6755B8}"/>
-              </a:ext>
-            </a:extLst>
-          </p:cNvPr>
-          <p:cNvPicPr>
-            <a:picLocks noChangeAspect="1" noChangeArrowheads="1"/>
-          </p:cNvPicPr>
-          <p:nvPr/>
-        </p:nvPicPr>
-        <p:blipFill>
-          <a:blip r:embed="rId6">
-            <a:extLst>
-              <a:ext uri="{28A0092B-C50C-407E-A947-70E740481C1C}">
-                <a14:useLocalDpi xmlns:a14="http://schemas.microsoft.com/office/drawing/2010/main" val="0"/>
-              </a:ext>
-            </a:extLst>
-          </a:blip>
-          <a:srcRect/>
-          <a:stretch>
-            <a:fillRect/>
-          </a:stretch>
-        </p:blipFill>
-        <p:spPr bwMode="auto">
-          <a:xfrm>
-            <a:off x="4510087" y="3889931"/>
-            <a:ext cx="3171825" cy="2114550"/>
-          </a:xfrm>
-          <a:prstGeom prst="rect">
-            <a:avLst/>
-          </a:prstGeom>
-          <a:noFill/>
-          <a:extLst>
-            <a:ext uri="{909E8E84-426E-40DD-AFC4-6F175D3DCCD1}">
-              <a14:hiddenFill xmlns:a14="http://schemas.microsoft.com/office/drawing/2010/main">
-                <a:solidFill>
-                  <a:srgbClr val="FFFFFF"/>
-                </a:solidFill>
-              </a14:hiddenFill>
-            </a:ext>
-          </a:extLst>
-        </p:spPr>
-      </p:pic>
-      <p:sp>
-        <p:nvSpPr>
-          <p:cNvPr id="9" name="TextBox 8">
-            <a:extLst>
-              <a:ext uri="{FF2B5EF4-FFF2-40B4-BE49-F238E27FC236}">
-                <a16:creationId xmlns:a16="http://schemas.microsoft.com/office/drawing/2014/main" id="{44C53F2E-CE38-48E7-AD22-3620024A9B69}"/>
-              </a:ext>
-            </a:extLst>
-          </p:cNvPr>
-          <p:cNvSpPr txBox="1"/>
-          <p:nvPr/>
-        </p:nvSpPr>
-        <p:spPr>
-          <a:xfrm>
-            <a:off x="5332500" y="6079652"/>
-            <a:ext cx="1791901" cy="369332"/>
-          </a:xfrm>
-          <a:prstGeom prst="rect">
-            <a:avLst/>
-          </a:prstGeom>
-          <a:noFill/>
-        </p:spPr>
-        <p:txBody>
-          <a:bodyPr wrap="none" rtlCol="0">
-            <a:spAutoFit/>
-          </a:bodyPr>
-          <a:lstStyle/>
-          <a:p>
-            <a:pPr algn="ctr"/>
-            <a:r>
-              <a:rPr lang="pt-BR" b="1" dirty="0"/>
-              <a:t>Função Tangente</a:t>
-            </a:r>
-          </a:p>
-        </p:txBody>
-      </p:sp>
-      <p:pic>
-        <p:nvPicPr>
-          <p:cNvPr id="15" name="Picture 12" descr="Sign function - Wikipedia">
-            <a:extLst>
-              <a:ext uri="{FF2B5EF4-FFF2-40B4-BE49-F238E27FC236}">
-                <a16:creationId xmlns:a16="http://schemas.microsoft.com/office/drawing/2014/main" id="{599DBC9E-DFE9-406E-8CD9-FB3945801606}"/>
-              </a:ext>
-            </a:extLst>
-          </p:cNvPr>
-          <p:cNvPicPr>
-            <a:picLocks noChangeAspect="1" noChangeArrowheads="1"/>
-          </p:cNvPicPr>
-          <p:nvPr/>
-        </p:nvPicPr>
-        <p:blipFill>
-          <a:blip r:embed="rId7">
-            <a:extLst>
-              <a:ext uri="{28A0092B-C50C-407E-A947-70E740481C1C}">
-                <a14:useLocalDpi xmlns:a14="http://schemas.microsoft.com/office/drawing/2010/main" val="0"/>
-              </a:ext>
-            </a:extLst>
-          </a:blip>
-          <a:srcRect/>
-          <a:stretch>
-            <a:fillRect/>
-          </a:stretch>
-        </p:blipFill>
-        <p:spPr bwMode="auto">
-          <a:xfrm>
-            <a:off x="8708551" y="3931062"/>
-            <a:ext cx="2583614" cy="2073419"/>
-          </a:xfrm>
-          <a:prstGeom prst="rect">
-            <a:avLst/>
-          </a:prstGeom>
-          <a:noFill/>
-          <a:extLst>
-            <a:ext uri="{909E8E84-426E-40DD-AFC4-6F175D3DCCD1}">
-              <a14:hiddenFill xmlns:a14="http://schemas.microsoft.com/office/drawing/2010/main">
-                <a:solidFill>
-                  <a:srgbClr val="FFFFFF"/>
-                </a:solidFill>
-              </a14:hiddenFill>
-            </a:ext>
-          </a:extLst>
-        </p:spPr>
-      </p:pic>
-      <p:sp>
-        <p:nvSpPr>
-          <p:cNvPr id="10" name="TextBox 9">
-            <a:extLst>
-              <a:ext uri="{FF2B5EF4-FFF2-40B4-BE49-F238E27FC236}">
-                <a16:creationId xmlns:a16="http://schemas.microsoft.com/office/drawing/2014/main" id="{9D629870-2196-486B-84A4-D48E6EF65F43}"/>
-              </a:ext>
-            </a:extLst>
-          </p:cNvPr>
-          <p:cNvSpPr txBox="1"/>
-          <p:nvPr/>
-        </p:nvSpPr>
-        <p:spPr>
-          <a:xfrm>
-            <a:off x="9164103" y="6039413"/>
-            <a:ext cx="1672509" cy="369332"/>
-          </a:xfrm>
-          <a:prstGeom prst="rect">
-            <a:avLst/>
-          </a:prstGeom>
-          <a:noFill/>
-        </p:spPr>
-        <p:txBody>
-          <a:bodyPr wrap="none" rtlCol="0">
-            <a:spAutoFit/>
-          </a:bodyPr>
-          <a:lstStyle/>
-          <a:p>
-            <a:r>
-              <a:rPr lang="pt-BR" b="1" dirty="0"/>
-              <a:t>Função de Sinal</a:t>
-            </a:r>
+              <a:t>Treinamento TensorFlow </a:t>
+            </a:r>
+          </a:p>
+          <a:p>
+            <a:r>
+              <a:rPr lang="pt-BR" dirty="0"/>
+              <a:t>Redes Neurais Convolucionais</a:t>
+            </a:r>
+          </a:p>
+          <a:p>
+            <a:r>
+              <a:rPr lang="pt-BR" dirty="0"/>
+              <a:t>Aplicação em Python de algumas redes neurais convolucionais</a:t>
+            </a:r>
+          </a:p>
+          <a:p>
+            <a:pPr marL="0" indent="0">
+              <a:buNone/>
+            </a:pPr>
+            <a:endParaRPr lang="pt-BR" dirty="0"/>
           </a:p>
         </p:txBody>
       </p:sp>
     </p:spTree>
     <p:extLst>
       <p:ext uri="{BB962C8B-B14F-4D97-AF65-F5344CB8AC3E}">
-        <p14:creationId xmlns:p14="http://schemas.microsoft.com/office/powerpoint/2010/main" val="3396323935"/>
+        <p14:creationId xmlns:p14="http://schemas.microsoft.com/office/powerpoint/2010/main" val="3227124995"/>
       </p:ext>
     </p:extLst>
   </p:cSld>
@@ -5503,7 +5350,7 @@
           <p:cNvPr id="2" name="Title 1">
             <a:extLst>
               <a:ext uri="{FF2B5EF4-FFF2-40B4-BE49-F238E27FC236}">
-                <a16:creationId xmlns:a16="http://schemas.microsoft.com/office/drawing/2014/main" id="{5F805FD3-2097-4FCE-886E-9B0F8BC0E93D}"/>
+                <a16:creationId xmlns:a16="http://schemas.microsoft.com/office/drawing/2014/main" id="{14C27DF3-49E9-447E-83FD-310C9155E01D}"/>
               </a:ext>
             </a:extLst>
           </p:cNvPr>
@@ -5521,7 +5368,7 @@
           <a:p>
             <a:r>
               <a:rPr lang="pt-BR" dirty="0"/>
-              <a:t>Próximos passos...</a:t>
+              <a:t>Referências</a:t>
             </a:r>
           </a:p>
         </p:txBody>
@@ -5531,7 +5378,7 @@
           <p:cNvPr id="3" name="Content Placeholder 2">
             <a:extLst>
               <a:ext uri="{FF2B5EF4-FFF2-40B4-BE49-F238E27FC236}">
-                <a16:creationId xmlns:a16="http://schemas.microsoft.com/office/drawing/2014/main" id="{3026B1A0-5AFA-46C2-B696-6D16512C480F}"/>
+                <a16:creationId xmlns:a16="http://schemas.microsoft.com/office/drawing/2014/main" id="{4156ECF6-03CD-4264-BF25-FF9DAF7D697E}"/>
               </a:ext>
             </a:extLst>
           </p:cNvPr>
@@ -5549,51 +5396,21 @@
           <a:p>
             <a:r>
               <a:rPr lang="pt-BR" dirty="0"/>
-              <a:t>Gradiente Descendente + Funções de Ativação</a:t>
+              <a:t>Mãos a obra: Aprendizagem de Máquina com Scikit-Learn &amp; TensorFlow por Aurélien Géron (AltaBooks). Copyright 2019 de Aurélien Géron, 978-85-508-0381-4.</a:t>
             </a:r>
           </a:p>
           <a:p>
             <a:r>
               <a:rPr lang="pt-BR" dirty="0"/>
-              <a:t>hiperparâmetros</a:t>
-            </a:r>
-          </a:p>
-          <a:p>
-            <a:r>
-              <a:rPr lang="pt-BR" dirty="0"/>
-              <a:t>Curso relâmpago de Python e seus pacotes</a:t>
-            </a:r>
-          </a:p>
-          <a:p>
-            <a:r>
-              <a:rPr lang="pt-BR" dirty="0"/>
-              <a:t>Redes Neurais Convolucionais</a:t>
-            </a:r>
-          </a:p>
-          <a:p>
-            <a:r>
-              <a:rPr lang="pt-BR" dirty="0"/>
-              <a:t>Treinamento TensorFlow </a:t>
-            </a:r>
-          </a:p>
-          <a:p>
-            <a:r>
-              <a:rPr lang="pt-BR" dirty="0"/>
-              <a:t>Aplicação em Python de algumas redes neurais convolucionais</a:t>
-            </a:r>
-          </a:p>
-          <a:p>
-            <a:pPr marL="0" indent="0">
-              <a:buNone/>
-            </a:pPr>
-            <a:endParaRPr lang="pt-BR" dirty="0"/>
+              <a:t>NG, Andrew. Neural networks and deep learning. Disponível em: https://www.coursera.org/learn/neural-networks-deeplearning?specialization=deep-learning. Acesso em 24 set. 2020.</a:t>
+            </a:r>
           </a:p>
         </p:txBody>
       </p:sp>
     </p:spTree>
     <p:extLst>
       <p:ext uri="{BB962C8B-B14F-4D97-AF65-F5344CB8AC3E}">
-        <p14:creationId xmlns:p14="http://schemas.microsoft.com/office/powerpoint/2010/main" val="3227124995"/>
+        <p14:creationId xmlns:p14="http://schemas.microsoft.com/office/powerpoint/2010/main" val="1032595373"/>
       </p:ext>
     </p:extLst>
   </p:cSld>
@@ -6166,7 +5983,7 @@
             </a:r>
             <a:r>
               <a:rPr lang="pt-BR" dirty="0"/>
-              <a:t>: “Renascimento das RNA”: - novas arquiteturas de rede e melhores técnicas de treinamento.</a:t>
+              <a:t>: “Renascimento das RNA” - novas arquiteturas de rede e melhores técnicas de treinamento.</a:t>
             </a:r>
           </a:p>
           <a:p>
@@ -6214,12 +6031,86 @@
           <a:chExt cx="0" cy="0"/>
         </a:xfrm>
       </p:grpSpPr>
+      <p:sp>
+        <p:nvSpPr>
+          <p:cNvPr id="2" name="Title 1">
+            <a:extLst>
+              <a:ext uri="{FF2B5EF4-FFF2-40B4-BE49-F238E27FC236}">
+                <a16:creationId xmlns:a16="http://schemas.microsoft.com/office/drawing/2014/main" id="{16626E70-21B1-4DAB-BF62-B6ED971FF064}"/>
+              </a:ext>
+            </a:extLst>
+          </p:cNvPr>
+          <p:cNvSpPr>
+            <a:spLocks noGrp="1"/>
+          </p:cNvSpPr>
+          <p:nvPr>
+            <p:ph type="title"/>
+          </p:nvPr>
+        </p:nvSpPr>
+        <p:spPr/>
+        <p:txBody>
+          <a:bodyPr/>
+          <a:lstStyle/>
+          <a:p>
+            <a:r>
+              <a:rPr lang="pt-BR" dirty="0"/>
+              <a:t>Nova onda para as Redes Neurais Artificiais</a:t>
+            </a:r>
+          </a:p>
+        </p:txBody>
+      </p:sp>
+      <p:sp>
+        <p:nvSpPr>
+          <p:cNvPr id="3" name="Content Placeholder 2">
+            <a:extLst>
+              <a:ext uri="{FF2B5EF4-FFF2-40B4-BE49-F238E27FC236}">
+                <a16:creationId xmlns:a16="http://schemas.microsoft.com/office/drawing/2014/main" id="{2EFA022A-767C-4EBE-A02F-2472ADDBC6E9}"/>
+              </a:ext>
+            </a:extLst>
+          </p:cNvPr>
+          <p:cNvSpPr>
+            <a:spLocks noGrp="1"/>
+          </p:cNvSpPr>
+          <p:nvPr>
+            <p:ph idx="1"/>
+          </p:nvPr>
+        </p:nvSpPr>
+        <p:spPr/>
+        <p:txBody>
+          <a:bodyPr/>
+          <a:lstStyle/>
+          <a:p>
+            <a:r>
+              <a:rPr lang="pt-BR" dirty="0"/>
+              <a:t>Grande quantidade de dados disponíveis.</a:t>
+            </a:r>
+          </a:p>
+          <a:p>
+            <a:r>
+              <a:rPr lang="pt-BR" dirty="0"/>
+              <a:t>Produção de máquinas mais potentes.</a:t>
+            </a:r>
+          </a:p>
+          <a:p>
+            <a:r>
+              <a:rPr lang="pt-BR" dirty="0"/>
+              <a:t>Algoritmos de treinamento melhorados.</a:t>
+            </a:r>
+          </a:p>
+          <a:p>
+            <a:r>
+              <a:rPr lang="pt-BR" dirty="0"/>
+              <a:t>Circulo virtuoso de financiamento e progresso.</a:t>
+            </a:r>
+          </a:p>
+        </p:txBody>
+      </p:sp>
       <p:pic>
         <p:nvPicPr>
-          <p:cNvPr id="2050" name="Picture 2" descr="McCulloch Pitts Neuron — The first Man-made Neuron – mc.ai">
-            <a:extLst>
-              <a:ext uri="{FF2B5EF4-FFF2-40B4-BE49-F238E27FC236}">
-                <a16:creationId xmlns:a16="http://schemas.microsoft.com/office/drawing/2014/main" id="{F491A23B-6536-4A93-8064-4984FCB886AA}"/>
+          <p:cNvPr id="3074" name="Picture 2" descr="🥇 ▷ É assim que a rede neural do piloto automático Tesla funciona » ✅">
+            <a:extLst>
+              <a:ext uri="{FF2B5EF4-FFF2-40B4-BE49-F238E27FC236}">
+                <a16:creationId xmlns:a16="http://schemas.microsoft.com/office/drawing/2014/main" id="{ABFBC001-8A89-4135-8268-5B7D3C65F58B}"/>
               </a:ext>
             </a:extLst>
           </p:cNvPr>
@@ -6243,8 +6134,8 @@
         </p:blipFill>
         <p:spPr bwMode="auto">
           <a:xfrm>
-            <a:off x="578127" y="505703"/>
-            <a:ext cx="3815792" cy="2423028"/>
+            <a:off x="838200" y="3955320"/>
+            <a:ext cx="4242352" cy="2537555"/>
           </a:xfrm>
           <a:prstGeom prst="rect">
             <a:avLst/>
@@ -6263,10 +6154,56 @@
       </p:pic>
       <p:sp>
         <p:nvSpPr>
-          <p:cNvPr id="4" name="TextBox 3">
-            <a:extLst>
-              <a:ext uri="{FF2B5EF4-FFF2-40B4-BE49-F238E27FC236}">
-                <a16:creationId xmlns:a16="http://schemas.microsoft.com/office/drawing/2014/main" id="{8926DC4D-0F83-4EF9-A498-1A3F8496FBC0}"/>
+          <p:cNvPr id="4" name="Arrow: Right 3">
+            <a:extLst>
+              <a:ext uri="{FF2B5EF4-FFF2-40B4-BE49-F238E27FC236}">
+                <a16:creationId xmlns:a16="http://schemas.microsoft.com/office/drawing/2014/main" id="{A57FC5E1-31B3-49C6-8EB2-DC35474A3845}"/>
+              </a:ext>
+            </a:extLst>
+          </p:cNvPr>
+          <p:cNvSpPr/>
+          <p:nvPr/>
+        </p:nvSpPr>
+        <p:spPr>
+          <a:xfrm>
+            <a:off x="5606796" y="4981781"/>
+            <a:ext cx="978408" cy="484632"/>
+          </a:xfrm>
+          <a:prstGeom prst="rightArrow">
+            <a:avLst/>
+          </a:prstGeom>
+        </p:spPr>
+        <p:style>
+          <a:lnRef idx="2">
+            <a:schemeClr val="accent1">
+              <a:shade val="50000"/>
+            </a:schemeClr>
+          </a:lnRef>
+          <a:fillRef idx="1">
+            <a:schemeClr val="accent1"/>
+          </a:fillRef>
+          <a:effectRef idx="0">
+            <a:schemeClr val="accent1"/>
+          </a:effectRef>
+          <a:fontRef idx="minor">
+            <a:schemeClr val="lt1"/>
+          </a:fontRef>
+        </p:style>
+        <p:txBody>
+          <a:bodyPr rtlCol="0" anchor="ctr"/>
+          <a:lstStyle/>
+          <a:p>
+            <a:pPr algn="ctr"/>
+            <a:endParaRPr lang="pt-BR"/>
+          </a:p>
+        </p:txBody>
+      </p:sp>
+      <p:sp>
+        <p:nvSpPr>
+          <p:cNvPr id="5" name="TextBox 4">
+            <a:extLst>
+              <a:ext uri="{FF2B5EF4-FFF2-40B4-BE49-F238E27FC236}">
+                <a16:creationId xmlns:a16="http://schemas.microsoft.com/office/drawing/2014/main" id="{4A46286C-639C-4B1A-8166-8E0D595B7C5E}"/>
               </a:ext>
             </a:extLst>
           </p:cNvPr>
@@ -6275,8 +6212,8 @@
         </p:nvSpPr>
         <p:spPr>
           <a:xfrm>
-            <a:off x="1569490" y="3059668"/>
-            <a:ext cx="1833066" cy="369332"/>
+            <a:off x="7232643" y="4981781"/>
+            <a:ext cx="1969065" cy="646331"/>
           </a:xfrm>
           <a:prstGeom prst="rect">
             <a:avLst/>
@@ -6292,17 +6229,24 @@
             <a:pPr algn="ctr"/>
             <a:r>
               <a:rPr lang="pt-BR" b="1" dirty="0"/>
-              <a:t>McCulloch e Pitts</a:t>
+              <a:t>Piloto Automático </a:t>
+            </a:r>
+          </a:p>
+          <a:p>
+            <a:pPr algn="ctr"/>
+            <a:r>
+              <a:rPr lang="pt-BR" b="1" dirty="0"/>
+              <a:t>de um Tesla</a:t>
             </a:r>
           </a:p>
         </p:txBody>
       </p:sp>
       <p:pic>
         <p:nvPicPr>
-          <p:cNvPr id="2054" name="Picture 6" descr="Máquinas de Vetores de Suporte — SVM - WebSystemer.no">
-            <a:extLst>
-              <a:ext uri="{FF2B5EF4-FFF2-40B4-BE49-F238E27FC236}">
-                <a16:creationId xmlns:a16="http://schemas.microsoft.com/office/drawing/2014/main" id="{FF499A9B-449A-43B0-BCD5-AF9B00D7A73C}"/>
+          <p:cNvPr id="3076" name="Picture 4" descr="Vetores de Selo De Sucesso Sucesso Rodada Grunge Sinal Vintage Sucesso e  mais imagens de Banner web - iStock">
+            <a:extLst>
+              <a:ext uri="{FF2B5EF4-FFF2-40B4-BE49-F238E27FC236}">
+                <a16:creationId xmlns:a16="http://schemas.microsoft.com/office/drawing/2014/main" id="{89A2968C-727C-449A-82B9-9ED6D85BD0F6}"/>
               </a:ext>
             </a:extLst>
           </p:cNvPr>
@@ -6326,8 +6270,8 @@
         </p:blipFill>
         <p:spPr bwMode="auto">
           <a:xfrm>
-            <a:off x="7798081" y="505703"/>
-            <a:ext cx="3443549" cy="2553965"/>
+            <a:off x="8485173" y="1690688"/>
+            <a:ext cx="2868627" cy="1989068"/>
           </a:xfrm>
           <a:prstGeom prst="rect">
             <a:avLst/>
@@ -6344,250 +6288,10 @@
           </a:extLst>
         </p:spPr>
       </p:pic>
-      <p:sp>
-        <p:nvSpPr>
-          <p:cNvPr id="6" name="TextBox 5">
-            <a:extLst>
-              <a:ext uri="{FF2B5EF4-FFF2-40B4-BE49-F238E27FC236}">
-                <a16:creationId xmlns:a16="http://schemas.microsoft.com/office/drawing/2014/main" id="{8F956491-805E-4C7D-8DFA-67405B2444CD}"/>
-              </a:ext>
-            </a:extLst>
-          </p:cNvPr>
-          <p:cNvSpPr txBox="1"/>
-          <p:nvPr/>
-        </p:nvSpPr>
-        <p:spPr>
-          <a:xfrm>
-            <a:off x="7931991" y="3059668"/>
-            <a:ext cx="3175741" cy="369332"/>
-          </a:xfrm>
-          <a:prstGeom prst="rect">
-            <a:avLst/>
-          </a:prstGeom>
-          <a:noFill/>
-        </p:spPr>
-        <p:txBody>
-          <a:bodyPr wrap="none" rtlCol="0">
-            <a:spAutoFit/>
-          </a:bodyPr>
-          <a:lstStyle/>
-          <a:p>
-            <a:pPr algn="ctr"/>
-            <a:r>
-              <a:rPr lang="pt-BR" b="1" dirty="0"/>
-              <a:t>SVM não-lineares (Kernel Trick)</a:t>
-            </a:r>
-          </a:p>
-        </p:txBody>
-      </p:sp>
-      <p:sp>
-        <p:nvSpPr>
-          <p:cNvPr id="7" name="TextBox 6">
-            <a:extLst>
-              <a:ext uri="{FF2B5EF4-FFF2-40B4-BE49-F238E27FC236}">
-                <a16:creationId xmlns:a16="http://schemas.microsoft.com/office/drawing/2014/main" id="{93364720-69CE-4AB4-AAC3-4C38553A6599}"/>
-              </a:ext>
-            </a:extLst>
-          </p:cNvPr>
-          <p:cNvSpPr txBox="1"/>
-          <p:nvPr/>
-        </p:nvSpPr>
-        <p:spPr>
-          <a:xfrm>
-            <a:off x="7798081" y="4253948"/>
-            <a:ext cx="184731" cy="369332"/>
-          </a:xfrm>
-          <a:prstGeom prst="rect">
-            <a:avLst/>
-          </a:prstGeom>
-          <a:noFill/>
-        </p:spPr>
-        <p:txBody>
-          <a:bodyPr wrap="none" rtlCol="0">
-            <a:spAutoFit/>
-          </a:bodyPr>
-          <a:lstStyle/>
-          <a:p>
-            <a:endParaRPr lang="pt-BR" dirty="0"/>
-          </a:p>
-        </p:txBody>
-      </p:sp>
-      <p:sp>
-        <p:nvSpPr>
-          <p:cNvPr id="8" name="TextBox 7">
-            <a:extLst>
-              <a:ext uri="{FF2B5EF4-FFF2-40B4-BE49-F238E27FC236}">
-                <a16:creationId xmlns:a16="http://schemas.microsoft.com/office/drawing/2014/main" id="{3CDDB8D5-035C-4077-8399-462A21786F6B}"/>
-              </a:ext>
-            </a:extLst>
-          </p:cNvPr>
-          <p:cNvSpPr txBox="1"/>
-          <p:nvPr/>
-        </p:nvSpPr>
-        <p:spPr>
-          <a:xfrm>
-            <a:off x="0" y="3747291"/>
-            <a:ext cx="12192000" cy="2585323"/>
-          </a:xfrm>
-          <a:prstGeom prst="rect">
-            <a:avLst/>
-          </a:prstGeom>
-          <a:noFill/>
-        </p:spPr>
-        <p:txBody>
-          <a:bodyPr wrap="square" rtlCol="0">
-            <a:spAutoFit/>
-          </a:bodyPr>
-          <a:lstStyle/>
-          <a:p>
-            <a:pPr algn="ctr"/>
-            <a:r>
-              <a:rPr lang="pt-BR" dirty="0"/>
-              <a:t>Em geral, o objetivo do algoritmo é aprender a criar </a:t>
-            </a:r>
-            <a:r>
-              <a:rPr lang="pt-BR" b="1" dirty="0"/>
-              <a:t>hiperplanos</a:t>
-            </a:r>
-            <a:r>
-              <a:rPr lang="pt-BR" dirty="0"/>
-              <a:t> com </a:t>
-            </a:r>
-            <a:r>
-              <a:rPr lang="pt-BR" b="1" dirty="0"/>
-              <a:t>margem máxima</a:t>
-            </a:r>
-            <a:r>
-              <a:rPr lang="pt-BR" dirty="0"/>
-              <a:t> entre as classes </a:t>
-            </a:r>
-          </a:p>
-          <a:p>
-            <a:pPr algn="ctr"/>
-            <a:r>
-              <a:rPr lang="pt-BR" dirty="0"/>
-              <a:t>(quanto maior a margem, melhor é a capacidade de predição do algoritmo). Além disso, dependendo da base de dados </a:t>
-            </a:r>
-          </a:p>
-          <a:p>
-            <a:pPr algn="ctr"/>
-            <a:r>
-              <a:rPr lang="pt-BR" dirty="0"/>
-              <a:t>utilizada, pode ser construída apenas uma </a:t>
-            </a:r>
-            <a:r>
-              <a:rPr lang="pt-BR" b="1" dirty="0"/>
-              <a:t>reta</a:t>
-            </a:r>
-            <a:r>
-              <a:rPr lang="pt-BR" dirty="0"/>
-              <a:t>. O algoritmo tentará encontrar o melhor hiperplano ou reta possível que </a:t>
-            </a:r>
-          </a:p>
-          <a:p>
-            <a:pPr algn="ctr"/>
-            <a:r>
-              <a:rPr lang="pt-BR" dirty="0"/>
-              <a:t>separe perfeitamente as classes com margem máxima. Para que isso aconteça, é feita diversas tentativas com a intenção de </a:t>
-            </a:r>
-          </a:p>
-          <a:p>
-            <a:pPr algn="ctr"/>
-            <a:r>
-              <a:rPr lang="pt-BR" dirty="0"/>
-              <a:t>encontrar a melhor separação possível. omo o algoritmo exige muitos cálculos a serem feitos, alguns dados começam a ser </a:t>
-            </a:r>
-          </a:p>
-          <a:p>
-            <a:pPr algn="ctr"/>
-            <a:r>
-              <a:rPr lang="pt-BR" dirty="0"/>
-              <a:t>usados como </a:t>
-            </a:r>
-            <a:r>
-              <a:rPr lang="pt-BR" b="1" dirty="0"/>
-              <a:t>vetores de suporte</a:t>
-            </a:r>
-            <a:r>
-              <a:rPr lang="pt-BR" dirty="0"/>
-              <a:t>. Geralmente esses dados especiais são localizados em posições estratégicas, levando em </a:t>
-            </a:r>
-          </a:p>
-          <a:p>
-            <a:pPr algn="ctr"/>
-            <a:r>
-              <a:rPr lang="pt-BR" dirty="0"/>
-              <a:t>consideração seu posicionamento em relação a margem e a reta utilizada.</a:t>
-            </a:r>
-          </a:p>
-          <a:p>
-            <a:pPr algn="ctr"/>
-            <a:endParaRPr lang="pt-BR" dirty="0"/>
-          </a:p>
-          <a:p>
-            <a:pPr algn="ctr"/>
-            <a:r>
-              <a:rPr lang="pt-BR" dirty="0">
-                <a:highlight>
-                  <a:srgbClr val="00FF00"/>
-                </a:highlight>
-                <a:hlinkClick r:id="rId4"/>
-              </a:rPr>
-              <a:t>Veja mais sobre Máquinas de Vetores de Suporte</a:t>
-            </a:r>
-            <a:endParaRPr lang="pt-BR" dirty="0">
-              <a:highlight>
-                <a:srgbClr val="00FF00"/>
-              </a:highlight>
-            </a:endParaRPr>
-          </a:p>
-        </p:txBody>
-      </p:sp>
-      <p:cxnSp>
-        <p:nvCxnSpPr>
-          <p:cNvPr id="16" name="Straight Arrow Connector 15">
-            <a:extLst>
-              <a:ext uri="{FF2B5EF4-FFF2-40B4-BE49-F238E27FC236}">
-                <a16:creationId xmlns:a16="http://schemas.microsoft.com/office/drawing/2014/main" id="{0CB29867-1070-4CB5-82B3-2C8323D39B19}"/>
-              </a:ext>
-            </a:extLst>
-          </p:cNvPr>
-          <p:cNvCxnSpPr>
-            <a:cxnSpLocks/>
-          </p:cNvCxnSpPr>
-          <p:nvPr/>
-        </p:nvCxnSpPr>
-        <p:spPr>
-          <a:xfrm flipH="1">
-            <a:off x="6745357" y="1900732"/>
-            <a:ext cx="1052724" cy="1528268"/>
-          </a:xfrm>
-          <a:prstGeom prst="straightConnector1">
-            <a:avLst/>
-          </a:prstGeom>
-          <a:ln>
-            <a:tailEnd type="triangle"/>
-          </a:ln>
-        </p:spPr>
-        <p:style>
-          <a:lnRef idx="1">
-            <a:schemeClr val="accent1"/>
-          </a:lnRef>
-          <a:fillRef idx="0">
-            <a:schemeClr val="accent1"/>
-          </a:fillRef>
-          <a:effectRef idx="0">
-            <a:schemeClr val="accent1"/>
-          </a:effectRef>
-          <a:fontRef idx="minor">
-            <a:schemeClr val="tx1"/>
-          </a:fontRef>
-        </p:style>
-      </p:cxnSp>
     </p:spTree>
     <p:extLst>
       <p:ext uri="{BB962C8B-B14F-4D97-AF65-F5344CB8AC3E}">
-        <p14:creationId xmlns:p14="http://schemas.microsoft.com/office/powerpoint/2010/main" val="1025402472"/>
+        <p14:creationId xmlns:p14="http://schemas.microsoft.com/office/powerpoint/2010/main" val="3726557639"/>
       </p:ext>
     </p:extLst>
   </p:cSld>
@@ -6619,7 +6323,7 @@
           <p:cNvPr id="2" name="Title 1">
             <a:extLst>
               <a:ext uri="{FF2B5EF4-FFF2-40B4-BE49-F238E27FC236}">
-                <a16:creationId xmlns:a16="http://schemas.microsoft.com/office/drawing/2014/main" id="{16626E70-21B1-4DAB-BF62-B6ED971FF064}"/>
+                <a16:creationId xmlns:a16="http://schemas.microsoft.com/office/drawing/2014/main" id="{E919F18F-45A0-4418-8D69-BEBA1F7D845D}"/>
               </a:ext>
             </a:extLst>
           </p:cNvPr>
@@ -6637,63 +6341,17 @@
           <a:p>
             <a:r>
               <a:rPr lang="pt-BR" dirty="0"/>
-              <a:t>Nova onda para as Redes Neurais Artificiais</a:t>
-            </a:r>
-          </a:p>
-        </p:txBody>
-      </p:sp>
-      <p:sp>
-        <p:nvSpPr>
-          <p:cNvPr id="3" name="Content Placeholder 2">
-            <a:extLst>
-              <a:ext uri="{FF2B5EF4-FFF2-40B4-BE49-F238E27FC236}">
-                <a16:creationId xmlns:a16="http://schemas.microsoft.com/office/drawing/2014/main" id="{2EFA022A-767C-4EBE-A02F-2472ADDBC6E9}"/>
-              </a:ext>
-            </a:extLst>
-          </p:cNvPr>
-          <p:cNvSpPr>
-            <a:spLocks noGrp="1"/>
-          </p:cNvSpPr>
-          <p:nvPr>
-            <p:ph idx="1"/>
-          </p:nvPr>
-        </p:nvSpPr>
-        <p:spPr/>
-        <p:txBody>
-          <a:bodyPr/>
-          <a:lstStyle/>
-          <a:p>
-            <a:r>
-              <a:rPr lang="pt-BR" dirty="0"/>
-              <a:t>Grande quantidade de dados disponíveis.</a:t>
-            </a:r>
-          </a:p>
-          <a:p>
-            <a:r>
-              <a:rPr lang="pt-BR" dirty="0"/>
-              <a:t>Produção de máquinas mais potentes.</a:t>
-            </a:r>
-          </a:p>
-          <a:p>
-            <a:r>
-              <a:rPr lang="pt-BR" dirty="0"/>
-              <a:t>Algoritmos de treinamento melhorados.</a:t>
-            </a:r>
-          </a:p>
-          <a:p>
-            <a:r>
-              <a:rPr lang="pt-BR" dirty="0"/>
-              <a:t>Circulo virtuoso de financiamento e progresso.</a:t>
+              <a:t>Neurônios Biológicos</a:t>
             </a:r>
           </a:p>
         </p:txBody>
       </p:sp>
       <p:pic>
         <p:nvPicPr>
-          <p:cNvPr id="3074" name="Picture 2" descr="🥇 ▷ É assim que a rede neural do piloto automático Tesla funciona » ✅">
-            <a:extLst>
-              <a:ext uri="{FF2B5EF4-FFF2-40B4-BE49-F238E27FC236}">
-                <a16:creationId xmlns:a16="http://schemas.microsoft.com/office/drawing/2014/main" id="{ABFBC001-8A89-4135-8268-5B7D3C65F58B}"/>
+          <p:cNvPr id="4098" name="Picture 2" descr="Córtex cerebral - Cerebral cortex - qwe.wiki">
+            <a:extLst>
+              <a:ext uri="{FF2B5EF4-FFF2-40B4-BE49-F238E27FC236}">
+                <a16:creationId xmlns:a16="http://schemas.microsoft.com/office/drawing/2014/main" id="{BB40019A-9CC2-4CFE-8512-827B76B1E23A}"/>
               </a:ext>
             </a:extLst>
           </p:cNvPr>
@@ -6717,8 +6375,8 @@
         </p:blipFill>
         <p:spPr bwMode="auto">
           <a:xfrm>
-            <a:off x="838200" y="3955320"/>
-            <a:ext cx="4242352" cy="2537555"/>
+            <a:off x="8496300" y="1690688"/>
+            <a:ext cx="2857500" cy="3305175"/>
           </a:xfrm>
           <a:prstGeom prst="rect">
             <a:avLst/>
@@ -6737,10 +6395,136 @@
       </p:pic>
       <p:sp>
         <p:nvSpPr>
-          <p:cNvPr id="4" name="Arrow: Right 3">
-            <a:extLst>
-              <a:ext uri="{FF2B5EF4-FFF2-40B4-BE49-F238E27FC236}">
-                <a16:creationId xmlns:a16="http://schemas.microsoft.com/office/drawing/2014/main" id="{A57FC5E1-31B3-49C6-8EB2-DC35474A3845}"/>
+          <p:cNvPr id="4" name="TextBox 3">
+            <a:extLst>
+              <a:ext uri="{FF2B5EF4-FFF2-40B4-BE49-F238E27FC236}">
+                <a16:creationId xmlns:a16="http://schemas.microsoft.com/office/drawing/2014/main" id="{114E4BD0-FC1D-4FA1-ACD8-6054AD70C210}"/>
+              </a:ext>
+            </a:extLst>
+          </p:cNvPr>
+          <p:cNvSpPr txBox="1"/>
+          <p:nvPr/>
+        </p:nvSpPr>
+        <p:spPr>
+          <a:xfrm>
+            <a:off x="9293980" y="4995863"/>
+            <a:ext cx="1262140" cy="646331"/>
+          </a:xfrm>
+          <a:prstGeom prst="rect">
+            <a:avLst/>
+          </a:prstGeom>
+          <a:noFill/>
+        </p:spPr>
+        <p:txBody>
+          <a:bodyPr wrap="none" rtlCol="0">
+            <a:spAutoFit/>
+          </a:bodyPr>
+          <a:lstStyle/>
+          <a:p>
+            <a:pPr algn="ctr"/>
+            <a:r>
+              <a:rPr lang="pt-BR" b="1" dirty="0"/>
+              <a:t>Laminação </a:t>
+            </a:r>
+          </a:p>
+          <a:p>
+            <a:pPr algn="ctr"/>
+            <a:r>
+              <a:rPr lang="pt-BR" b="1" dirty="0"/>
+              <a:t>Cortical</a:t>
+            </a:r>
+          </a:p>
+        </p:txBody>
+      </p:sp>
+      <p:pic>
+        <p:nvPicPr>
+          <p:cNvPr id="4100" name="Picture 4" descr="Capítulo 4 - O Neurônio, Biológico e Matemático - Deep Learning Book">
+            <a:extLst>
+              <a:ext uri="{FF2B5EF4-FFF2-40B4-BE49-F238E27FC236}">
+                <a16:creationId xmlns:a16="http://schemas.microsoft.com/office/drawing/2014/main" id="{FDEA63DC-C405-49BB-887C-B58C05382E69}"/>
+              </a:ext>
+            </a:extLst>
+          </p:cNvPr>
+          <p:cNvPicPr>
+            <a:picLocks noChangeAspect="1" noChangeArrowheads="1"/>
+          </p:cNvPicPr>
+          <p:nvPr/>
+        </p:nvPicPr>
+        <p:blipFill>
+          <a:blip r:embed="rId3">
+            <a:extLst>
+              <a:ext uri="{28A0092B-C50C-407E-A947-70E740481C1C}">
+                <a14:useLocalDpi xmlns:a14="http://schemas.microsoft.com/office/drawing/2010/main" val="0"/>
+              </a:ext>
+            </a:extLst>
+          </a:blip>
+          <a:srcRect/>
+          <a:stretch>
+            <a:fillRect/>
+          </a:stretch>
+        </p:blipFill>
+        <p:spPr bwMode="auto">
+          <a:xfrm>
+            <a:off x="838200" y="1643062"/>
+            <a:ext cx="7620000" cy="3400425"/>
+          </a:xfrm>
+          <a:prstGeom prst="rect">
+            <a:avLst/>
+          </a:prstGeom>
+          <a:noFill/>
+          <a:extLst>
+            <a:ext uri="{909E8E84-426E-40DD-AFC4-6F175D3DCCD1}">
+              <a14:hiddenFill xmlns:a14="http://schemas.microsoft.com/office/drawing/2010/main">
+                <a:solidFill>
+                  <a:srgbClr val="FFFFFF"/>
+                </a:solidFill>
+              </a14:hiddenFill>
+            </a:ext>
+          </a:extLst>
+        </p:spPr>
+      </p:pic>
+      <p:sp>
+        <p:nvSpPr>
+          <p:cNvPr id="5" name="TextBox 4">
+            <a:extLst>
+              <a:ext uri="{FF2B5EF4-FFF2-40B4-BE49-F238E27FC236}">
+                <a16:creationId xmlns:a16="http://schemas.microsoft.com/office/drawing/2014/main" id="{7286EEBE-033B-463C-978B-202B6DFCAD02}"/>
+              </a:ext>
+            </a:extLst>
+          </p:cNvPr>
+          <p:cNvSpPr txBox="1"/>
+          <p:nvPr/>
+        </p:nvSpPr>
+        <p:spPr>
+          <a:xfrm>
+            <a:off x="3644944" y="5134362"/>
+            <a:ext cx="2006511" cy="369332"/>
+          </a:xfrm>
+          <a:prstGeom prst="rect">
+            <a:avLst/>
+          </a:prstGeom>
+          <a:noFill/>
+        </p:spPr>
+        <p:txBody>
+          <a:bodyPr wrap="none" rtlCol="0">
+            <a:spAutoFit/>
+          </a:bodyPr>
+          <a:lstStyle/>
+          <a:p>
+            <a:pPr algn="ctr"/>
+            <a:r>
+              <a:rPr lang="pt-BR" b="1" dirty="0"/>
+              <a:t>Neurônio Biológico</a:t>
+            </a:r>
+          </a:p>
+        </p:txBody>
+      </p:sp>
+      <p:sp>
+        <p:nvSpPr>
+          <p:cNvPr id="6" name="Arrow: Right 5">
+            <a:extLst>
+              <a:ext uri="{FF2B5EF4-FFF2-40B4-BE49-F238E27FC236}">
+                <a16:creationId xmlns:a16="http://schemas.microsoft.com/office/drawing/2014/main" id="{E8B7DC90-299F-4AFB-AA5E-7F793F15A544}"/>
               </a:ext>
             </a:extLst>
           </p:cNvPr>
@@ -6748,8 +6532,8 @@
           <p:nvPr/>
         </p:nvSpPr>
         <p:spPr>
-          <a:xfrm>
-            <a:off x="5606796" y="4981781"/>
+          <a:xfrm rot="18980605">
+            <a:off x="6387548" y="980782"/>
             <a:ext cx="978408" cy="484632"/>
           </a:xfrm>
           <a:prstGeom prst="rightArrow">
@@ -6783,10 +6567,10 @@
       </p:sp>
       <p:sp>
         <p:nvSpPr>
-          <p:cNvPr id="5" name="TextBox 4">
-            <a:extLst>
-              <a:ext uri="{FF2B5EF4-FFF2-40B4-BE49-F238E27FC236}">
-                <a16:creationId xmlns:a16="http://schemas.microsoft.com/office/drawing/2014/main" id="{4A46286C-639C-4B1A-8166-8E0D595B7C5E}"/>
+          <p:cNvPr id="7" name="TextBox 6">
+            <a:extLst>
+              <a:ext uri="{FF2B5EF4-FFF2-40B4-BE49-F238E27FC236}">
+                <a16:creationId xmlns:a16="http://schemas.microsoft.com/office/drawing/2014/main" id="{C0684914-DEC8-4ED2-BBD2-2FF4C6CA707C}"/>
               </a:ext>
             </a:extLst>
           </p:cNvPr>
@@ -6795,8 +6579,8 @@
         </p:nvSpPr>
         <p:spPr>
           <a:xfrm>
-            <a:off x="7232643" y="4981781"/>
-            <a:ext cx="1969065" cy="646331"/>
+            <a:off x="7397966" y="428896"/>
+            <a:ext cx="2572114" cy="646331"/>
           </a:xfrm>
           <a:prstGeom prst="rect">
             <a:avLst/>
@@ -6812,69 +6596,111 @@
             <a:pPr algn="ctr"/>
             <a:r>
               <a:rPr lang="pt-BR" b="1" dirty="0"/>
-              <a:t>Piloto Automático </a:t>
+              <a:t>Comunicação Através de </a:t>
             </a:r>
           </a:p>
           <a:p>
             <a:pPr algn="ctr"/>
             <a:r>
               <a:rPr lang="pt-BR" b="1" dirty="0"/>
-              <a:t>de um Tesla</a:t>
-            </a:r>
-          </a:p>
-        </p:txBody>
-      </p:sp>
-      <p:pic>
-        <p:nvPicPr>
-          <p:cNvPr id="3076" name="Picture 4" descr="Vetores de Selo De Sucesso Sucesso Rodada Grunge Sinal Vintage Sucesso e  mais imagens de Banner web - iStock">
-            <a:extLst>
-              <a:ext uri="{FF2B5EF4-FFF2-40B4-BE49-F238E27FC236}">
-                <a16:creationId xmlns:a16="http://schemas.microsoft.com/office/drawing/2014/main" id="{89A2968C-727C-449A-82B9-9ED6D85BD0F6}"/>
-              </a:ext>
-            </a:extLst>
-          </p:cNvPr>
-          <p:cNvPicPr>
-            <a:picLocks noChangeAspect="1" noChangeArrowheads="1"/>
-          </p:cNvPicPr>
+              <a:t>Sinais Sinápticos</a:t>
+            </a:r>
+          </a:p>
+        </p:txBody>
+      </p:sp>
+      <p:sp>
+        <p:nvSpPr>
+          <p:cNvPr id="8" name="Arrow: Down 7">
+            <a:extLst>
+              <a:ext uri="{FF2B5EF4-FFF2-40B4-BE49-F238E27FC236}">
+                <a16:creationId xmlns:a16="http://schemas.microsoft.com/office/drawing/2014/main" id="{C5920320-0498-43E3-B663-163EDBDE8194}"/>
+              </a:ext>
+            </a:extLst>
+          </p:cNvPr>
+          <p:cNvSpPr/>
           <p:nvPr/>
-        </p:nvPicPr>
-        <p:blipFill>
-          <a:blip r:embed="rId3">
-            <a:extLst>
-              <a:ext uri="{28A0092B-C50C-407E-A947-70E740481C1C}">
-                <a14:useLocalDpi xmlns:a14="http://schemas.microsoft.com/office/drawing/2010/main" val="0"/>
-              </a:ext>
-            </a:extLst>
-          </a:blip>
-          <a:srcRect/>
-          <a:stretch>
-            <a:fillRect/>
-          </a:stretch>
-        </p:blipFill>
-        <p:spPr bwMode="auto">
-          <a:xfrm>
-            <a:off x="8485173" y="1690688"/>
-            <a:ext cx="2868627" cy="1989068"/>
+        </p:nvSpPr>
+        <p:spPr>
+          <a:xfrm rot="3996844">
+            <a:off x="8107625" y="5378206"/>
+            <a:ext cx="484632" cy="978408"/>
+          </a:xfrm>
+          <a:prstGeom prst="downArrow">
+            <a:avLst/>
+          </a:prstGeom>
+        </p:spPr>
+        <p:style>
+          <a:lnRef idx="2">
+            <a:schemeClr val="accent1">
+              <a:shade val="50000"/>
+            </a:schemeClr>
+          </a:lnRef>
+          <a:fillRef idx="1">
+            <a:schemeClr val="accent1"/>
+          </a:fillRef>
+          <a:effectRef idx="0">
+            <a:schemeClr val="accent1"/>
+          </a:effectRef>
+          <a:fontRef idx="minor">
+            <a:schemeClr val="lt1"/>
+          </a:fontRef>
+        </p:style>
+        <p:txBody>
+          <a:bodyPr rtlCol="0" anchor="ctr"/>
+          <a:lstStyle/>
+          <a:p>
+            <a:pPr algn="ctr"/>
+            <a:endParaRPr lang="pt-BR"/>
+          </a:p>
+        </p:txBody>
+      </p:sp>
+      <p:sp>
+        <p:nvSpPr>
+          <p:cNvPr id="9" name="TextBox 8">
+            <a:extLst>
+              <a:ext uri="{FF2B5EF4-FFF2-40B4-BE49-F238E27FC236}">
+                <a16:creationId xmlns:a16="http://schemas.microsoft.com/office/drawing/2014/main" id="{D06C4241-018D-49B0-BF30-16965E7258EF}"/>
+              </a:ext>
+            </a:extLst>
+          </p:cNvPr>
+          <p:cNvSpPr txBox="1"/>
+          <p:nvPr/>
+        </p:nvSpPr>
+        <p:spPr>
+          <a:xfrm>
+            <a:off x="1215439" y="5824764"/>
+            <a:ext cx="6589304" cy="646331"/>
           </a:xfrm>
           <a:prstGeom prst="rect">
             <a:avLst/>
           </a:prstGeom>
           <a:noFill/>
-          <a:extLst>
-            <a:ext uri="{909E8E84-426E-40DD-AFC4-6F175D3DCCD1}">
-              <a14:hiddenFill xmlns:a14="http://schemas.microsoft.com/office/drawing/2010/main">
-                <a:solidFill>
-                  <a:srgbClr val="FFFFFF"/>
-                </a:solidFill>
-              </a14:hiddenFill>
-            </a:ext>
-          </a:extLst>
-        </p:spPr>
-      </p:pic>
+        </p:spPr>
+        <p:txBody>
+          <a:bodyPr wrap="none" rtlCol="0">
+            <a:spAutoFit/>
+          </a:bodyPr>
+          <a:lstStyle/>
+          <a:p>
+            <a:pPr algn="ctr"/>
+            <a:r>
+              <a:rPr lang="pt-BR" b="1" dirty="0"/>
+              <a:t>Mapeamentos do Cérebro mostram que os neurônios se organizam</a:t>
+            </a:r>
+          </a:p>
+          <a:p>
+            <a:pPr algn="ctr"/>
+            <a:r>
+              <a:rPr lang="pt-BR" b="1" dirty="0"/>
+              <a:t>em camadas consecutivas.</a:t>
+            </a:r>
+          </a:p>
+        </p:txBody>
+      </p:sp>
     </p:spTree>
     <p:extLst>
       <p:ext uri="{BB962C8B-B14F-4D97-AF65-F5344CB8AC3E}">
-        <p14:creationId xmlns:p14="http://schemas.microsoft.com/office/powerpoint/2010/main" val="3726557639"/>
+        <p14:creationId xmlns:p14="http://schemas.microsoft.com/office/powerpoint/2010/main" val="3536214135"/>
       </p:ext>
     </p:extLst>
   </p:cSld>
@@ -6906,7 +6732,7 @@
           <p:cNvPr id="2" name="Title 1">
             <a:extLst>
               <a:ext uri="{FF2B5EF4-FFF2-40B4-BE49-F238E27FC236}">
-                <a16:creationId xmlns:a16="http://schemas.microsoft.com/office/drawing/2014/main" id="{E919F18F-45A0-4418-8D69-BEBA1F7D845D}"/>
+                <a16:creationId xmlns:a16="http://schemas.microsoft.com/office/drawing/2014/main" id="{972CCF8C-DBAB-46DA-80B7-A4A0B5D4B252}"/>
               </a:ext>
             </a:extLst>
           </p:cNvPr>
@@ -6924,17 +6750,17 @@
           <a:p>
             <a:r>
               <a:rPr lang="pt-BR" dirty="0"/>
-              <a:t>Neurônios Biológicos</a:t>
+              <a:t>Redes Neurais Artificiais</a:t>
             </a:r>
           </a:p>
         </p:txBody>
       </p:sp>
       <p:pic>
         <p:nvPicPr>
-          <p:cNvPr id="4098" name="Picture 2" descr="Córtex cerebral - Cerebral cortex - qwe.wiki">
-            <a:extLst>
-              <a:ext uri="{FF2B5EF4-FFF2-40B4-BE49-F238E27FC236}">
-                <a16:creationId xmlns:a16="http://schemas.microsoft.com/office/drawing/2014/main" id="{BB40019A-9CC2-4CFE-8512-827B76B1E23A}"/>
+          <p:cNvPr id="5122" name="Picture 2" descr="Deep Learning e suas aplicações na atualidade - Revista Científica">
+            <a:extLst>
+              <a:ext uri="{FF2B5EF4-FFF2-40B4-BE49-F238E27FC236}">
+                <a16:creationId xmlns:a16="http://schemas.microsoft.com/office/drawing/2014/main" id="{9AD18548-768D-406D-8419-334BF5F0FBAD}"/>
               </a:ext>
             </a:extLst>
           </p:cNvPr>
@@ -6958,8 +6784,8 @@
         </p:blipFill>
         <p:spPr bwMode="auto">
           <a:xfrm>
-            <a:off x="8496300" y="1690688"/>
-            <a:ext cx="2857500" cy="3305175"/>
+            <a:off x="838200" y="1459435"/>
+            <a:ext cx="6852133" cy="5292547"/>
           </a:xfrm>
           <a:prstGeom prst="rect">
             <a:avLst/>
@@ -6981,7 +6807,7 @@
           <p:cNvPr id="4" name="TextBox 3">
             <a:extLst>
               <a:ext uri="{FF2B5EF4-FFF2-40B4-BE49-F238E27FC236}">
-                <a16:creationId xmlns:a16="http://schemas.microsoft.com/office/drawing/2014/main" id="{114E4BD0-FC1D-4FA1-ACD8-6054AD70C210}"/>
+                <a16:creationId xmlns:a16="http://schemas.microsoft.com/office/drawing/2014/main" id="{57A61320-F44B-49DB-801B-1B066281DA0D}"/>
               </a:ext>
             </a:extLst>
           </p:cNvPr>
@@ -6990,8 +6816,8 @@
         </p:nvSpPr>
         <p:spPr>
           <a:xfrm>
-            <a:off x="9293980" y="4995863"/>
-            <a:ext cx="1262140" cy="646331"/>
+            <a:off x="8282033" y="1690688"/>
+            <a:ext cx="3666260" cy="1477328"/>
           </a:xfrm>
           <a:prstGeom prst="rect">
             <a:avLst/>
@@ -7006,87 +6832,61 @@
           <a:p>
             <a:pPr algn="ctr"/>
             <a:r>
-              <a:rPr lang="pt-BR" b="1" dirty="0"/>
-              <a:t>Laminação </a:t>
+              <a:rPr lang="pt-BR" dirty="0"/>
+              <a:t>Você pode ter o melhor dos dois </a:t>
             </a:r>
           </a:p>
           <a:p>
             <a:pPr algn="ctr"/>
             <a:r>
-              <a:rPr lang="pt-BR" b="1" dirty="0"/>
-              <a:t>Cortical</a:t>
-            </a:r>
-          </a:p>
-        </p:txBody>
-      </p:sp>
-      <p:pic>
-        <p:nvPicPr>
-          <p:cNvPr id="4100" name="Picture 4" descr="Capítulo 4 - O Neurônio, Biológico e Matemático - Deep Learning Book">
-            <a:extLst>
-              <a:ext uri="{FF2B5EF4-FFF2-40B4-BE49-F238E27FC236}">
-                <a16:creationId xmlns:a16="http://schemas.microsoft.com/office/drawing/2014/main" id="{FDEA63DC-C405-49BB-887C-B58C05382E69}"/>
-              </a:ext>
-            </a:extLst>
-          </p:cNvPr>
-          <p:cNvPicPr>
-            <a:picLocks noChangeAspect="1" noChangeArrowheads="1"/>
-          </p:cNvPicPr>
+              <a:rPr lang="pt-BR" dirty="0"/>
+              <a:t>mundos encarando abertamente</a:t>
+            </a:r>
+          </a:p>
+          <a:p>
+            <a:pPr algn="ctr"/>
+            <a:r>
+              <a:rPr lang="pt-BR" dirty="0"/>
+              <a:t>inspirações biológicas sem ter medo</a:t>
+            </a:r>
+          </a:p>
+          <a:p>
+            <a:pPr algn="ctr"/>
+            <a:r>
+              <a:rPr lang="pt-BR" dirty="0"/>
+              <a:t>de criar modelos biologicamente não</a:t>
+            </a:r>
+          </a:p>
+          <a:p>
+            <a:pPr algn="ctr"/>
+            <a:r>
+              <a:rPr lang="pt-BR" dirty="0"/>
+              <a:t>realistas, desde que funcionem bem.</a:t>
+            </a:r>
+          </a:p>
+        </p:txBody>
+      </p:sp>
+      <p:sp>
+        <p:nvSpPr>
+          <p:cNvPr id="5" name="TextBox 4">
+            <a:extLst>
+              <a:ext uri="{FF2B5EF4-FFF2-40B4-BE49-F238E27FC236}">
+                <a16:creationId xmlns:a16="http://schemas.microsoft.com/office/drawing/2014/main" id="{6DA91D7C-AC2C-4CB3-A44A-11532C8286BE}"/>
+              </a:ext>
+            </a:extLst>
+          </p:cNvPr>
+          <p:cNvSpPr txBox="1"/>
           <p:nvPr/>
-        </p:nvPicPr>
-        <p:blipFill>
-          <a:blip r:embed="rId3">
-            <a:extLst>
-              <a:ext uri="{28A0092B-C50C-407E-A947-70E740481C1C}">
-                <a14:useLocalDpi xmlns:a14="http://schemas.microsoft.com/office/drawing/2010/main" val="0"/>
-              </a:ext>
-            </a:extLst>
-          </a:blip>
-          <a:srcRect/>
-          <a:stretch>
-            <a:fillRect/>
-          </a:stretch>
-        </p:blipFill>
-        <p:spPr bwMode="auto">
-          <a:xfrm>
-            <a:off x="838200" y="1643062"/>
-            <a:ext cx="7620000" cy="3400425"/>
+        </p:nvSpPr>
+        <p:spPr>
+          <a:xfrm>
+            <a:off x="8097078" y="3754915"/>
+            <a:ext cx="4036170" cy="2585323"/>
           </a:xfrm>
           <a:prstGeom prst="rect">
             <a:avLst/>
           </a:prstGeom>
           <a:noFill/>
-          <a:extLst>
-            <a:ext uri="{909E8E84-426E-40DD-AFC4-6F175D3DCCD1}">
-              <a14:hiddenFill xmlns:a14="http://schemas.microsoft.com/office/drawing/2010/main">
-                <a:solidFill>
-                  <a:srgbClr val="FFFFFF"/>
-                </a:solidFill>
-              </a14:hiddenFill>
-            </a:ext>
-          </a:extLst>
-        </p:spPr>
-      </p:pic>
-      <p:sp>
-        <p:nvSpPr>
-          <p:cNvPr id="5" name="TextBox 4">
-            <a:extLst>
-              <a:ext uri="{FF2B5EF4-FFF2-40B4-BE49-F238E27FC236}">
-                <a16:creationId xmlns:a16="http://schemas.microsoft.com/office/drawing/2014/main" id="{7286EEBE-033B-463C-978B-202B6DFCAD02}"/>
-              </a:ext>
-            </a:extLst>
-          </p:cNvPr>
-          <p:cNvSpPr txBox="1"/>
-          <p:nvPr/>
-        </p:nvSpPr>
-        <p:spPr>
-          <a:xfrm>
-            <a:off x="3644944" y="5134362"/>
-            <a:ext cx="2006511" cy="369332"/>
-          </a:xfrm>
-          <a:prstGeom prst="rect">
-            <a:avLst/>
-          </a:prstGeom>
-          <a:noFill/>
         </p:spPr>
         <p:txBody>
           <a:bodyPr wrap="none" rtlCol="0">
@@ -7096,186 +6896,64 @@
           <a:p>
             <a:pPr algn="ctr"/>
             <a:r>
-              <a:rPr lang="pt-BR" b="1" dirty="0"/>
-              <a:t>Neurônio Biológico</a:t>
-            </a:r>
-          </a:p>
-        </p:txBody>
-      </p:sp>
-      <p:sp>
-        <p:nvSpPr>
-          <p:cNvPr id="6" name="Arrow: Right 5">
-            <a:extLst>
-              <a:ext uri="{FF2B5EF4-FFF2-40B4-BE49-F238E27FC236}">
-                <a16:creationId xmlns:a16="http://schemas.microsoft.com/office/drawing/2014/main" id="{E8B7DC90-299F-4AFB-AA5E-7F793F15A544}"/>
-              </a:ext>
-            </a:extLst>
-          </p:cNvPr>
-          <p:cNvSpPr/>
-          <p:nvPr/>
-        </p:nvSpPr>
-        <p:spPr>
-          <a:xfrm rot="18980605">
-            <a:off x="6387548" y="980782"/>
-            <a:ext cx="978408" cy="484632"/>
-          </a:xfrm>
-          <a:prstGeom prst="rightArrow">
-            <a:avLst/>
-          </a:prstGeom>
-        </p:spPr>
-        <p:style>
-          <a:lnRef idx="2">
-            <a:schemeClr val="accent1">
-              <a:shade val="50000"/>
-            </a:schemeClr>
-          </a:lnRef>
-          <a:fillRef idx="1">
-            <a:schemeClr val="accent1"/>
-          </a:fillRef>
-          <a:effectRef idx="0">
-            <a:schemeClr val="accent1"/>
-          </a:effectRef>
-          <a:fontRef idx="minor">
-            <a:schemeClr val="lt1"/>
-          </a:fontRef>
-        </p:style>
-        <p:txBody>
-          <a:bodyPr rtlCol="0" anchor="ctr"/>
-          <a:lstStyle/>
+              <a:rPr lang="pt-BR" dirty="0"/>
+              <a:t>Os neurônios biológicos parecem</a:t>
+            </a:r>
+          </a:p>
           <a:p>
             <a:pPr algn="ctr"/>
-            <a:endParaRPr lang="pt-BR"/>
-          </a:p>
-        </p:txBody>
-      </p:sp>
-      <p:sp>
-        <p:nvSpPr>
-          <p:cNvPr id="7" name="TextBox 6">
-            <a:extLst>
-              <a:ext uri="{FF2B5EF4-FFF2-40B4-BE49-F238E27FC236}">
-                <a16:creationId xmlns:a16="http://schemas.microsoft.com/office/drawing/2014/main" id="{C0684914-DEC8-4ED2-BBD2-2FF4C6CA707C}"/>
-              </a:ext>
-            </a:extLst>
-          </p:cNvPr>
-          <p:cNvSpPr txBox="1"/>
-          <p:nvPr/>
-        </p:nvSpPr>
-        <p:spPr>
-          <a:xfrm>
-            <a:off x="7397966" y="428896"/>
-            <a:ext cx="2572114" cy="646331"/>
-          </a:xfrm>
-          <a:prstGeom prst="rect">
-            <a:avLst/>
-          </a:prstGeom>
-          <a:noFill/>
-        </p:spPr>
-        <p:txBody>
-          <a:bodyPr wrap="none" rtlCol="0">
-            <a:spAutoFit/>
-          </a:bodyPr>
-          <a:lstStyle/>
+            <a:r>
+              <a:rPr lang="pt-BR" dirty="0"/>
+              <a:t>implementar uma função de ativação</a:t>
+            </a:r>
+          </a:p>
           <a:p>
             <a:pPr algn="ctr"/>
             <a:r>
-              <a:rPr lang="pt-BR" b="1" dirty="0"/>
-              <a:t>Comunicação Através de </a:t>
+              <a:rPr lang="pt-BR" dirty="0"/>
+              <a:t>aproximadamente sigmoide (em forma </a:t>
             </a:r>
           </a:p>
           <a:p>
             <a:pPr algn="ctr"/>
             <a:r>
-              <a:rPr lang="pt-BR" b="1" dirty="0"/>
-              <a:t>Sinais Sinápticos</a:t>
-            </a:r>
-          </a:p>
-        </p:txBody>
-      </p:sp>
-      <p:sp>
-        <p:nvSpPr>
-          <p:cNvPr id="8" name="Arrow: Down 7">
-            <a:extLst>
-              <a:ext uri="{FF2B5EF4-FFF2-40B4-BE49-F238E27FC236}">
-                <a16:creationId xmlns:a16="http://schemas.microsoft.com/office/drawing/2014/main" id="{C5920320-0498-43E3-B663-163EDBDE8194}"/>
-              </a:ext>
-            </a:extLst>
-          </p:cNvPr>
-          <p:cNvSpPr/>
-          <p:nvPr/>
-        </p:nvSpPr>
-        <p:spPr>
-          <a:xfrm rot="3996844">
-            <a:off x="8107625" y="5378206"/>
-            <a:ext cx="484632" cy="978408"/>
-          </a:xfrm>
-          <a:prstGeom prst="downArrow">
-            <a:avLst/>
-          </a:prstGeom>
-        </p:spPr>
-        <p:style>
-          <a:lnRef idx="2">
-            <a:schemeClr val="accent1">
-              <a:shade val="50000"/>
-            </a:schemeClr>
-          </a:lnRef>
-          <a:fillRef idx="1">
-            <a:schemeClr val="accent1"/>
-          </a:fillRef>
-          <a:effectRef idx="0">
-            <a:schemeClr val="accent1"/>
-          </a:effectRef>
-          <a:fontRef idx="minor">
-            <a:schemeClr val="lt1"/>
-          </a:fontRef>
-        </p:style>
-        <p:txBody>
-          <a:bodyPr rtlCol="0" anchor="ctr"/>
-          <a:lstStyle/>
+              <a:rPr lang="pt-BR" dirty="0"/>
+              <a:t>de S), de modo que os pesquisadores a</a:t>
+            </a:r>
+          </a:p>
           <a:p>
             <a:pPr algn="ctr"/>
-            <a:endParaRPr lang="pt-BR"/>
-          </a:p>
-        </p:txBody>
-      </p:sp>
-      <p:sp>
-        <p:nvSpPr>
-          <p:cNvPr id="9" name="TextBox 8">
-            <a:extLst>
-              <a:ext uri="{FF2B5EF4-FFF2-40B4-BE49-F238E27FC236}">
-                <a16:creationId xmlns:a16="http://schemas.microsoft.com/office/drawing/2014/main" id="{D06C4241-018D-49B0-BF30-16965E7258EF}"/>
-              </a:ext>
-            </a:extLst>
-          </p:cNvPr>
-          <p:cNvSpPr txBox="1"/>
-          <p:nvPr/>
-        </p:nvSpPr>
-        <p:spPr>
-          <a:xfrm>
-            <a:off x="1215439" y="5824764"/>
-            <a:ext cx="6589304" cy="646331"/>
-          </a:xfrm>
-          <a:prstGeom prst="rect">
-            <a:avLst/>
-          </a:prstGeom>
-          <a:noFill/>
-        </p:spPr>
-        <p:txBody>
-          <a:bodyPr wrap="none" rtlCol="0">
-            <a:spAutoFit/>
-          </a:bodyPr>
-          <a:lstStyle/>
+            <a:r>
+              <a:rPr lang="pt-BR" dirty="0"/>
+              <a:t>mantiveram por muito tempo. Mas </a:t>
+            </a:r>
+          </a:p>
           <a:p>
             <a:pPr algn="ctr"/>
             <a:r>
-              <a:rPr lang="pt-BR" b="1" dirty="0"/>
-              <a:t>Mapeamentos do Cérebro mostram que os neurônios se organizam</a:t>
+              <a:rPr lang="pt-BR" dirty="0"/>
+              <a:t>acontece que a função ReLU geralmente</a:t>
             </a:r>
           </a:p>
           <a:p>
             <a:pPr algn="ctr"/>
             <a:r>
-              <a:rPr lang="pt-BR" b="1" dirty="0"/>
-              <a:t>em camadas consecutivas.</a:t>
+              <a:rPr lang="pt-BR" dirty="0"/>
+              <a:t>funciona melhor nas RNA. Este é um dos </a:t>
+            </a:r>
+          </a:p>
+          <a:p>
+            <a:pPr algn="ctr"/>
+            <a:r>
+              <a:rPr lang="pt-BR" dirty="0"/>
+              <a:t>casos em que a analogia biológica foi </a:t>
+            </a:r>
+          </a:p>
+          <a:p>
+            <a:pPr algn="ctr"/>
+            <a:r>
+              <a:rPr lang="pt-BR" dirty="0"/>
+              <a:t>enganosa. </a:t>
             </a:r>
           </a:p>
         </p:txBody>
@@ -7283,7 +6961,7 @@
     </p:spTree>
     <p:extLst>
       <p:ext uri="{BB962C8B-B14F-4D97-AF65-F5344CB8AC3E}">
-        <p14:creationId xmlns:p14="http://schemas.microsoft.com/office/powerpoint/2010/main" val="3536214135"/>
+        <p14:creationId xmlns:p14="http://schemas.microsoft.com/office/powerpoint/2010/main" val="2865207872"/>
       </p:ext>
     </p:extLst>
   </p:cSld>
@@ -7315,7 +6993,7 @@
           <p:cNvPr id="2" name="Title 1">
             <a:extLst>
               <a:ext uri="{FF2B5EF4-FFF2-40B4-BE49-F238E27FC236}">
-                <a16:creationId xmlns:a16="http://schemas.microsoft.com/office/drawing/2014/main" id="{972CCF8C-DBAB-46DA-80B7-A4A0B5D4B252}"/>
+                <a16:creationId xmlns:a16="http://schemas.microsoft.com/office/drawing/2014/main" id="{72356BB7-9D49-4CEC-8C53-28A9F0943DD3}"/>
               </a:ext>
             </a:extLst>
           </p:cNvPr>
@@ -7333,17 +7011,45 @@
           <a:p>
             <a:r>
               <a:rPr lang="pt-BR" dirty="0"/>
-              <a:t>Redes Neurais Artificiais</a:t>
+              <a:t>Cálculos Lógicos com Neurônios</a:t>
+            </a:r>
+          </a:p>
+        </p:txBody>
+      </p:sp>
+      <p:sp>
+        <p:nvSpPr>
+          <p:cNvPr id="3" name="Content Placeholder 2">
+            <a:extLst>
+              <a:ext uri="{FF2B5EF4-FFF2-40B4-BE49-F238E27FC236}">
+                <a16:creationId xmlns:a16="http://schemas.microsoft.com/office/drawing/2014/main" id="{4EDAEE87-F2AE-4DDA-A81E-C79A7FC5B47D}"/>
+              </a:ext>
+            </a:extLst>
+          </p:cNvPr>
+          <p:cNvSpPr>
+            <a:spLocks noGrp="1"/>
+          </p:cNvSpPr>
+          <p:nvPr>
+            <p:ph idx="1"/>
+          </p:nvPr>
+        </p:nvSpPr>
+        <p:spPr/>
+        <p:txBody>
+          <a:bodyPr/>
+          <a:lstStyle/>
+          <a:p>
+            <a:r>
+              <a:rPr lang="pt-BR" dirty="0"/>
+              <a:t>McCulloch e Pitts propuseram um modelo simples de neurônio biológico com uma ou mais entradas binárias e uma saída binária.</a:t>
             </a:r>
           </a:p>
         </p:txBody>
       </p:sp>
       <p:pic>
         <p:nvPicPr>
-          <p:cNvPr id="5122" name="Picture 2" descr="Deep Learning e suas aplicações na atualidade - Revista Científica">
-            <a:extLst>
-              <a:ext uri="{FF2B5EF4-FFF2-40B4-BE49-F238E27FC236}">
-                <a16:creationId xmlns:a16="http://schemas.microsoft.com/office/drawing/2014/main" id="{9AD18548-768D-406D-8419-334BF5F0FBAD}"/>
+          <p:cNvPr id="6146" name="Picture 2" descr="Redes Neurais 1: O primeiro modelo de neurônio artificial de McCulloch e  Pitts – Waldir Bertazzi Junior">
+            <a:extLst>
+              <a:ext uri="{FF2B5EF4-FFF2-40B4-BE49-F238E27FC236}">
+                <a16:creationId xmlns:a16="http://schemas.microsoft.com/office/drawing/2014/main" id="{3537FDB7-D66C-4E96-89E5-B46763B7DE4B}"/>
               </a:ext>
             </a:extLst>
           </p:cNvPr>
@@ -7367,8 +7073,8 @@
         </p:blipFill>
         <p:spPr bwMode="auto">
           <a:xfrm>
-            <a:off x="838200" y="1459435"/>
-            <a:ext cx="6852133" cy="5292547"/>
+            <a:off x="490330" y="2613922"/>
+            <a:ext cx="6944140" cy="3878953"/>
           </a:xfrm>
           <a:prstGeom prst="rect">
             <a:avLst/>
@@ -7387,10 +7093,56 @@
       </p:pic>
       <p:sp>
         <p:nvSpPr>
-          <p:cNvPr id="4" name="TextBox 3">
-            <a:extLst>
-              <a:ext uri="{FF2B5EF4-FFF2-40B4-BE49-F238E27FC236}">
-                <a16:creationId xmlns:a16="http://schemas.microsoft.com/office/drawing/2014/main" id="{57A61320-F44B-49DB-801B-1B066281DA0D}"/>
+          <p:cNvPr id="4" name="Arrow: Right 3">
+            <a:extLst>
+              <a:ext uri="{FF2B5EF4-FFF2-40B4-BE49-F238E27FC236}">
+                <a16:creationId xmlns:a16="http://schemas.microsoft.com/office/drawing/2014/main" id="{E9E7DFE4-2AD6-418A-831E-6FBBA4352B95}"/>
+              </a:ext>
+            </a:extLst>
+          </p:cNvPr>
+          <p:cNvSpPr/>
+          <p:nvPr/>
+        </p:nvSpPr>
+        <p:spPr>
+          <a:xfrm>
+            <a:off x="7142922" y="2985582"/>
+            <a:ext cx="978408" cy="484632"/>
+          </a:xfrm>
+          <a:prstGeom prst="rightArrow">
+            <a:avLst/>
+          </a:prstGeom>
+        </p:spPr>
+        <p:style>
+          <a:lnRef idx="2">
+            <a:schemeClr val="accent1">
+              <a:shade val="50000"/>
+            </a:schemeClr>
+          </a:lnRef>
+          <a:fillRef idx="1">
+            <a:schemeClr val="accent1"/>
+          </a:fillRef>
+          <a:effectRef idx="0">
+            <a:schemeClr val="accent1"/>
+          </a:effectRef>
+          <a:fontRef idx="minor">
+            <a:schemeClr val="lt1"/>
+          </a:fontRef>
+        </p:style>
+        <p:txBody>
+          <a:bodyPr rtlCol="0" anchor="ctr"/>
+          <a:lstStyle/>
+          <a:p>
+            <a:pPr algn="ctr"/>
+            <a:endParaRPr lang="pt-BR"/>
+          </a:p>
+        </p:txBody>
+      </p:sp>
+      <p:sp>
+        <p:nvSpPr>
+          <p:cNvPr id="5" name="TextBox 4">
+            <a:extLst>
+              <a:ext uri="{FF2B5EF4-FFF2-40B4-BE49-F238E27FC236}">
+                <a16:creationId xmlns:a16="http://schemas.microsoft.com/office/drawing/2014/main" id="{065598EA-F402-487C-8425-C454DE33E237}"/>
               </a:ext>
             </a:extLst>
           </p:cNvPr>
@@ -7399,8 +7151,8 @@
         </p:nvSpPr>
         <p:spPr>
           <a:xfrm>
-            <a:off x="8282033" y="1690688"/>
-            <a:ext cx="3666260" cy="1477328"/>
+            <a:off x="8121330" y="2950530"/>
+            <a:ext cx="3892476" cy="646331"/>
           </a:xfrm>
           <a:prstGeom prst="rect">
             <a:avLst/>
@@ -7416,45 +7168,70 @@
             <a:pPr algn="ctr"/>
             <a:r>
               <a:rPr lang="pt-BR" dirty="0"/>
-              <a:t>Você pode ter o melhor dos dois </a:t>
+              <a:t>Exemplo simples para calcular qualquer</a:t>
             </a:r>
           </a:p>
           <a:p>
             <a:pPr algn="ctr"/>
             <a:r>
               <a:rPr lang="pt-BR" dirty="0"/>
-              <a:t>mundos encarando abertamente</a:t>
-            </a:r>
-          </a:p>
+              <a:t>proposta lógica desejada.</a:t>
+            </a:r>
+          </a:p>
+        </p:txBody>
+      </p:sp>
+      <p:sp>
+        <p:nvSpPr>
+          <p:cNvPr id="6" name="Arrow: Right 5">
+            <a:extLst>
+              <a:ext uri="{FF2B5EF4-FFF2-40B4-BE49-F238E27FC236}">
+                <a16:creationId xmlns:a16="http://schemas.microsoft.com/office/drawing/2014/main" id="{C14EB5AF-BA29-4D3D-9716-71662996986B}"/>
+              </a:ext>
+            </a:extLst>
+          </p:cNvPr>
+          <p:cNvSpPr/>
+          <p:nvPr/>
+        </p:nvSpPr>
+        <p:spPr>
+          <a:xfrm>
+            <a:off x="7142922" y="4242296"/>
+            <a:ext cx="978408" cy="484632"/>
+          </a:xfrm>
+          <a:prstGeom prst="rightArrow">
+            <a:avLst/>
+          </a:prstGeom>
+        </p:spPr>
+        <p:style>
+          <a:lnRef idx="2">
+            <a:schemeClr val="accent1">
+              <a:shade val="50000"/>
+            </a:schemeClr>
+          </a:lnRef>
+          <a:fillRef idx="1">
+            <a:schemeClr val="accent1"/>
+          </a:fillRef>
+          <a:effectRef idx="0">
+            <a:schemeClr val="accent1"/>
+          </a:effectRef>
+          <a:fontRef idx="minor">
+            <a:schemeClr val="lt1"/>
+          </a:fontRef>
+        </p:style>
+        <p:txBody>
+          <a:bodyPr rtlCol="0" anchor="ctr"/>
+          <a:lstStyle/>
           <a:p>
             <a:pPr algn="ctr"/>
-            <a:r>
-              <a:rPr lang="pt-BR" dirty="0"/>
-              <a:t>inspirações biológicas sem ter medo</a:t>
-            </a:r>
-          </a:p>
-          <a:p>
-            <a:pPr algn="ctr"/>
-            <a:r>
-              <a:rPr lang="pt-BR" dirty="0"/>
-              <a:t>de criar modelos biologicamente não</a:t>
-            </a:r>
-          </a:p>
-          <a:p>
-            <a:pPr algn="ctr"/>
-            <a:r>
-              <a:rPr lang="pt-BR" dirty="0"/>
-              <a:t>realistas, desde que funcionem bem.</a:t>
-            </a:r>
-          </a:p>
-        </p:txBody>
-      </p:sp>
-      <p:sp>
-        <p:nvSpPr>
-          <p:cNvPr id="5" name="TextBox 4">
-            <a:extLst>
-              <a:ext uri="{FF2B5EF4-FFF2-40B4-BE49-F238E27FC236}">
-                <a16:creationId xmlns:a16="http://schemas.microsoft.com/office/drawing/2014/main" id="{6DA91D7C-AC2C-4CB3-A44A-11532C8286BE}"/>
+            <a:endParaRPr lang="pt-BR"/>
+          </a:p>
+        </p:txBody>
+      </p:sp>
+      <p:sp>
+        <p:nvSpPr>
+          <p:cNvPr id="7" name="TextBox 6">
+            <a:extLst>
+              <a:ext uri="{FF2B5EF4-FFF2-40B4-BE49-F238E27FC236}">
+                <a16:creationId xmlns:a16="http://schemas.microsoft.com/office/drawing/2014/main" id="{316F14C3-CFD1-4AB9-BCBB-62EBBF202ADD}"/>
               </a:ext>
             </a:extLst>
           </p:cNvPr>
@@ -7463,8 +7240,8 @@
         </p:nvSpPr>
         <p:spPr>
           <a:xfrm>
-            <a:off x="8097078" y="3754915"/>
-            <a:ext cx="4036170" cy="2585323"/>
+            <a:off x="8177824" y="4022947"/>
+            <a:ext cx="4014176" cy="923330"/>
           </a:xfrm>
           <a:prstGeom prst="rect">
             <a:avLst/>
@@ -7480,63 +7257,21 @@
             <a:pPr algn="ctr"/>
             <a:r>
               <a:rPr lang="pt-BR" dirty="0"/>
-              <a:t>Os neurônios biológicos parecem</a:t>
+              <a:t>Você pode imaginar facilmente como</a:t>
             </a:r>
           </a:p>
           <a:p>
             <a:pPr algn="ctr"/>
             <a:r>
               <a:rPr lang="pt-BR" dirty="0"/>
-              <a:t>implementar uma função de ativação</a:t>
+              <a:t>essas redes podem ser combinadas para </a:t>
             </a:r>
           </a:p>
           <a:p>
             <a:pPr algn="ctr"/>
             <a:r>
               <a:rPr lang="pt-BR" dirty="0"/>
-              <a:t>aproximadamente sigmoide (em forma </a:t>
-            </a:r>
-          </a:p>
-          <a:p>
-            <a:pPr algn="ctr"/>
-            <a:r>
-              <a:rPr lang="pt-BR" dirty="0"/>
-              <a:t>de S), de modo que os pesquisadores a</a:t>
-            </a:r>
-          </a:p>
-          <a:p>
-            <a:pPr algn="ctr"/>
-            <a:r>
-              <a:rPr lang="pt-BR" dirty="0"/>
-              <a:t>mantiveram por muito tempo. Mas </a:t>
-            </a:r>
-          </a:p>
-          <a:p>
-            <a:pPr algn="ctr"/>
-            <a:r>
-              <a:rPr lang="pt-BR" dirty="0"/>
-              <a:t>acontece que a função ReLU geralmente</a:t>
-            </a:r>
-          </a:p>
-          <a:p>
-            <a:pPr algn="ctr"/>
-            <a:r>
-              <a:rPr lang="pt-BR" dirty="0"/>
-              <a:t>funciona melhor nas RNA. Este é um dos </a:t>
-            </a:r>
-          </a:p>
-          <a:p>
-            <a:pPr algn="ctr"/>
-            <a:r>
-              <a:rPr lang="pt-BR" dirty="0"/>
-              <a:t>casos em que a analogia biológica foi </a:t>
-            </a:r>
-          </a:p>
-          <a:p>
-            <a:pPr algn="ctr"/>
-            <a:r>
-              <a:rPr lang="pt-BR" dirty="0"/>
-              <a:t>enganosa. </a:t>
+              <a:t>calcular expressões lógicas complexas.</a:t>
             </a:r>
           </a:p>
         </p:txBody>
@@ -7544,7 +7279,7 @@
     </p:spTree>
     <p:extLst>
       <p:ext uri="{BB962C8B-B14F-4D97-AF65-F5344CB8AC3E}">
-        <p14:creationId xmlns:p14="http://schemas.microsoft.com/office/powerpoint/2010/main" val="2865207872"/>
+        <p14:creationId xmlns:p14="http://schemas.microsoft.com/office/powerpoint/2010/main" val="1589166425"/>
       </p:ext>
     </p:extLst>
   </p:cSld>
@@ -7576,7 +7311,7 @@
           <p:cNvPr id="2" name="Title 1">
             <a:extLst>
               <a:ext uri="{FF2B5EF4-FFF2-40B4-BE49-F238E27FC236}">
-                <a16:creationId xmlns:a16="http://schemas.microsoft.com/office/drawing/2014/main" id="{72356BB7-9D49-4CEC-8C53-28A9F0943DD3}"/>
+                <a16:creationId xmlns:a16="http://schemas.microsoft.com/office/drawing/2014/main" id="{94C9B0CF-10D1-47C6-92FF-CCD8C5EFA970}"/>
               </a:ext>
             </a:extLst>
           </p:cNvPr>
@@ -7594,7 +7329,7 @@
           <a:p>
             <a:r>
               <a:rPr lang="pt-BR" dirty="0"/>
-              <a:t>Cálculos Lógicos com Neurônios</a:t>
+              <a:t>Perceptron</a:t>
             </a:r>
           </a:p>
         </p:txBody>
@@ -7604,7 +7339,7 @@
           <p:cNvPr id="3" name="Content Placeholder 2">
             <a:extLst>
               <a:ext uri="{FF2B5EF4-FFF2-40B4-BE49-F238E27FC236}">
-                <a16:creationId xmlns:a16="http://schemas.microsoft.com/office/drawing/2014/main" id="{4EDAEE87-F2AE-4DDA-A81E-C79A7FC5B47D}"/>
+                <a16:creationId xmlns:a16="http://schemas.microsoft.com/office/drawing/2014/main" id="{A9A8763E-4326-4EEA-B1DC-08623A0BBD6F}"/>
               </a:ext>
             </a:extLst>
           </p:cNvPr>
@@ -7622,17 +7357,17 @@
           <a:p>
             <a:r>
               <a:rPr lang="pt-BR" dirty="0"/>
-              <a:t>McCulloch e Pitts propuseram um modelo simples de neurônio biológico com uma ou mais entradas binárias e uma saída binária.</a:t>
+              <a:t>Inventada em 1957 por Frank Rossenblatt (uma das mais simples arquiteturas de RNA).</a:t>
             </a:r>
           </a:p>
         </p:txBody>
       </p:sp>
       <p:pic>
         <p:nvPicPr>
-          <p:cNvPr id="6146" name="Picture 2" descr="Redes Neurais 1: O primeiro modelo de neurônio artificial de McCulloch e  Pitts – Waldir Bertazzi Junior">
-            <a:extLst>
-              <a:ext uri="{FF2B5EF4-FFF2-40B4-BE49-F238E27FC236}">
-                <a16:creationId xmlns:a16="http://schemas.microsoft.com/office/drawing/2014/main" id="{3537FDB7-D66C-4E96-89E5-B46763B7DE4B}"/>
+          <p:cNvPr id="7172" name="Picture 4" descr="Professor's perceptron paved the way for AI – 60 years too soon | Cornell  Chronicle">
+            <a:extLst>
+              <a:ext uri="{FF2B5EF4-FFF2-40B4-BE49-F238E27FC236}">
+                <a16:creationId xmlns:a16="http://schemas.microsoft.com/office/drawing/2014/main" id="{F4E03E06-483D-400B-9AC3-83E56CABA498}"/>
               </a:ext>
             </a:extLst>
           </p:cNvPr>
@@ -7656,8 +7391,8 @@
         </p:blipFill>
         <p:spPr bwMode="auto">
           <a:xfrm>
-            <a:off x="490330" y="2613922"/>
-            <a:ext cx="6944140" cy="3878953"/>
+            <a:off x="8919541" y="390989"/>
+            <a:ext cx="2434259" cy="1368737"/>
           </a:xfrm>
           <a:prstGeom prst="rect">
             <a:avLst/>
@@ -7676,10 +7411,89 @@
       </p:pic>
       <p:sp>
         <p:nvSpPr>
-          <p:cNvPr id="4" name="Arrow: Right 3">
-            <a:extLst>
-              <a:ext uri="{FF2B5EF4-FFF2-40B4-BE49-F238E27FC236}">
-                <a16:creationId xmlns:a16="http://schemas.microsoft.com/office/drawing/2014/main" id="{E9E7DFE4-2AD6-418A-831E-6FBBA4352B95}"/>
+          <p:cNvPr id="6" name="TextBox 5">
+            <a:extLst>
+              <a:ext uri="{FF2B5EF4-FFF2-40B4-BE49-F238E27FC236}">
+                <a16:creationId xmlns:a16="http://schemas.microsoft.com/office/drawing/2014/main" id="{9FEFD6ED-4005-495F-993C-6A50C84B281E}"/>
+              </a:ext>
+            </a:extLst>
+          </p:cNvPr>
+          <p:cNvSpPr txBox="1"/>
+          <p:nvPr/>
+        </p:nvSpPr>
+        <p:spPr>
+          <a:xfrm>
+            <a:off x="3813725" y="5102087"/>
+            <a:ext cx="184731" cy="369332"/>
+          </a:xfrm>
+          <a:prstGeom prst="rect">
+            <a:avLst/>
+          </a:prstGeom>
+          <a:noFill/>
+        </p:spPr>
+        <p:txBody>
+          <a:bodyPr wrap="none" rtlCol="0">
+            <a:spAutoFit/>
+          </a:bodyPr>
+          <a:lstStyle/>
+          <a:p>
+            <a:endParaRPr lang="pt-BR" dirty="0"/>
+          </a:p>
+        </p:txBody>
+      </p:sp>
+      <p:pic>
+        <p:nvPicPr>
+          <p:cNvPr id="7176" name="Picture 8">
+            <a:extLst>
+              <a:ext uri="{FF2B5EF4-FFF2-40B4-BE49-F238E27FC236}">
+                <a16:creationId xmlns:a16="http://schemas.microsoft.com/office/drawing/2014/main" id="{55B4E138-EEC0-4A16-872D-551098AE9D61}"/>
+              </a:ext>
+            </a:extLst>
+          </p:cNvPr>
+          <p:cNvPicPr>
+            <a:picLocks noChangeAspect="1" noChangeArrowheads="1"/>
+          </p:cNvPicPr>
+          <p:nvPr/>
+        </p:nvPicPr>
+        <p:blipFill>
+          <a:blip r:embed="rId3">
+            <a:extLst>
+              <a:ext uri="{28A0092B-C50C-407E-A947-70E740481C1C}">
+                <a14:useLocalDpi xmlns:a14="http://schemas.microsoft.com/office/drawing/2010/main" val="0"/>
+              </a:ext>
+            </a:extLst>
+          </a:blip>
+          <a:srcRect/>
+          <a:stretch>
+            <a:fillRect/>
+          </a:stretch>
+        </p:blipFill>
+        <p:spPr bwMode="auto">
+          <a:xfrm>
+            <a:off x="838200" y="3087758"/>
+            <a:ext cx="5813784" cy="3089206"/>
+          </a:xfrm>
+          <a:prstGeom prst="rect">
+            <a:avLst/>
+          </a:prstGeom>
+          <a:noFill/>
+          <a:extLst>
+            <a:ext uri="{909E8E84-426E-40DD-AFC4-6F175D3DCCD1}">
+              <a14:hiddenFill xmlns:a14="http://schemas.microsoft.com/office/drawing/2010/main">
+                <a:solidFill>
+                  <a:srgbClr val="FFFFFF"/>
+                </a:solidFill>
+              </a14:hiddenFill>
+            </a:ext>
+          </a:extLst>
+        </p:spPr>
+      </p:pic>
+      <p:sp>
+        <p:nvSpPr>
+          <p:cNvPr id="7" name="Arrow: Right 6">
+            <a:extLst>
+              <a:ext uri="{FF2B5EF4-FFF2-40B4-BE49-F238E27FC236}">
+                <a16:creationId xmlns:a16="http://schemas.microsoft.com/office/drawing/2014/main" id="{1F2484EF-7560-43C5-81C4-D542DCEACE8E}"/>
               </a:ext>
             </a:extLst>
           </p:cNvPr>
@@ -7688,7 +7502,7 @@
         </p:nvSpPr>
         <p:spPr>
           <a:xfrm>
-            <a:off x="7142922" y="2985582"/>
+            <a:off x="6651984" y="4001294"/>
             <a:ext cx="978408" cy="484632"/>
           </a:xfrm>
           <a:prstGeom prst="rightArrow">
@@ -7722,10 +7536,10 @@
       </p:sp>
       <p:sp>
         <p:nvSpPr>
-          <p:cNvPr id="5" name="TextBox 4">
-            <a:extLst>
-              <a:ext uri="{FF2B5EF4-FFF2-40B4-BE49-F238E27FC236}">
-                <a16:creationId xmlns:a16="http://schemas.microsoft.com/office/drawing/2014/main" id="{065598EA-F402-487C-8425-C454DE33E237}"/>
+          <p:cNvPr id="8" name="TextBox 7">
+            <a:extLst>
+              <a:ext uri="{FF2B5EF4-FFF2-40B4-BE49-F238E27FC236}">
+                <a16:creationId xmlns:a16="http://schemas.microsoft.com/office/drawing/2014/main" id="{758B16E6-46C8-4C7A-9811-3E3B5C02CEC8}"/>
               </a:ext>
             </a:extLst>
           </p:cNvPr>
@@ -7734,8 +7548,8 @@
         </p:nvSpPr>
         <p:spPr>
           <a:xfrm>
-            <a:off x="8121330" y="2950530"/>
-            <a:ext cx="3892476" cy="646331"/>
+            <a:off x="7630392" y="3920444"/>
+            <a:ext cx="4424737" cy="646331"/>
           </a:xfrm>
           <a:prstGeom prst="rect">
             <a:avLst/>
@@ -7748,27 +7562,33 @@
           </a:bodyPr>
           <a:lstStyle/>
           <a:p>
-            <a:pPr algn="ctr"/>
             <a:r>
               <a:rPr lang="pt-BR" dirty="0"/>
-              <a:t>Exemplo simples para calcular qualquer</a:t>
-            </a:r>
-          </a:p>
-          <a:p>
-            <a:pPr algn="ctr"/>
+              <a:t>As funções de ativação basicamente decidem</a:t>
+            </a:r>
+          </a:p>
+          <a:p>
             <a:r>
               <a:rPr lang="pt-BR" dirty="0"/>
-              <a:t>proposta lógica desejada.</a:t>
-            </a:r>
-          </a:p>
-        </p:txBody>
-      </p:sp>
-      <p:sp>
-        <p:nvSpPr>
-          <p:cNvPr id="6" name="Arrow: Right 5">
-            <a:extLst>
-              <a:ext uri="{FF2B5EF4-FFF2-40B4-BE49-F238E27FC236}">
-                <a16:creationId xmlns:a16="http://schemas.microsoft.com/office/drawing/2014/main" id="{C14EB5AF-BA29-4D3D-9716-71662996986B}"/>
+              <a:t>se um neurônio deve ser </a:t>
+            </a:r>
+            <a:r>
+              <a:rPr lang="pt-BR" b="1" dirty="0"/>
+              <a:t>ativado</a:t>
+            </a:r>
+            <a:r>
+              <a:rPr lang="pt-BR" dirty="0"/>
+              <a:t> ou não.</a:t>
+            </a:r>
+          </a:p>
+        </p:txBody>
+      </p:sp>
+      <p:sp>
+        <p:nvSpPr>
+          <p:cNvPr id="9" name="Arrow: Right 8">
+            <a:extLst>
+              <a:ext uri="{FF2B5EF4-FFF2-40B4-BE49-F238E27FC236}">
+                <a16:creationId xmlns:a16="http://schemas.microsoft.com/office/drawing/2014/main" id="{A4DB67D2-49A5-4717-B535-036D1A881CE6}"/>
               </a:ext>
             </a:extLst>
           </p:cNvPr>
@@ -7777,7 +7597,7 @@
         </p:nvSpPr>
         <p:spPr>
           <a:xfrm>
-            <a:off x="7142922" y="4242296"/>
+            <a:off x="5163806" y="5102087"/>
             <a:ext cx="978408" cy="484632"/>
           </a:xfrm>
           <a:prstGeom prst="rightArrow">
@@ -7811,10 +7631,10 @@
       </p:sp>
       <p:sp>
         <p:nvSpPr>
-          <p:cNvPr id="7" name="TextBox 6">
-            <a:extLst>
-              <a:ext uri="{FF2B5EF4-FFF2-40B4-BE49-F238E27FC236}">
-                <a16:creationId xmlns:a16="http://schemas.microsoft.com/office/drawing/2014/main" id="{316F14C3-CFD1-4AB9-BCBB-62EBBF202ADD}"/>
+          <p:cNvPr id="10" name="TextBox 9">
+            <a:extLst>
+              <a:ext uri="{FF2B5EF4-FFF2-40B4-BE49-F238E27FC236}">
+                <a16:creationId xmlns:a16="http://schemas.microsoft.com/office/drawing/2014/main" id="{C230D3A6-F601-4F11-BC25-6D63F240C8FB}"/>
               </a:ext>
             </a:extLst>
           </p:cNvPr>
@@ -7823,8 +7643,8 @@
         </p:nvSpPr>
         <p:spPr>
           <a:xfrm>
-            <a:off x="8177824" y="4022947"/>
-            <a:ext cx="4014176" cy="923330"/>
+            <a:off x="6076225" y="5048703"/>
+            <a:ext cx="6033447" cy="646331"/>
           </a:xfrm>
           <a:prstGeom prst="rect">
             <a:avLst/>
@@ -7840,29 +7660,159 @@
             <a:pPr algn="ctr"/>
             <a:r>
               <a:rPr lang="pt-BR" dirty="0"/>
-              <a:t>Você pode imaginar facilmente como</a:t>
+              <a:t>O treinamento da minha rede neural consistem em encontrar</a:t>
             </a:r>
           </a:p>
           <a:p>
             <a:pPr algn="ctr"/>
             <a:r>
               <a:rPr lang="pt-BR" dirty="0"/>
-              <a:t>essas redes podem ser combinadas para </a:t>
-            </a:r>
-          </a:p>
+              <a:t>os pesos ideais (quanto mais generalista, melhor). </a:t>
+            </a:r>
+          </a:p>
+        </p:txBody>
+      </p:sp>
+      <p:pic>
+        <p:nvPicPr>
+          <p:cNvPr id="7178" name="Picture 10" descr="Função de Heaviside – Wikipédia, a enciclopédia livre">
+            <a:extLst>
+              <a:ext uri="{FF2B5EF4-FFF2-40B4-BE49-F238E27FC236}">
+                <a16:creationId xmlns:a16="http://schemas.microsoft.com/office/drawing/2014/main" id="{0009D21F-D11E-491C-B0B3-D3BA5C75C9E7}"/>
+              </a:ext>
+            </a:extLst>
+          </p:cNvPr>
+          <p:cNvPicPr>
+            <a:picLocks noChangeAspect="1" noChangeArrowheads="1"/>
+          </p:cNvPicPr>
+          <p:nvPr/>
+        </p:nvPicPr>
+        <p:blipFill>
+          <a:blip r:embed="rId4">
+            <a:extLst>
+              <a:ext uri="{28A0092B-C50C-407E-A947-70E740481C1C}">
+                <a14:useLocalDpi xmlns:a14="http://schemas.microsoft.com/office/drawing/2010/main" val="0"/>
+              </a:ext>
+            </a:extLst>
+          </a:blip>
+          <a:srcRect/>
+          <a:stretch>
+            <a:fillRect/>
+          </a:stretch>
+        </p:blipFill>
+        <p:spPr bwMode="auto">
+          <a:xfrm>
+            <a:off x="9634591" y="2215173"/>
+            <a:ext cx="2420538" cy="1815404"/>
+          </a:xfrm>
+          <a:prstGeom prst="rect">
+            <a:avLst/>
+          </a:prstGeom>
+          <a:noFill/>
+          <a:extLst>
+            <a:ext uri="{909E8E84-426E-40DD-AFC4-6F175D3DCCD1}">
+              <a14:hiddenFill xmlns:a14="http://schemas.microsoft.com/office/drawing/2010/main">
+                <a:solidFill>
+                  <a:srgbClr val="FFFFFF"/>
+                </a:solidFill>
+              </a14:hiddenFill>
+            </a:ext>
+          </a:extLst>
+        </p:spPr>
+      </p:pic>
+      <p:sp>
+        <p:nvSpPr>
+          <p:cNvPr id="12" name="TextBox 11">
+            <a:extLst>
+              <a:ext uri="{FF2B5EF4-FFF2-40B4-BE49-F238E27FC236}">
+                <a16:creationId xmlns:a16="http://schemas.microsoft.com/office/drawing/2014/main" id="{8AFB5B43-E8B9-407B-9C4B-77B155506F5C}"/>
+              </a:ext>
+            </a:extLst>
+          </p:cNvPr>
+          <p:cNvSpPr txBox="1"/>
+          <p:nvPr/>
+        </p:nvSpPr>
+        <p:spPr>
+          <a:xfrm>
+            <a:off x="273348" y="4311003"/>
+            <a:ext cx="1808252" cy="646331"/>
+          </a:xfrm>
+          <a:prstGeom prst="rect">
+            <a:avLst/>
+          </a:prstGeom>
+          <a:noFill/>
+        </p:spPr>
+        <p:txBody>
+          <a:bodyPr wrap="none" rtlCol="0">
+            <a:spAutoFit/>
+          </a:bodyPr>
+          <a:lstStyle/>
           <a:p>
             <a:pPr algn="ctr"/>
             <a:r>
               <a:rPr lang="pt-BR" dirty="0"/>
-              <a:t>calcular expressões lógicas complexas.</a:t>
-            </a:r>
-          </a:p>
-        </p:txBody>
-      </p:sp>
+              <a:t>Soma ponderada</a:t>
+            </a:r>
+          </a:p>
+          <a:p>
+            <a:pPr algn="ctr"/>
+            <a:r>
+              <a:rPr lang="pt-BR" dirty="0"/>
+              <a:t>Das entradas</a:t>
+            </a:r>
+          </a:p>
+        </p:txBody>
+      </p:sp>
+      <p:pic>
+        <p:nvPicPr>
+          <p:cNvPr id="7180" name="Picture 12" descr="Sign function - Wikipedia">
+            <a:extLst>
+              <a:ext uri="{FF2B5EF4-FFF2-40B4-BE49-F238E27FC236}">
+                <a16:creationId xmlns:a16="http://schemas.microsoft.com/office/drawing/2014/main" id="{045094BD-F632-48A3-B1D0-DB2B731C6906}"/>
+              </a:ext>
+            </a:extLst>
+          </p:cNvPr>
+          <p:cNvPicPr>
+            <a:picLocks noChangeAspect="1" noChangeArrowheads="1"/>
+          </p:cNvPicPr>
+          <p:nvPr/>
+        </p:nvPicPr>
+        <p:blipFill>
+          <a:blip r:embed="rId5">
+            <a:extLst>
+              <a:ext uri="{28A0092B-C50C-407E-A947-70E740481C1C}">
+                <a14:useLocalDpi xmlns:a14="http://schemas.microsoft.com/office/drawing/2010/main" val="0"/>
+              </a:ext>
+            </a:extLst>
+          </a:blip>
+          <a:srcRect/>
+          <a:stretch>
+            <a:fillRect/>
+          </a:stretch>
+        </p:blipFill>
+        <p:spPr bwMode="auto">
+          <a:xfrm>
+            <a:off x="7189806" y="2227582"/>
+            <a:ext cx="2146881" cy="1722929"/>
+          </a:xfrm>
+          <a:prstGeom prst="rect">
+            <a:avLst/>
+          </a:prstGeom>
+          <a:noFill/>
+          <a:extLst>
+            <a:ext uri="{909E8E84-426E-40DD-AFC4-6F175D3DCCD1}">
+              <a14:hiddenFill xmlns:a14="http://schemas.microsoft.com/office/drawing/2010/main">
+                <a:solidFill>
+                  <a:srgbClr val="FFFFFF"/>
+                </a:solidFill>
+              </a14:hiddenFill>
+            </a:ext>
+          </a:extLst>
+        </p:spPr>
+      </p:pic>
     </p:spTree>
     <p:extLst>
       <p:ext uri="{BB962C8B-B14F-4D97-AF65-F5344CB8AC3E}">
-        <p14:creationId xmlns:p14="http://schemas.microsoft.com/office/powerpoint/2010/main" val="1589166425"/>
+        <p14:creationId xmlns:p14="http://schemas.microsoft.com/office/powerpoint/2010/main" val="3416680409"/>
       </p:ext>
     </p:extLst>
   </p:cSld>
@@ -7894,7 +7844,7 @@
           <p:cNvPr id="2" name="Title 1">
             <a:extLst>
               <a:ext uri="{FF2B5EF4-FFF2-40B4-BE49-F238E27FC236}">
-                <a16:creationId xmlns:a16="http://schemas.microsoft.com/office/drawing/2014/main" id="{94C9B0CF-10D1-47C6-92FF-CCD8C5EFA970}"/>
+                <a16:creationId xmlns:a16="http://schemas.microsoft.com/office/drawing/2014/main" id="{0F82107E-8092-40E9-84CB-E90812D07E07}"/>
               </a:ext>
             </a:extLst>
           </p:cNvPr>
@@ -7922,7 +7872,7 @@
           <p:cNvPr id="3" name="Content Placeholder 2">
             <a:extLst>
               <a:ext uri="{FF2B5EF4-FFF2-40B4-BE49-F238E27FC236}">
-                <a16:creationId xmlns:a16="http://schemas.microsoft.com/office/drawing/2014/main" id="{A9A8763E-4326-4EEA-B1DC-08623A0BBD6F}"/>
+                <a16:creationId xmlns:a16="http://schemas.microsoft.com/office/drawing/2014/main" id="{BC06E155-5616-4F18-B41E-7AFDB2D65726}"/>
               </a:ext>
             </a:extLst>
           </p:cNvPr>
@@ -7940,17 +7890,35 @@
           <a:p>
             <a:r>
               <a:rPr lang="pt-BR" dirty="0"/>
-              <a:t>Inventada em 1957 por Frank Rossenblatt (uma das mais simples arquiteturas de RNA).</a:t>
+              <a:t>Classificações Binárias simples (problemas lineares e linearmente separáveis).</a:t>
+            </a:r>
+          </a:p>
+          <a:p>
+            <a:r>
+              <a:rPr lang="pt-BR" dirty="0"/>
+              <a:t>Uma perceptron é composta por uma camada de entrada e uma camada de saída.</a:t>
+            </a:r>
+          </a:p>
+          <a:p>
+            <a:r>
+              <a:rPr lang="pt-BR" dirty="0"/>
+              <a:t>Adição de um neurônio de viés (bias) – permite mudar a função de ativação para a esquerda ou direita.</a:t>
+            </a:r>
+          </a:p>
+          <a:p>
+            <a:r>
+              <a:rPr lang="pt-BR" dirty="0"/>
+              <a:t>Classificador multioutput.</a:t>
             </a:r>
           </a:p>
         </p:txBody>
       </p:sp>
       <p:pic>
         <p:nvPicPr>
-          <p:cNvPr id="7172" name="Picture 4" descr="Professor's perceptron paved the way for AI – 60 years too soon | Cornell  Chronicle">
-            <a:extLst>
-              <a:ext uri="{FF2B5EF4-FFF2-40B4-BE49-F238E27FC236}">
-                <a16:creationId xmlns:a16="http://schemas.microsoft.com/office/drawing/2014/main" id="{F4E03E06-483D-400B-9AC3-83E56CABA498}"/>
+          <p:cNvPr id="8196" name="Picture 4">
+            <a:extLst>
+              <a:ext uri="{FF2B5EF4-FFF2-40B4-BE49-F238E27FC236}">
+                <a16:creationId xmlns:a16="http://schemas.microsoft.com/office/drawing/2014/main" id="{0090F10F-F48D-48CB-9F93-75E0A141C016}"/>
               </a:ext>
             </a:extLst>
           </p:cNvPr>
@@ -7974,8 +7942,8 @@
         </p:blipFill>
         <p:spPr bwMode="auto">
           <a:xfrm>
-            <a:off x="8919541" y="390989"/>
-            <a:ext cx="2434259" cy="1368737"/>
+            <a:off x="6650314" y="3992161"/>
+            <a:ext cx="4534522" cy="2500714"/>
           </a:xfrm>
           <a:prstGeom prst="rect">
             <a:avLst/>
@@ -7994,89 +7962,10 @@
       </p:pic>
       <p:sp>
         <p:nvSpPr>
-          <p:cNvPr id="6" name="TextBox 5">
-            <a:extLst>
-              <a:ext uri="{FF2B5EF4-FFF2-40B4-BE49-F238E27FC236}">
-                <a16:creationId xmlns:a16="http://schemas.microsoft.com/office/drawing/2014/main" id="{9FEFD6ED-4005-495F-993C-6A50C84B281E}"/>
-              </a:ext>
-            </a:extLst>
-          </p:cNvPr>
-          <p:cNvSpPr txBox="1"/>
-          <p:nvPr/>
-        </p:nvSpPr>
-        <p:spPr>
-          <a:xfrm>
-            <a:off x="3813725" y="5102087"/>
-            <a:ext cx="184731" cy="369332"/>
-          </a:xfrm>
-          <a:prstGeom prst="rect">
-            <a:avLst/>
-          </a:prstGeom>
-          <a:noFill/>
-        </p:spPr>
-        <p:txBody>
-          <a:bodyPr wrap="none" rtlCol="0">
-            <a:spAutoFit/>
-          </a:bodyPr>
-          <a:lstStyle/>
-          <a:p>
-            <a:endParaRPr lang="pt-BR" dirty="0"/>
-          </a:p>
-        </p:txBody>
-      </p:sp>
-      <p:pic>
-        <p:nvPicPr>
-          <p:cNvPr id="7176" name="Picture 8">
-            <a:extLst>
-              <a:ext uri="{FF2B5EF4-FFF2-40B4-BE49-F238E27FC236}">
-                <a16:creationId xmlns:a16="http://schemas.microsoft.com/office/drawing/2014/main" id="{55B4E138-EEC0-4A16-872D-551098AE9D61}"/>
-              </a:ext>
-            </a:extLst>
-          </p:cNvPr>
-          <p:cNvPicPr>
-            <a:picLocks noChangeAspect="1" noChangeArrowheads="1"/>
-          </p:cNvPicPr>
-          <p:nvPr/>
-        </p:nvPicPr>
-        <p:blipFill>
-          <a:blip r:embed="rId3">
-            <a:extLst>
-              <a:ext uri="{28A0092B-C50C-407E-A947-70E740481C1C}">
-                <a14:useLocalDpi xmlns:a14="http://schemas.microsoft.com/office/drawing/2010/main" val="0"/>
-              </a:ext>
-            </a:extLst>
-          </a:blip>
-          <a:srcRect/>
-          <a:stretch>
-            <a:fillRect/>
-          </a:stretch>
-        </p:blipFill>
-        <p:spPr bwMode="auto">
-          <a:xfrm>
-            <a:off x="838200" y="3087758"/>
-            <a:ext cx="5813784" cy="3089206"/>
-          </a:xfrm>
-          <a:prstGeom prst="rect">
-            <a:avLst/>
-          </a:prstGeom>
-          <a:noFill/>
-          <a:extLst>
-            <a:ext uri="{909E8E84-426E-40DD-AFC4-6F175D3DCCD1}">
-              <a14:hiddenFill xmlns:a14="http://schemas.microsoft.com/office/drawing/2010/main">
-                <a:solidFill>
-                  <a:srgbClr val="FFFFFF"/>
-                </a:solidFill>
-              </a14:hiddenFill>
-            </a:ext>
-          </a:extLst>
-        </p:spPr>
-      </p:pic>
-      <p:sp>
-        <p:nvSpPr>
-          <p:cNvPr id="7" name="Arrow: Right 6">
-            <a:extLst>
-              <a:ext uri="{FF2B5EF4-FFF2-40B4-BE49-F238E27FC236}">
-                <a16:creationId xmlns:a16="http://schemas.microsoft.com/office/drawing/2014/main" id="{1F2484EF-7560-43C5-81C4-D542DCEACE8E}"/>
+          <p:cNvPr id="4" name="Arrow: Right 3">
+            <a:extLst>
+              <a:ext uri="{FF2B5EF4-FFF2-40B4-BE49-F238E27FC236}">
+                <a16:creationId xmlns:a16="http://schemas.microsoft.com/office/drawing/2014/main" id="{3707EABA-A66B-45CC-8026-C8443B121C0F}"/>
               </a:ext>
             </a:extLst>
           </p:cNvPr>
@@ -8084,8 +7973,8 @@
           <p:nvPr/>
         </p:nvSpPr>
         <p:spPr>
-          <a:xfrm>
-            <a:off x="6651984" y="4001294"/>
+          <a:xfrm rot="19510359">
+            <a:off x="6146759" y="1037542"/>
             <a:ext cx="978408" cy="484632"/>
           </a:xfrm>
           <a:prstGeom prst="rightArrow">
@@ -8119,10 +8008,10 @@
       </p:sp>
       <p:sp>
         <p:nvSpPr>
-          <p:cNvPr id="8" name="TextBox 7">
-            <a:extLst>
-              <a:ext uri="{FF2B5EF4-FFF2-40B4-BE49-F238E27FC236}">
-                <a16:creationId xmlns:a16="http://schemas.microsoft.com/office/drawing/2014/main" id="{758B16E6-46C8-4C7A-9811-3E3B5C02CEC8}"/>
+          <p:cNvPr id="5" name="TextBox 4">
+            <a:extLst>
+              <a:ext uri="{FF2B5EF4-FFF2-40B4-BE49-F238E27FC236}">
+                <a16:creationId xmlns:a16="http://schemas.microsoft.com/office/drawing/2014/main" id="{889360A3-08E3-4074-84AF-D56297B9020C}"/>
               </a:ext>
             </a:extLst>
           </p:cNvPr>
@@ -8131,8 +8020,8 @@
         </p:nvSpPr>
         <p:spPr>
           <a:xfrm>
-            <a:off x="7630392" y="3920444"/>
-            <a:ext cx="4424737" cy="646331"/>
+            <a:off x="7391399" y="625451"/>
+            <a:ext cx="4137991" cy="646331"/>
           </a:xfrm>
           <a:prstGeom prst="rect">
             <a:avLst/>
@@ -8140,127 +8029,25 @@
           <a:noFill/>
         </p:spPr>
         <p:txBody>
-          <a:bodyPr wrap="none" rtlCol="0">
+          <a:bodyPr wrap="square" rtlCol="0">
             <a:spAutoFit/>
           </a:bodyPr>
           <a:lstStyle/>
           <a:p>
-            <a:r>
-              <a:rPr lang="pt-BR" dirty="0"/>
-              <a:t>As funções de ativação basicamente decidem</a:t>
-            </a:r>
-          </a:p>
-          <a:p>
-            <a:r>
-              <a:rPr lang="pt-BR" dirty="0"/>
-              <a:t>se um neurônio deve ser </a:t>
-            </a:r>
+            <a:pPr algn="ctr"/>
             <a:r>
               <a:rPr lang="pt-BR" b="1" dirty="0"/>
-              <a:t>ativado</a:t>
-            </a:r>
-            <a:r>
-              <a:rPr lang="pt-BR" dirty="0"/>
-              <a:t> ou não.</a:t>
-            </a:r>
-          </a:p>
-        </p:txBody>
-      </p:sp>
-      <p:sp>
-        <p:nvSpPr>
-          <p:cNvPr id="9" name="Arrow: Right 8">
-            <a:extLst>
-              <a:ext uri="{FF2B5EF4-FFF2-40B4-BE49-F238E27FC236}">
-                <a16:creationId xmlns:a16="http://schemas.microsoft.com/office/drawing/2014/main" id="{A4DB67D2-49A5-4717-B535-036D1A881CE6}"/>
-              </a:ext>
-            </a:extLst>
-          </p:cNvPr>
-          <p:cNvSpPr/>
-          <p:nvPr/>
-        </p:nvSpPr>
-        <p:spPr>
-          <a:xfrm>
-            <a:off x="5163806" y="5102087"/>
-            <a:ext cx="978408" cy="484632"/>
-          </a:xfrm>
-          <a:prstGeom prst="rightArrow">
-            <a:avLst/>
-          </a:prstGeom>
-        </p:spPr>
-        <p:style>
-          <a:lnRef idx="2">
-            <a:schemeClr val="accent1">
-              <a:shade val="50000"/>
-            </a:schemeClr>
-          </a:lnRef>
-          <a:fillRef idx="1">
-            <a:schemeClr val="accent1"/>
-          </a:fillRef>
-          <a:effectRef idx="0">
-            <a:schemeClr val="accent1"/>
-          </a:effectRef>
-          <a:fontRef idx="minor">
-            <a:schemeClr val="lt1"/>
-          </a:fontRef>
-        </p:style>
-        <p:txBody>
-          <a:bodyPr rtlCol="0" anchor="ctr"/>
-          <a:lstStyle/>
-          <a:p>
-            <a:pPr algn="ctr"/>
-            <a:endParaRPr lang="pt-BR"/>
-          </a:p>
-        </p:txBody>
-      </p:sp>
-      <p:sp>
-        <p:nvSpPr>
-          <p:cNvPr id="10" name="TextBox 9">
-            <a:extLst>
-              <a:ext uri="{FF2B5EF4-FFF2-40B4-BE49-F238E27FC236}">
-                <a16:creationId xmlns:a16="http://schemas.microsoft.com/office/drawing/2014/main" id="{C230D3A6-F601-4F11-BC25-6D63F240C8FB}"/>
-              </a:ext>
-            </a:extLst>
-          </p:cNvPr>
-          <p:cNvSpPr txBox="1"/>
-          <p:nvPr/>
-        </p:nvSpPr>
-        <p:spPr>
-          <a:xfrm>
-            <a:off x="6076225" y="5048703"/>
-            <a:ext cx="6033447" cy="646331"/>
-          </a:xfrm>
-          <a:prstGeom prst="rect">
-            <a:avLst/>
-          </a:prstGeom>
-          <a:noFill/>
-        </p:spPr>
-        <p:txBody>
-          <a:bodyPr wrap="none" rtlCol="0">
-            <a:spAutoFit/>
-          </a:bodyPr>
-          <a:lstStyle/>
-          <a:p>
-            <a:pPr algn="ctr"/>
-            <a:r>
-              <a:rPr lang="pt-BR" dirty="0"/>
-              <a:t>O treinamento da minha rede neural consistem em encontrar</a:t>
-            </a:r>
-          </a:p>
-          <a:p>
-            <a:pPr algn="ctr"/>
-            <a:r>
-              <a:rPr lang="pt-BR" dirty="0"/>
-              <a:t>os pesos ideais (quanto mais generalista, melhor). </a:t>
+              <a:t>Problemas linearmente separáveis oferecem uma infinidade de hiperplanos!</a:t>
             </a:r>
           </a:p>
         </p:txBody>
       </p:sp>
       <p:pic>
         <p:nvPicPr>
-          <p:cNvPr id="7178" name="Picture 10" descr="Função de Heaviside – Wikipédia, a enciclopédia livre">
-            <a:extLst>
-              <a:ext uri="{FF2B5EF4-FFF2-40B4-BE49-F238E27FC236}">
-                <a16:creationId xmlns:a16="http://schemas.microsoft.com/office/drawing/2014/main" id="{0009D21F-D11E-491C-B0B3-D3BA5C75C9E7}"/>
+          <p:cNvPr id="8198" name="Picture 6" descr="Introdução ao Perceptron passo a passo | GlobalMin">
+            <a:extLst>
+              <a:ext uri="{FF2B5EF4-FFF2-40B4-BE49-F238E27FC236}">
+                <a16:creationId xmlns:a16="http://schemas.microsoft.com/office/drawing/2014/main" id="{FE3953A6-5C65-4434-BBBF-6D90713E4002}"/>
               </a:ext>
             </a:extLst>
           </p:cNvPr>
@@ -8270,7 +8057,7 @@
           <p:nvPr/>
         </p:nvPicPr>
         <p:blipFill>
-          <a:blip r:embed="rId4">
+          <a:blip r:embed="rId3">
             <a:extLst>
               <a:ext uri="{28A0092B-C50C-407E-A947-70E740481C1C}">
                 <a14:useLocalDpi xmlns:a14="http://schemas.microsoft.com/office/drawing/2010/main" val="0"/>
@@ -8284,8 +8071,8 @@
         </p:blipFill>
         <p:spPr bwMode="auto">
           <a:xfrm>
-            <a:off x="9634591" y="2215173"/>
-            <a:ext cx="2420538" cy="1815404"/>
+            <a:off x="2077692" y="5011133"/>
+            <a:ext cx="3680253" cy="1846867"/>
           </a:xfrm>
           <a:prstGeom prst="rect">
             <a:avLst/>
@@ -8302,100 +8089,10 @@
           </a:extLst>
         </p:spPr>
       </p:pic>
-      <p:sp>
-        <p:nvSpPr>
-          <p:cNvPr id="12" name="TextBox 11">
-            <a:extLst>
-              <a:ext uri="{FF2B5EF4-FFF2-40B4-BE49-F238E27FC236}">
-                <a16:creationId xmlns:a16="http://schemas.microsoft.com/office/drawing/2014/main" id="{8AFB5B43-E8B9-407B-9C4B-77B155506F5C}"/>
-              </a:ext>
-            </a:extLst>
-          </p:cNvPr>
-          <p:cNvSpPr txBox="1"/>
-          <p:nvPr/>
-        </p:nvSpPr>
-        <p:spPr>
-          <a:xfrm>
-            <a:off x="273348" y="4311003"/>
-            <a:ext cx="1808252" cy="646331"/>
-          </a:xfrm>
-          <a:prstGeom prst="rect">
-            <a:avLst/>
-          </a:prstGeom>
-          <a:noFill/>
-        </p:spPr>
-        <p:txBody>
-          <a:bodyPr wrap="none" rtlCol="0">
-            <a:spAutoFit/>
-          </a:bodyPr>
-          <a:lstStyle/>
-          <a:p>
-            <a:pPr algn="ctr"/>
-            <a:r>
-              <a:rPr lang="pt-BR" dirty="0"/>
-              <a:t>Soma ponderada</a:t>
-            </a:r>
-          </a:p>
-          <a:p>
-            <a:pPr algn="ctr"/>
-            <a:r>
-              <a:rPr lang="pt-BR" dirty="0"/>
-              <a:t>Das entradas</a:t>
-            </a:r>
-          </a:p>
-        </p:txBody>
-      </p:sp>
-      <p:pic>
-        <p:nvPicPr>
-          <p:cNvPr id="7180" name="Picture 12" descr="Sign function - Wikipedia">
-            <a:extLst>
-              <a:ext uri="{FF2B5EF4-FFF2-40B4-BE49-F238E27FC236}">
-                <a16:creationId xmlns:a16="http://schemas.microsoft.com/office/drawing/2014/main" id="{045094BD-F632-48A3-B1D0-DB2B731C6906}"/>
-              </a:ext>
-            </a:extLst>
-          </p:cNvPr>
-          <p:cNvPicPr>
-            <a:picLocks noChangeAspect="1" noChangeArrowheads="1"/>
-          </p:cNvPicPr>
-          <p:nvPr/>
-        </p:nvPicPr>
-        <p:blipFill>
-          <a:blip r:embed="rId5">
-            <a:extLst>
-              <a:ext uri="{28A0092B-C50C-407E-A947-70E740481C1C}">
-                <a14:useLocalDpi xmlns:a14="http://schemas.microsoft.com/office/drawing/2010/main" val="0"/>
-              </a:ext>
-            </a:extLst>
-          </a:blip>
-          <a:srcRect/>
-          <a:stretch>
-            <a:fillRect/>
-          </a:stretch>
-        </p:blipFill>
-        <p:spPr bwMode="auto">
-          <a:xfrm>
-            <a:off x="7189806" y="2227582"/>
-            <a:ext cx="2146881" cy="1722929"/>
-          </a:xfrm>
-          <a:prstGeom prst="rect">
-            <a:avLst/>
-          </a:prstGeom>
-          <a:noFill/>
-          <a:extLst>
-            <a:ext uri="{909E8E84-426E-40DD-AFC4-6F175D3DCCD1}">
-              <a14:hiddenFill xmlns:a14="http://schemas.microsoft.com/office/drawing/2010/main">
-                <a:solidFill>
-                  <a:srgbClr val="FFFFFF"/>
-                </a:solidFill>
-              </a14:hiddenFill>
-            </a:ext>
-          </a:extLst>
-        </p:spPr>
-      </p:pic>
     </p:spTree>
     <p:extLst>
       <p:ext uri="{BB962C8B-B14F-4D97-AF65-F5344CB8AC3E}">
-        <p14:creationId xmlns:p14="http://schemas.microsoft.com/office/powerpoint/2010/main" val="3416680409"/>
+        <p14:creationId xmlns:p14="http://schemas.microsoft.com/office/powerpoint/2010/main" val="3286975735"/>
       </p:ext>
     </p:extLst>
   </p:cSld>
